--- a/Peppers.pptx
+++ b/Peppers.pptx
@@ -10,6 +10,7 @@
     <p:sldId id="261" r:id="rId4"/>
     <p:sldId id="260" r:id="rId5"/>
     <p:sldId id="259" r:id="rId6"/>
+    <p:sldId id="262" r:id="rId7"/>
   </p:sldIdLst>
   <p:sldSz cx="12192000" cy="6858000"/>
   <p:notesSz cx="6858000" cy="9144000"/>
@@ -4902,6 +4903,13 @@
   <p:clrMapOvr>
     <a:masterClrMapping/>
   </p:clrMapOvr>
+  <p:timing>
+    <p:tnLst>
+      <p:par>
+        <p:cTn id="1" dur="indefinite" restart="never" nodeType="tmRoot"/>
+      </p:par>
+    </p:tnLst>
+  </p:timing>
 </p:sld>
 </file>
 
@@ -5388,6 +5396,47 @@
           <a:chExt cx="0" cy="0"/>
         </a:xfrm>
       </p:grpSpPr>
+      <p:pic>
+        <p:nvPicPr>
+          <p:cNvPr id="1026" name="Picture 2" descr="D:\ANDRII-I_liceum\photo_2019-10-10_17-13-03.jpg"/>
+          <p:cNvPicPr>
+            <a:picLocks noChangeAspect="1" noChangeArrowheads="1"/>
+          </p:cNvPicPr>
+          <p:nvPr/>
+        </p:nvPicPr>
+        <p:blipFill>
+          <a:blip r:embed="rId2">
+            <a:extLst>
+              <a:ext uri="{28A0092B-C50C-407E-A947-70E740481C1C}">
+                <a14:useLocalDpi xmlns:a14="http://schemas.microsoft.com/office/drawing/2010/main" val="0"/>
+              </a:ext>
+            </a:extLst>
+          </a:blip>
+          <a:srcRect/>
+          <a:stretch>
+            <a:fillRect/>
+          </a:stretch>
+        </p:blipFill>
+        <p:spPr bwMode="auto">
+          <a:xfrm>
+            <a:off x="6762750" y="2571749"/>
+            <a:ext cx="5429250" cy="4207741"/>
+          </a:xfrm>
+          <a:prstGeom prst="rect">
+            <a:avLst/>
+          </a:prstGeom>
+          <a:noFill/>
+          <a:extLst>
+            <a:ext uri="{909E8E84-426E-40DD-AFC4-6F175D3DCCD1}">
+              <a14:hiddenFill xmlns:a14="http://schemas.microsoft.com/office/drawing/2010/main">
+                <a:solidFill>
+                  <a:srgbClr val="FFFFFF"/>
+                </a:solidFill>
+              </a14:hiddenFill>
+            </a:ext>
+          </a:extLst>
+        </p:spPr>
+      </p:pic>
       <p:sp>
         <p:nvSpPr>
           <p:cNvPr id="2" name="Заголовок 1"/>
@@ -5424,38 +5473,154 @@
         </p:nvSpPr>
         <p:spPr/>
         <p:txBody>
-          <a:bodyPr/>
-          <a:lstStyle/>
-          <a:p>
-            <a:r>
-              <a:rPr lang="uk-UA" dirty="0" smtClean="0"/>
-              <a:t>Ми знаходимо відстань між двома точками. Знаходимо довжину і ширину поля, яке ми повинні сфотографувати. За формулами знаходимо довжину і ширину прямокутника, яку </a:t>
-            </a:r>
-            <a:r>
-              <a:rPr lang="uk-UA" dirty="0" err="1" smtClean="0"/>
+          <a:bodyPr>
+            <a:normAutofit/>
+          </a:bodyPr>
+          <a:lstStyle/>
+          <a:p>
+            <a:pPr>
+              <a:buFont typeface="Arial" pitchFamily="34" charset="0"/>
+              <a:buChar char="•"/>
+            </a:pPr>
+            <a:r>
+              <a:rPr lang="uk-UA" sz="1800" dirty="0" smtClean="0"/>
+              <a:t>Ми </a:t>
+            </a:r>
+            <a:r>
+              <a:rPr lang="uk-UA" sz="1800" dirty="0" smtClean="0"/>
+              <a:t>знаходимо відстань між двома точками. </a:t>
+            </a:r>
+            <a:endParaRPr lang="en-US" sz="1800" dirty="0" smtClean="0"/>
+          </a:p>
+          <a:p>
+            <a:pPr>
+              <a:buFont typeface="Arial" pitchFamily="34" charset="0"/>
+              <a:buChar char="•"/>
+            </a:pPr>
+            <a:r>
+              <a:rPr lang="uk-UA" sz="1800" dirty="0" smtClean="0"/>
+              <a:t>Знаходимо </a:t>
+            </a:r>
+            <a:r>
+              <a:rPr lang="uk-UA" sz="1800" dirty="0" smtClean="0"/>
+              <a:t>довжину і ширину поля, яке ми повинні сфотографувати. </a:t>
+            </a:r>
+            <a:endParaRPr lang="en-US" sz="1800" dirty="0" smtClean="0"/>
+          </a:p>
+          <a:p>
+            <a:pPr>
+              <a:buFont typeface="Arial" pitchFamily="34" charset="0"/>
+              <a:buChar char="•"/>
+            </a:pPr>
+            <a:r>
+              <a:rPr lang="uk-UA" sz="1800" dirty="0" smtClean="0"/>
+              <a:t>За </a:t>
+            </a:r>
+            <a:r>
+              <a:rPr lang="uk-UA" sz="1800" dirty="0" smtClean="0"/>
+              <a:t>формулами знаходимо довжину і ширину прямокутника, яку </a:t>
+            </a:r>
+            <a:r>
+              <a:rPr lang="uk-UA" sz="1800" dirty="0" err="1" smtClean="0"/>
               <a:t>дрон</a:t>
             </a:r>
             <a:r>
-              <a:rPr lang="uk-UA" dirty="0" smtClean="0"/>
-              <a:t> фотографує. Розбиваємо поле на </a:t>
-            </a:r>
-            <a:r>
-              <a:rPr lang="uk-UA" dirty="0" smtClean="0"/>
-              <a:t>прямокутники,поділивши </a:t>
-            </a:r>
-            <a:r>
-              <a:rPr lang="uk-UA" dirty="0" smtClean="0"/>
-              <a:t>довжину поля на ширину прямокутника і так само з довжиною поля та довжиною прямокутник, ми дізнаємося кількість квадратів по ширині та довжині. Створюємо масив в якому ми вміщуємо координати, де </a:t>
-            </a:r>
-            <a:r>
-              <a:rPr lang="uk-UA" dirty="0" err="1" smtClean="0"/>
+              <a:rPr lang="uk-UA" sz="1800" dirty="0" smtClean="0"/>
+              <a:t> фотографує</a:t>
+            </a:r>
+            <a:r>
+              <a:rPr lang="uk-UA" sz="1800" dirty="0" smtClean="0"/>
+              <a:t>.</a:t>
+            </a:r>
+            <a:endParaRPr lang="en-US" sz="1800" dirty="0" smtClean="0"/>
+          </a:p>
+          <a:p>
+            <a:pPr>
+              <a:buFont typeface="Arial" pitchFamily="34" charset="0"/>
+              <a:buChar char="•"/>
+            </a:pPr>
+            <a:r>
+              <a:rPr lang="uk-UA" sz="1800" dirty="0" smtClean="0"/>
+              <a:t>Розбиваємо </a:t>
+            </a:r>
+            <a:r>
+              <a:rPr lang="uk-UA" sz="1800" dirty="0" smtClean="0"/>
+              <a:t>поле на прямокутники,поділивши довжину поля на ширину прямокутника і так само з довжиною поля та довжиною </a:t>
+            </a:r>
+            <a:r>
+              <a:rPr lang="uk-UA" sz="1800" dirty="0" smtClean="0"/>
+              <a:t>прямокутник</a:t>
+            </a:r>
+            <a:r>
+              <a:rPr lang="uk-UA" sz="1800" dirty="0"/>
+              <a:t>а</a:t>
+            </a:r>
+            <a:r>
+              <a:rPr lang="uk-UA" sz="1800" dirty="0" smtClean="0"/>
+              <a:t>, </a:t>
+            </a:r>
+            <a:endParaRPr lang="en-US" sz="1800" dirty="0" smtClean="0"/>
+          </a:p>
+          <a:p>
+            <a:pPr>
+              <a:buFont typeface="Arial" pitchFamily="34" charset="0"/>
+              <a:buChar char="•"/>
+            </a:pPr>
+            <a:r>
+              <a:rPr lang="uk-UA" sz="1800" dirty="0"/>
+              <a:t>Д</a:t>
+            </a:r>
+            <a:r>
+              <a:rPr lang="uk-UA" sz="1800" dirty="0" smtClean="0"/>
+              <a:t>ізнаємося </a:t>
+            </a:r>
+            <a:r>
+              <a:rPr lang="uk-UA" sz="1800" dirty="0" smtClean="0"/>
+              <a:t>кількість квадратів по ширині та </a:t>
+            </a:r>
+            <a:r>
+              <a:rPr lang="uk-UA" sz="1800" dirty="0" smtClean="0"/>
+              <a:t>довжині.</a:t>
+            </a:r>
+            <a:endParaRPr lang="en-US" sz="1800" dirty="0" smtClean="0"/>
+          </a:p>
+          <a:p>
+            <a:pPr>
+              <a:buFont typeface="Arial" pitchFamily="34" charset="0"/>
+              <a:buChar char="•"/>
+            </a:pPr>
+            <a:r>
+              <a:rPr lang="uk-UA" sz="1800" dirty="0" smtClean="0"/>
+              <a:t>Створюємо </a:t>
+            </a:r>
+            <a:r>
+              <a:rPr lang="uk-UA" sz="1800" dirty="0" smtClean="0"/>
+              <a:t>масив в якому ми вміщуємо координати, </a:t>
+            </a:r>
+            <a:r>
+              <a:rPr lang="uk-UA" sz="1800" dirty="0" smtClean="0"/>
+              <a:t>де</a:t>
+            </a:r>
+            <a:r>
+              <a:rPr lang="en-US" sz="1800" dirty="0" smtClean="0"/>
+              <a:t/>
+            </a:r>
+            <a:br>
+              <a:rPr lang="en-US" sz="1800" dirty="0" smtClean="0"/>
+            </a:br>
+            <a:r>
+              <a:rPr lang="uk-UA" sz="1800" dirty="0" smtClean="0"/>
+              <a:t> </a:t>
+            </a:r>
+            <a:r>
+              <a:rPr lang="uk-UA" sz="1800" dirty="0" err="1" smtClean="0"/>
               <a:t>дрон</a:t>
             </a:r>
             <a:r>
-              <a:rPr lang="uk-UA" dirty="0" smtClean="0"/>
+              <a:rPr lang="uk-UA" sz="1800" dirty="0" smtClean="0"/>
               <a:t> фотографує.   </a:t>
             </a:r>
-            <a:endParaRPr lang="ru-RU" dirty="0"/>
+            <a:endParaRPr lang="ru-RU" sz="1800" dirty="0"/>
           </a:p>
         </p:txBody>
       </p:sp>
@@ -5549,212 +5714,120 @@
             <p:ph idx="1"/>
           </p:nvPr>
         </p:nvSpPr>
-        <p:spPr/>
-        <p:txBody>
-          <a:bodyPr/>
-          <a:lstStyle/>
-          <a:p>
-            <a:r>
-              <a:rPr lang="en-US" b="1" dirty="0"/>
-              <a:t>WGS84</a:t>
-            </a:r>
-            <a:r>
-              <a:rPr lang="en-US" dirty="0"/>
+        <p:spPr>
+          <a:xfrm>
+            <a:off x="276225" y="1100629"/>
+            <a:ext cx="11620500" cy="3579849"/>
+          </a:xfrm>
+        </p:spPr>
+        <p:txBody>
+          <a:bodyPr>
+            <a:normAutofit/>
+          </a:bodyPr>
+          <a:lstStyle/>
+          <a:p>
+            <a:pPr>
+              <a:lnSpc>
+                <a:spcPct val="150000"/>
+              </a:lnSpc>
+            </a:pPr>
+            <a:r>
+              <a:rPr lang="uk-UA" sz="3600" dirty="0" smtClean="0"/>
+              <a:t>		</a:t>
+            </a:r>
+            <a:r>
+              <a:rPr lang="en-US" sz="3600" dirty="0" smtClean="0"/>
+              <a:t>World Ge</a:t>
+            </a:r>
+            <a:r>
+              <a:rPr lang="en-US" sz="3600" i="1" dirty="0" smtClean="0"/>
+              <a:t>odetic System 1984</a:t>
+            </a:r>
+            <a:r>
+              <a:rPr lang="en-US" sz="3600" dirty="0" smtClean="0"/>
+              <a:t> —</a:t>
+            </a:r>
+            <a:r>
+              <a:rPr lang="ru-RU" sz="3600" dirty="0" err="1" smtClean="0"/>
+              <a:t>тривимірна</a:t>
+            </a:r>
+            <a:r>
+              <a:rPr lang="ru-RU" sz="3600" dirty="0" smtClean="0"/>
+              <a:t> система координат для </a:t>
+            </a:r>
+            <a:r>
+              <a:rPr lang="ru-RU" sz="3600" dirty="0" err="1" smtClean="0"/>
+              <a:t>встановлення</a:t>
+            </a:r>
+            <a:r>
+              <a:rPr lang="ru-RU" sz="3600" dirty="0" smtClean="0"/>
+              <a:t> </a:t>
+            </a:r>
+            <a:r>
+              <a:rPr lang="ru-RU" sz="3600" dirty="0" err="1" smtClean="0"/>
+              <a:t>розташування</a:t>
+            </a:r>
+            <a:r>
+              <a:rPr lang="ru-RU" sz="3600" dirty="0" smtClean="0"/>
+              <a:t> на </a:t>
+            </a:r>
+            <a:r>
+              <a:rPr lang="ru-RU" sz="3600" dirty="0" err="1" smtClean="0"/>
+              <a:t>поверхні</a:t>
+            </a:r>
+            <a:r>
+              <a:rPr lang="ru-RU" sz="3600" dirty="0" smtClean="0"/>
               <a:t> </a:t>
             </a:r>
             <a:r>
-              <a:rPr lang="ru-RU" dirty="0" err="1"/>
-              <a:t>скорочення</a:t>
-            </a:r>
-            <a:r>
-              <a:rPr lang="ru-RU" dirty="0"/>
+              <a:rPr lang="ru-RU" sz="3600" dirty="0" err="1" smtClean="0"/>
+              <a:t>Землі</a:t>
+            </a:r>
+            <a:r>
+              <a:rPr lang="ru-RU" sz="3600" dirty="0" smtClean="0"/>
+              <a:t>. </a:t>
+            </a:r>
+            <a:r>
+              <a:rPr lang="uk-UA" sz="3600" dirty="0"/>
+              <a:t>В</a:t>
+            </a:r>
+            <a:r>
+              <a:rPr lang="ru-RU" sz="3600" dirty="0" smtClean="0"/>
+              <a:t>она </a:t>
+            </a:r>
+            <a:r>
+              <a:rPr lang="ru-RU" sz="3600" dirty="0" err="1" smtClean="0"/>
+              <a:t>повністю</a:t>
+            </a:r>
+            <a:r>
+              <a:rPr lang="ru-RU" sz="3600" dirty="0" smtClean="0"/>
               <a:t> </a:t>
             </a:r>
             <a:r>
-              <a:rPr lang="ru-RU" dirty="0" err="1"/>
-              <a:t>від</a:t>
-            </a:r>
-            <a:r>
-              <a:rPr lang="ru-RU" dirty="0"/>
-              <a:t> англ. </a:t>
-            </a:r>
-            <a:r>
-              <a:rPr lang="en-US" i="1" dirty="0"/>
-              <a:t>World Geodetic System 1984</a:t>
-            </a:r>
-            <a:r>
-              <a:rPr lang="en-US" dirty="0"/>
-              <a:t> — </a:t>
-            </a:r>
-            <a:r>
-              <a:rPr lang="ru-RU" dirty="0"/>
-              <a:t>в </a:t>
-            </a:r>
-            <a:r>
-              <a:rPr lang="ru-RU" dirty="0" err="1"/>
-              <a:t>геодезії</a:t>
-            </a:r>
-            <a:r>
-              <a:rPr lang="ru-RU" dirty="0"/>
+              <a:rPr lang="ru-RU" sz="3600" dirty="0" err="1" smtClean="0"/>
+              <a:t>охоплює</a:t>
+            </a:r>
+            <a:r>
+              <a:rPr lang="ru-RU" sz="3600" dirty="0" smtClean="0"/>
               <a:t> </a:t>
             </a:r>
             <a:r>
-              <a:rPr lang="ru-RU" dirty="0" err="1"/>
-              <a:t>тривимірна</a:t>
-            </a:r>
-            <a:r>
-              <a:rPr lang="ru-RU" dirty="0"/>
-              <a:t> система </a:t>
-            </a:r>
-            <a:r>
-              <a:rPr lang="ru-RU" dirty="0" smtClean="0"/>
-              <a:t>координат</a:t>
-            </a:r>
-            <a:r>
-              <a:rPr lang="ru-RU" dirty="0"/>
-              <a:t> для </a:t>
-            </a:r>
-            <a:r>
-              <a:rPr lang="ru-RU" dirty="0" err="1"/>
-              <a:t>встановлення</a:t>
-            </a:r>
-            <a:r>
-              <a:rPr lang="ru-RU" dirty="0"/>
+              <a:rPr lang="ru-RU" sz="3600" dirty="0" err="1" smtClean="0"/>
+              <a:t>поверхню</a:t>
+            </a:r>
+            <a:r>
+              <a:rPr lang="ru-RU" sz="3600" dirty="0" smtClean="0"/>
               <a:t> </a:t>
             </a:r>
             <a:r>
-              <a:rPr lang="ru-RU" dirty="0" err="1"/>
-              <a:t>розташування</a:t>
-            </a:r>
-            <a:r>
-              <a:rPr lang="ru-RU" dirty="0"/>
-              <a:t> на </a:t>
-            </a:r>
-            <a:r>
-              <a:rPr lang="ru-RU" dirty="0" err="1"/>
-              <a:t>поверхні</a:t>
-            </a:r>
-            <a:r>
-              <a:rPr lang="ru-RU" dirty="0"/>
-              <a:t> </a:t>
-            </a:r>
-            <a:r>
-              <a:rPr lang="ru-RU" dirty="0" err="1"/>
+              <a:rPr lang="ru-RU" sz="3600" dirty="0" err="1" smtClean="0"/>
               <a:t>Землі</a:t>
             </a:r>
             <a:r>
-              <a:rPr lang="ru-RU" dirty="0"/>
-              <a:t>. Особливою </a:t>
-            </a:r>
-            <a:r>
-              <a:rPr lang="ru-RU" dirty="0" err="1"/>
-              <a:t>властивістю</a:t>
-            </a:r>
-            <a:r>
-              <a:rPr lang="ru-RU" dirty="0"/>
-              <a:t> </a:t>
-            </a:r>
-            <a:r>
-              <a:rPr lang="ru-RU" dirty="0" err="1"/>
-              <a:t>цієї</a:t>
-            </a:r>
-            <a:r>
-              <a:rPr lang="ru-RU" dirty="0"/>
-              <a:t> </a:t>
-            </a:r>
-            <a:r>
-              <a:rPr lang="ru-RU" dirty="0" err="1"/>
-              <a:t>системи</a:t>
-            </a:r>
-            <a:r>
-              <a:rPr lang="ru-RU" dirty="0"/>
-              <a:t> є те, </a:t>
-            </a:r>
-            <a:r>
-              <a:rPr lang="ru-RU" dirty="0" err="1"/>
-              <a:t>що</a:t>
-            </a:r>
-            <a:r>
-              <a:rPr lang="ru-RU" dirty="0"/>
-              <a:t> вона </a:t>
-            </a:r>
-            <a:r>
-              <a:rPr lang="ru-RU" dirty="0" err="1"/>
-              <a:t>повністю</a:t>
-            </a:r>
-            <a:r>
-              <a:rPr lang="ru-RU" dirty="0"/>
-              <a:t> </a:t>
-            </a:r>
-            <a:r>
-              <a:rPr lang="ru-RU" dirty="0" err="1"/>
-              <a:t>охоплює</a:t>
-            </a:r>
-            <a:r>
-              <a:rPr lang="ru-RU" dirty="0"/>
-              <a:t> </a:t>
-            </a:r>
-            <a:r>
-              <a:rPr lang="ru-RU" dirty="0" err="1"/>
-              <a:t>поверхню</a:t>
-            </a:r>
-            <a:r>
-              <a:rPr lang="ru-RU" dirty="0"/>
-              <a:t> </a:t>
-            </a:r>
-            <a:r>
-              <a:rPr lang="ru-RU" dirty="0" err="1"/>
-              <a:t>Землі</a:t>
-            </a:r>
-            <a:r>
-              <a:rPr lang="ru-RU" dirty="0"/>
+              <a:rPr lang="ru-RU" sz="3600" dirty="0" smtClean="0"/>
               <a:t>. </a:t>
             </a:r>
-            <a:r>
-              <a:rPr lang="en-US" dirty="0"/>
-              <a:t>WGS84 </a:t>
-            </a:r>
-            <a:r>
-              <a:rPr lang="ru-RU" dirty="0"/>
-              <a:t>є </a:t>
-            </a:r>
-            <a:r>
-              <a:rPr lang="ru-RU" dirty="0" err="1"/>
-              <a:t>вдосконаленням</a:t>
-            </a:r>
-            <a:r>
-              <a:rPr lang="ru-RU" dirty="0"/>
-              <a:t> </a:t>
-            </a:r>
-            <a:r>
-              <a:rPr lang="ru-RU" dirty="0" err="1"/>
-              <a:t>попередніх</a:t>
-            </a:r>
-            <a:r>
-              <a:rPr lang="ru-RU" dirty="0"/>
-              <a:t> </a:t>
-            </a:r>
-            <a:r>
-              <a:rPr lang="ru-RU" dirty="0" err="1"/>
-              <a:t>варіантів</a:t>
-            </a:r>
-            <a:r>
-              <a:rPr lang="ru-RU" dirty="0"/>
-              <a:t> систем </a:t>
-            </a:r>
-            <a:r>
-              <a:rPr lang="en-US" dirty="0"/>
-              <a:t>WGS72, WGS64 </a:t>
-            </a:r>
-            <a:r>
-              <a:rPr lang="ru-RU" dirty="0"/>
-              <a:t>та </a:t>
-            </a:r>
-            <a:r>
-              <a:rPr lang="en-US" dirty="0"/>
-              <a:t>WGS60.</a:t>
-            </a:r>
-            <a:endParaRPr lang="ru-RU" dirty="0"/>
+            <a:endParaRPr lang="ru-RU" sz="3600" dirty="0"/>
           </a:p>
         </p:txBody>
       </p:sp>
@@ -5762,6 +5835,72 @@
     <p:extLst>
       <p:ext uri="{BB962C8B-B14F-4D97-AF65-F5344CB8AC3E}">
         <p14:creationId xmlns:p14="http://schemas.microsoft.com/office/powerpoint/2010/main" val="3340531445"/>
+      </p:ext>
+    </p:extLst>
+  </p:cSld>
+  <p:clrMapOvr>
+    <a:masterClrMapping/>
+  </p:clrMapOvr>
+  <p:timing>
+    <p:tnLst>
+      <p:par>
+        <p:cTn id="1" dur="indefinite" restart="never" nodeType="tmRoot"/>
+      </p:par>
+    </p:tnLst>
+  </p:timing>
+</p:sld>
+</file>
+
+<file path=ppt/slides/slide6.xml><?xml version="1.0" encoding="utf-8"?>
+<p:sld xmlns:a="http://schemas.openxmlformats.org/drawingml/2006/main" xmlns:r="http://schemas.openxmlformats.org/officeDocument/2006/relationships" xmlns:p="http://schemas.openxmlformats.org/presentationml/2006/main">
+  <p:cSld>
+    <p:spTree>
+      <p:nvGrpSpPr>
+        <p:cNvPr id="1" name=""/>
+        <p:cNvGrpSpPr/>
+        <p:nvPr/>
+      </p:nvGrpSpPr>
+      <p:grpSpPr>
+        <a:xfrm>
+          <a:off x="0" y="0"/>
+          <a:ext cx="0" cy="0"/>
+          <a:chOff x="0" y="0"/>
+          <a:chExt cx="0" cy="0"/>
+        </a:xfrm>
+      </p:grpSpPr>
+      <p:sp>
+        <p:nvSpPr>
+          <p:cNvPr id="2" name="Заголовок 1"/>
+          <p:cNvSpPr>
+            <a:spLocks noGrp="1"/>
+          </p:cNvSpPr>
+          <p:nvPr>
+            <p:ph type="title"/>
+          </p:nvPr>
+        </p:nvSpPr>
+        <p:spPr>
+          <a:xfrm>
+            <a:off x="85725" y="2009774"/>
+            <a:ext cx="12106275" cy="2276475"/>
+          </a:xfrm>
+        </p:spPr>
+        <p:txBody>
+          <a:bodyPr/>
+          <a:lstStyle/>
+          <a:p>
+            <a:pPr algn="ctr"/>
+            <a:r>
+              <a:rPr lang="uk-UA" sz="7200" dirty="0" smtClean="0"/>
+              <a:t>ДЕМОНСТРАЦІЯ ПРОГРАМИ</a:t>
+            </a:r>
+            <a:endParaRPr lang="ru-RU" sz="7200" dirty="0"/>
+          </a:p>
+        </p:txBody>
+      </p:sp>
+    </p:spTree>
+    <p:extLst>
+      <p:ext uri="{BB962C8B-B14F-4D97-AF65-F5344CB8AC3E}">
+        <p14:creationId xmlns:p14="http://schemas.microsoft.com/office/powerpoint/2010/main" val="3453686446"/>
       </p:ext>
     </p:extLst>
   </p:cSld>

--- a/Peppers.pptx
+++ b/Peppers.pptx
@@ -1,16 +1,20 @@
 
 <file path=ppt/presentation.xml><?xml version="1.0" encoding="utf-8"?>
-<p:presentation xmlns:a="http://schemas.openxmlformats.org/drawingml/2006/main" xmlns:r="http://schemas.openxmlformats.org/officeDocument/2006/relationships" xmlns:p="http://schemas.openxmlformats.org/presentationml/2006/main" saveSubsetFonts="1">
+<p:presentation xmlns:a="http://schemas.openxmlformats.org/drawingml/2006/main" xmlns:r="http://schemas.openxmlformats.org/officeDocument/2006/relationships" xmlns:p="http://schemas.openxmlformats.org/presentationml/2006/main">
   <p:sldMasterIdLst>
-    <p:sldMasterId id="2147483678" r:id="rId1"/>
+    <p:sldMasterId id="2147483648" r:id="rId1"/>
   </p:sldMasterIdLst>
+  <p:notesMasterIdLst>
+    <p:notesMasterId r:id="rId6"/>
+  </p:notesMasterIdLst>
   <p:sldIdLst>
-    <p:sldId id="256" r:id="rId2"/>
-    <p:sldId id="257" r:id="rId3"/>
-    <p:sldId id="261" r:id="rId4"/>
-    <p:sldId id="260" r:id="rId5"/>
-    <p:sldId id="259" r:id="rId6"/>
-    <p:sldId id="262" r:id="rId7"/>
+    <p:sldId id="256" r:id="rId3"/>
+    <p:sldId id="257" r:id="rId4"/>
+    <p:sldId id="261" r:id="rId5"/>
+    <p:sldId id="259" r:id="rId7"/>
+    <p:sldId id="262" r:id="rId8"/>
+    <p:sldId id="260" r:id="rId9"/>
+    <p:sldId id="267" r:id="rId10"/>
   </p:sldIdLst>
   <p:sldSz cx="12192000" cy="6858000"/>
   <p:notesSz cx="6858000" cy="9144000"/>
@@ -112,8 +116,399 @@
 </p:presentation>
 </file>
 
+<file path=ppt/notesMasters/notesMaster1.xml><?xml version="1.0" encoding="utf-8"?>
+<p:notesMaster xmlns:a="http://schemas.openxmlformats.org/drawingml/2006/main" xmlns:r="http://schemas.openxmlformats.org/officeDocument/2006/relationships" xmlns:p="http://schemas.openxmlformats.org/presentationml/2006/main">
+  <p:cSld>
+    <p:bg>
+      <p:bgRef idx="1001">
+        <a:schemeClr val="bg1"/>
+      </p:bgRef>
+    </p:bg>
+    <p:spTree>
+      <p:nvGrpSpPr>
+        <p:cNvPr id="1" name=""/>
+        <p:cNvGrpSpPr/>
+        <p:nvPr/>
+      </p:nvGrpSpPr>
+      <p:grpSpPr>
+        <a:xfrm>
+          <a:off x="0" y="0"/>
+          <a:ext cx="0" cy="0"/>
+          <a:chOff x="0" y="0"/>
+          <a:chExt cx="0" cy="0"/>
+        </a:xfrm>
+      </p:grpSpPr>
+      <p:sp>
+        <p:nvSpPr>
+          <p:cNvPr id="2" name="Header Placeholder 1"/>
+          <p:cNvSpPr>
+            <a:spLocks noGrp="1"/>
+          </p:cNvSpPr>
+          <p:nvPr>
+            <p:ph type="hdr" sz="quarter"/>
+          </p:nvPr>
+        </p:nvSpPr>
+        <p:spPr>
+          <a:xfrm>
+            <a:off x="0" y="0"/>
+            <a:ext cx="2971800" cy="458788"/>
+          </a:xfrm>
+          <a:prstGeom prst="rect">
+            <a:avLst/>
+          </a:prstGeom>
+        </p:spPr>
+        <p:txBody>
+          <a:bodyPr vert="horz" lIns="91440" tIns="45720" rIns="91440" bIns="45720" rtlCol="0"/>
+          <a:lstStyle>
+            <a:lvl1pPr algn="l">
+              <a:defRPr sz="1200"/>
+            </a:lvl1pPr>
+          </a:lstStyle>
+          <a:p>
+            <a:endParaRPr lang="en-US"/>
+          </a:p>
+        </p:txBody>
+      </p:sp>
+      <p:sp>
+        <p:nvSpPr>
+          <p:cNvPr id="3" name="Date Placeholder 2"/>
+          <p:cNvSpPr>
+            <a:spLocks noGrp="1"/>
+          </p:cNvSpPr>
+          <p:nvPr>
+            <p:ph type="dt" idx="1"/>
+          </p:nvPr>
+        </p:nvSpPr>
+        <p:spPr>
+          <a:xfrm>
+            <a:off x="3884613" y="0"/>
+            <a:ext cx="2971800" cy="458788"/>
+          </a:xfrm>
+          <a:prstGeom prst="rect">
+            <a:avLst/>
+          </a:prstGeom>
+        </p:spPr>
+        <p:txBody>
+          <a:bodyPr vert="horz" lIns="91440" tIns="45720" rIns="91440" bIns="45720" rtlCol="0"/>
+          <a:lstStyle>
+            <a:lvl1pPr algn="r">
+              <a:defRPr sz="1200"/>
+            </a:lvl1pPr>
+          </a:lstStyle>
+          <a:p>
+            <a:fld id="{3EFD42F7-718C-4B98-AAEC-167E6DDD60A7}" type="datetimeFigureOut">
+              <a:rPr lang="en-US" smtClean="0"/>
+            </a:fld>
+            <a:endParaRPr lang="en-US"/>
+          </a:p>
+        </p:txBody>
+      </p:sp>
+      <p:sp>
+        <p:nvSpPr>
+          <p:cNvPr id="4" name="Slide Image Placeholder 3"/>
+          <p:cNvSpPr>
+            <a:spLocks noGrp="1" noRot="1" noChangeAspect="1"/>
+          </p:cNvSpPr>
+          <p:nvPr>
+            <p:ph type="sldImg" idx="2"/>
+          </p:nvPr>
+        </p:nvSpPr>
+        <p:spPr>
+          <a:xfrm>
+            <a:off x="685800" y="1143000"/>
+            <a:ext cx="5486400" cy="3086100"/>
+          </a:xfrm>
+          <a:prstGeom prst="rect">
+            <a:avLst/>
+          </a:prstGeom>
+          <a:noFill/>
+          <a:ln w="12700">
+            <a:solidFill>
+              <a:prstClr val="black"/>
+            </a:solidFill>
+          </a:ln>
+        </p:spPr>
+        <p:txBody>
+          <a:bodyPr vert="horz" lIns="91440" tIns="45720" rIns="91440" bIns="45720" rtlCol="0" anchor="ctr"/>
+          <a:lstStyle/>
+          <a:p>
+            <a:endParaRPr lang="en-US"/>
+          </a:p>
+        </p:txBody>
+      </p:sp>
+      <p:sp>
+        <p:nvSpPr>
+          <p:cNvPr id="5" name="Notes Placeholder 4"/>
+          <p:cNvSpPr>
+            <a:spLocks noGrp="1"/>
+          </p:cNvSpPr>
+          <p:nvPr>
+            <p:ph type="body" sz="quarter" idx="3"/>
+          </p:nvPr>
+        </p:nvSpPr>
+        <p:spPr>
+          <a:xfrm>
+            <a:off x="685800" y="4400550"/>
+            <a:ext cx="5486400" cy="3600450"/>
+          </a:xfrm>
+          <a:prstGeom prst="rect">
+            <a:avLst/>
+          </a:prstGeom>
+        </p:spPr>
+        <p:txBody>
+          <a:bodyPr vert="horz" lIns="91440" tIns="45720" rIns="91440" bIns="45720" rtlCol="0"/>
+          <a:lstStyle/>
+          <a:p>
+            <a:pPr lvl="0"/>
+            <a:r>
+              <a:rPr lang="en-US" smtClean="0"/>
+              <a:t>Click to edit Master text styles</a:t>
+            </a:r>
+            <a:endParaRPr lang="en-US" smtClean="0"/>
+          </a:p>
+          <a:p>
+            <a:pPr lvl="1"/>
+            <a:r>
+              <a:rPr lang="en-US" smtClean="0"/>
+              <a:t>Second level</a:t>
+            </a:r>
+            <a:endParaRPr lang="en-US" smtClean="0"/>
+          </a:p>
+          <a:p>
+            <a:pPr lvl="2"/>
+            <a:r>
+              <a:rPr lang="en-US" smtClean="0"/>
+              <a:t>Third level</a:t>
+            </a:r>
+            <a:endParaRPr lang="en-US" smtClean="0"/>
+          </a:p>
+          <a:p>
+            <a:pPr lvl="3"/>
+            <a:r>
+              <a:rPr lang="en-US" smtClean="0"/>
+              <a:t>Fourth level</a:t>
+            </a:r>
+            <a:endParaRPr lang="en-US" smtClean="0"/>
+          </a:p>
+          <a:p>
+            <a:pPr lvl="4"/>
+            <a:r>
+              <a:rPr lang="en-US" smtClean="0"/>
+              <a:t>Fifth level</a:t>
+            </a:r>
+            <a:endParaRPr lang="en-US"/>
+          </a:p>
+        </p:txBody>
+      </p:sp>
+      <p:sp>
+        <p:nvSpPr>
+          <p:cNvPr id="6" name="Footer Placeholder 5"/>
+          <p:cNvSpPr>
+            <a:spLocks noGrp="1"/>
+          </p:cNvSpPr>
+          <p:nvPr>
+            <p:ph type="ftr" sz="quarter" idx="4"/>
+          </p:nvPr>
+        </p:nvSpPr>
+        <p:spPr>
+          <a:xfrm>
+            <a:off x="0" y="8685213"/>
+            <a:ext cx="2971800" cy="458787"/>
+          </a:xfrm>
+          <a:prstGeom prst="rect">
+            <a:avLst/>
+          </a:prstGeom>
+        </p:spPr>
+        <p:txBody>
+          <a:bodyPr vert="horz" lIns="91440" tIns="45720" rIns="91440" bIns="45720" rtlCol="0" anchor="b"/>
+          <a:lstStyle>
+            <a:lvl1pPr algn="l">
+              <a:defRPr sz="1200"/>
+            </a:lvl1pPr>
+          </a:lstStyle>
+          <a:p>
+            <a:endParaRPr lang="en-US"/>
+          </a:p>
+        </p:txBody>
+      </p:sp>
+      <p:sp>
+        <p:nvSpPr>
+          <p:cNvPr id="7" name="Slide Number Placeholder 6"/>
+          <p:cNvSpPr>
+            <a:spLocks noGrp="1"/>
+          </p:cNvSpPr>
+          <p:nvPr>
+            <p:ph type="sldNum" sz="quarter" idx="5"/>
+          </p:nvPr>
+        </p:nvSpPr>
+        <p:spPr>
+          <a:xfrm>
+            <a:off x="3884613" y="8685213"/>
+            <a:ext cx="2971800" cy="458787"/>
+          </a:xfrm>
+          <a:prstGeom prst="rect">
+            <a:avLst/>
+          </a:prstGeom>
+        </p:spPr>
+        <p:txBody>
+          <a:bodyPr vert="horz" lIns="91440" tIns="45720" rIns="91440" bIns="45720" rtlCol="0" anchor="b"/>
+          <a:lstStyle>
+            <a:lvl1pPr algn="r">
+              <a:defRPr sz="1200"/>
+            </a:lvl1pPr>
+          </a:lstStyle>
+          <a:p>
+            <a:fld id="{21B2AA4F-B828-4D7C-AFD3-893933DAFCB4}" type="slidenum">
+              <a:rPr lang="en-US" smtClean="0"/>
+            </a:fld>
+            <a:endParaRPr lang="en-US"/>
+          </a:p>
+        </p:txBody>
+      </p:sp>
+    </p:spTree>
+  </p:cSld>
+  <p:clrMap bg1="lt1" tx1="dk1" bg2="lt2" tx2="dk2" accent1="accent1" accent2="accent2" accent3="accent3" accent4="accent4" accent5="accent5" accent6="accent6" hlink="hlink" folHlink="folHlink"/>
+  <p:notesStyle>
+    <a:lvl1pPr marL="0" algn="l" defTabSz="914400" rtl="0" eaLnBrk="1" latinLnBrk="0" hangingPunct="1">
+      <a:defRPr sz="1200" kern="1200">
+        <a:solidFill>
+          <a:schemeClr val="tx1"/>
+        </a:solidFill>
+        <a:latin typeface="+mn-lt"/>
+        <a:ea typeface="+mn-ea"/>
+        <a:cs typeface="+mn-cs"/>
+      </a:defRPr>
+    </a:lvl1pPr>
+    <a:lvl2pPr marL="457200" algn="l" defTabSz="914400" rtl="0" eaLnBrk="1" latinLnBrk="0" hangingPunct="1">
+      <a:defRPr sz="1200" kern="1200">
+        <a:solidFill>
+          <a:schemeClr val="tx1"/>
+        </a:solidFill>
+        <a:latin typeface="+mn-lt"/>
+        <a:ea typeface="+mn-ea"/>
+        <a:cs typeface="+mn-cs"/>
+      </a:defRPr>
+    </a:lvl2pPr>
+    <a:lvl3pPr marL="914400" algn="l" defTabSz="914400" rtl="0" eaLnBrk="1" latinLnBrk="0" hangingPunct="1">
+      <a:defRPr sz="1200" kern="1200">
+        <a:solidFill>
+          <a:schemeClr val="tx1"/>
+        </a:solidFill>
+        <a:latin typeface="+mn-lt"/>
+        <a:ea typeface="+mn-ea"/>
+        <a:cs typeface="+mn-cs"/>
+      </a:defRPr>
+    </a:lvl3pPr>
+    <a:lvl4pPr marL="1371600" algn="l" defTabSz="914400" rtl="0" eaLnBrk="1" latinLnBrk="0" hangingPunct="1">
+      <a:defRPr sz="1200" kern="1200">
+        <a:solidFill>
+          <a:schemeClr val="tx1"/>
+        </a:solidFill>
+        <a:latin typeface="+mn-lt"/>
+        <a:ea typeface="+mn-ea"/>
+        <a:cs typeface="+mn-cs"/>
+      </a:defRPr>
+    </a:lvl4pPr>
+    <a:lvl5pPr marL="1828800" algn="l" defTabSz="914400" rtl="0" eaLnBrk="1" latinLnBrk="0" hangingPunct="1">
+      <a:defRPr sz="1200" kern="1200">
+        <a:solidFill>
+          <a:schemeClr val="tx1"/>
+        </a:solidFill>
+        <a:latin typeface="+mn-lt"/>
+        <a:ea typeface="+mn-ea"/>
+        <a:cs typeface="+mn-cs"/>
+      </a:defRPr>
+    </a:lvl5pPr>
+    <a:lvl6pPr marL="2286000" algn="l" defTabSz="914400" rtl="0" eaLnBrk="1" latinLnBrk="0" hangingPunct="1">
+      <a:defRPr sz="1200" kern="1200">
+        <a:solidFill>
+          <a:schemeClr val="tx1"/>
+        </a:solidFill>
+        <a:latin typeface="+mn-lt"/>
+        <a:ea typeface="+mn-ea"/>
+        <a:cs typeface="+mn-cs"/>
+      </a:defRPr>
+    </a:lvl6pPr>
+    <a:lvl7pPr marL="2743200" algn="l" defTabSz="914400" rtl="0" eaLnBrk="1" latinLnBrk="0" hangingPunct="1">
+      <a:defRPr sz="1200" kern="1200">
+        <a:solidFill>
+          <a:schemeClr val="tx1"/>
+        </a:solidFill>
+        <a:latin typeface="+mn-lt"/>
+        <a:ea typeface="+mn-ea"/>
+        <a:cs typeface="+mn-cs"/>
+      </a:defRPr>
+    </a:lvl7pPr>
+    <a:lvl8pPr marL="3200400" algn="l" defTabSz="914400" rtl="0" eaLnBrk="1" latinLnBrk="0" hangingPunct="1">
+      <a:defRPr sz="1200" kern="1200">
+        <a:solidFill>
+          <a:schemeClr val="tx1"/>
+        </a:solidFill>
+        <a:latin typeface="+mn-lt"/>
+        <a:ea typeface="+mn-ea"/>
+        <a:cs typeface="+mn-cs"/>
+      </a:defRPr>
+    </a:lvl8pPr>
+    <a:lvl9pPr marL="3657600" algn="l" defTabSz="914400" rtl="0" eaLnBrk="1" latinLnBrk="0" hangingPunct="1">
+      <a:defRPr sz="1200" kern="1200">
+        <a:solidFill>
+          <a:schemeClr val="tx1"/>
+        </a:solidFill>
+        <a:latin typeface="+mn-lt"/>
+        <a:ea typeface="+mn-ea"/>
+        <a:cs typeface="+mn-cs"/>
+      </a:defRPr>
+    </a:lvl9pPr>
+  </p:notesStyle>
+</p:notesMaster>
+</file>
+
+<file path=ppt/notesSlides/notesSlide1.xml><?xml version="1.0" encoding="utf-8"?>
+<p:notes xmlns:a="http://schemas.openxmlformats.org/drawingml/2006/main" xmlns:r="http://schemas.openxmlformats.org/officeDocument/2006/relationships" xmlns:p="http://schemas.openxmlformats.org/presentationml/2006/main">
+  <p:cSld>
+    <p:spTree>
+      <p:nvGrpSpPr>
+        <p:cNvPr id="1" name=""/>
+        <p:cNvGrpSpPr/>
+        <p:nvPr/>
+      </p:nvGrpSpPr>
+      <p:grpSpPr/>
+      <p:sp>
+        <p:nvSpPr>
+          <p:cNvPr id="2" name="Slide Image Placeholder 1"/>
+          <p:cNvSpPr/>
+          <p:nvPr>
+            <p:ph type="sldImg" idx="2"/>
+          </p:nvPr>
+        </p:nvSpPr>
+        <p:spPr/>
+      </p:sp>
+      <p:sp>
+        <p:nvSpPr>
+          <p:cNvPr id="3" name="Text Placeholder 2"/>
+          <p:cNvSpPr/>
+          <p:nvPr>
+            <p:ph type="body" idx="3"/>
+          </p:nvPr>
+        </p:nvSpPr>
+        <p:spPr/>
+        <p:txBody>
+          <a:bodyPr/>
+          <a:p>
+            <a:endParaRPr lang="en-US"/>
+          </a:p>
+        </p:txBody>
+      </p:sp>
+    </p:spTree>
+  </p:cSld>
+  <p:clrMapOvr>
+    <a:masterClrMapping/>
+  </p:clrMapOvr>
+</p:notes>
+</file>
+
 <file path=ppt/slideLayouts/slideLayout1.xml><?xml version="1.0" encoding="utf-8"?>
-<p:sldLayout xmlns:a="http://schemas.openxmlformats.org/drawingml/2006/main" xmlns:r="http://schemas.openxmlformats.org/officeDocument/2006/relationships" xmlns:p="http://schemas.openxmlformats.org/presentationml/2006/main" showMasterSp="0" type="title" preserve="1">
+<p:sldLayout xmlns:a="http://schemas.openxmlformats.org/drawingml/2006/main" xmlns:r="http://schemas.openxmlformats.org/officeDocument/2006/relationships" xmlns:p="http://schemas.openxmlformats.org/presentationml/2006/main" type="title" preserve="1" showMasterSp="0">
   <p:cSld name="Титульный слайд">
     <p:spTree>
       <p:nvGrpSpPr>
@@ -199,133 +594,133 @@
               <a:gd name="connsiteY3" fmla="*/ 2083594 h 2083594"/>
               <a:gd name="connsiteX4" fmla="*/ 0 w 3350419"/>
               <a:gd name="connsiteY4" fmla="*/ 2081213 h 2083594"/>
-              <a:gd name="connsiteX0" fmla="*/ 0 w 3112294"/>
-              <a:gd name="connsiteY0" fmla="*/ 2019301 h 2083594"/>
-              <a:gd name="connsiteX1" fmla="*/ 2793206 w 3112294"/>
-              <a:gd name="connsiteY1" fmla="*/ 0 h 2083594"/>
-              <a:gd name="connsiteX2" fmla="*/ 3112294 w 3112294"/>
-              <a:gd name="connsiteY2" fmla="*/ 80963 h 2083594"/>
-              <a:gd name="connsiteX3" fmla="*/ 3112294 w 3112294"/>
-              <a:gd name="connsiteY3" fmla="*/ 2083594 h 2083594"/>
-              <a:gd name="connsiteX4" fmla="*/ 0 w 3112294"/>
-              <a:gd name="connsiteY4" fmla="*/ 2019301 h 2083594"/>
-              <a:gd name="connsiteX0" fmla="*/ 0 w 3345656"/>
-              <a:gd name="connsiteY0" fmla="*/ 2097882 h 2097882"/>
-              <a:gd name="connsiteX1" fmla="*/ 3026568 w 3345656"/>
-              <a:gd name="connsiteY1" fmla="*/ 0 h 2097882"/>
-              <a:gd name="connsiteX2" fmla="*/ 3345656 w 3345656"/>
-              <a:gd name="connsiteY2" fmla="*/ 80963 h 2097882"/>
-              <a:gd name="connsiteX3" fmla="*/ 3345656 w 3345656"/>
-              <a:gd name="connsiteY3" fmla="*/ 2083594 h 2097882"/>
-              <a:gd name="connsiteX4" fmla="*/ 0 w 3345656"/>
-              <a:gd name="connsiteY4" fmla="*/ 2097882 h 2097882"/>
-              <a:gd name="connsiteX0" fmla="*/ 0 w 2800350"/>
-              <a:gd name="connsiteY0" fmla="*/ 1935957 h 2083594"/>
-              <a:gd name="connsiteX1" fmla="*/ 2481262 w 2800350"/>
-              <a:gd name="connsiteY1" fmla="*/ 0 h 2083594"/>
-              <a:gd name="connsiteX2" fmla="*/ 2800350 w 2800350"/>
-              <a:gd name="connsiteY2" fmla="*/ 80963 h 2083594"/>
-              <a:gd name="connsiteX3" fmla="*/ 2800350 w 2800350"/>
-              <a:gd name="connsiteY3" fmla="*/ 2083594 h 2083594"/>
-              <a:gd name="connsiteX4" fmla="*/ 0 w 2800350"/>
-              <a:gd name="connsiteY4" fmla="*/ 1935957 h 2083594"/>
-              <a:gd name="connsiteX0" fmla="*/ 0 w 3352800"/>
-              <a:gd name="connsiteY0" fmla="*/ 2083594 h 2083594"/>
-              <a:gd name="connsiteX1" fmla="*/ 3033712 w 3352800"/>
-              <a:gd name="connsiteY1" fmla="*/ 0 h 2083594"/>
-              <a:gd name="connsiteX2" fmla="*/ 3352800 w 3352800"/>
-              <a:gd name="connsiteY2" fmla="*/ 80963 h 2083594"/>
-              <a:gd name="connsiteX3" fmla="*/ 3352800 w 3352800"/>
-              <a:gd name="connsiteY3" fmla="*/ 2083594 h 2083594"/>
-              <a:gd name="connsiteX4" fmla="*/ 0 w 3352800"/>
-              <a:gd name="connsiteY4" fmla="*/ 2083594 h 2083594"/>
-              <a:gd name="connsiteX0" fmla="*/ 0 w 3352800"/>
-              <a:gd name="connsiteY0" fmla="*/ 2002631 h 2002631"/>
-              <a:gd name="connsiteX1" fmla="*/ 3033712 w 3352800"/>
-              <a:gd name="connsiteY1" fmla="*/ 157162 h 2002631"/>
-              <a:gd name="connsiteX2" fmla="*/ 3352800 w 3352800"/>
-              <a:gd name="connsiteY2" fmla="*/ 0 h 2002631"/>
-              <a:gd name="connsiteX3" fmla="*/ 3352800 w 3352800"/>
-              <a:gd name="connsiteY3" fmla="*/ 2002631 h 2002631"/>
-              <a:gd name="connsiteX4" fmla="*/ 0 w 3352800"/>
-              <a:gd name="connsiteY4" fmla="*/ 2002631 h 2002631"/>
-              <a:gd name="connsiteX0" fmla="*/ 0 w 3352800"/>
-              <a:gd name="connsiteY0" fmla="*/ 2002631 h 2002631"/>
-              <a:gd name="connsiteX1" fmla="*/ 2988469 w 3352800"/>
-              <a:gd name="connsiteY1" fmla="*/ 59530 h 2002631"/>
-              <a:gd name="connsiteX2" fmla="*/ 3352800 w 3352800"/>
-              <a:gd name="connsiteY2" fmla="*/ 0 h 2002631"/>
-              <a:gd name="connsiteX3" fmla="*/ 3352800 w 3352800"/>
-              <a:gd name="connsiteY3" fmla="*/ 2002631 h 2002631"/>
-              <a:gd name="connsiteX4" fmla="*/ 0 w 3352800"/>
-              <a:gd name="connsiteY4" fmla="*/ 2002631 h 2002631"/>
-              <a:gd name="connsiteX0" fmla="*/ 0 w 3352800"/>
-              <a:gd name="connsiteY0" fmla="*/ 2002631 h 2002631"/>
-              <a:gd name="connsiteX1" fmla="*/ 2833966 w 3352800"/>
-              <a:gd name="connsiteY1" fmla="*/ 425 h 2002631"/>
-              <a:gd name="connsiteX2" fmla="*/ 3352800 w 3352800"/>
-              <a:gd name="connsiteY2" fmla="*/ 0 h 2002631"/>
-              <a:gd name="connsiteX3" fmla="*/ 3352800 w 3352800"/>
-              <a:gd name="connsiteY3" fmla="*/ 2002631 h 2002631"/>
-              <a:gd name="connsiteX4" fmla="*/ 0 w 3352800"/>
-              <a:gd name="connsiteY4" fmla="*/ 2002631 h 2002631"/>
-              <a:gd name="connsiteX0" fmla="*/ 0 w 3352800"/>
-              <a:gd name="connsiteY0" fmla="*/ 2002631 h 2002631"/>
-              <a:gd name="connsiteX1" fmla="*/ 2845314 w 3352800"/>
-              <a:gd name="connsiteY1" fmla="*/ 12246 h 2002631"/>
-              <a:gd name="connsiteX2" fmla="*/ 3352800 w 3352800"/>
-              <a:gd name="connsiteY2" fmla="*/ 0 h 2002631"/>
-              <a:gd name="connsiteX3" fmla="*/ 3352800 w 3352800"/>
-              <a:gd name="connsiteY3" fmla="*/ 2002631 h 2002631"/>
-              <a:gd name="connsiteX4" fmla="*/ 0 w 3352800"/>
-              <a:gd name="connsiteY4" fmla="*/ 2002631 h 2002631"/>
-              <a:gd name="connsiteX0" fmla="*/ 0 w 3352800"/>
-              <a:gd name="connsiteY0" fmla="*/ 2002631 h 2002631"/>
-              <a:gd name="connsiteX1" fmla="*/ 2834839 w 3352800"/>
-              <a:gd name="connsiteY1" fmla="*/ 425 h 2002631"/>
-              <a:gd name="connsiteX2" fmla="*/ 3352800 w 3352800"/>
-              <a:gd name="connsiteY2" fmla="*/ 0 h 2002631"/>
-              <a:gd name="connsiteX3" fmla="*/ 3352800 w 3352800"/>
-              <a:gd name="connsiteY3" fmla="*/ 2002631 h 2002631"/>
-              <a:gd name="connsiteX4" fmla="*/ 0 w 3352800"/>
-              <a:gd name="connsiteY4" fmla="*/ 2002631 h 2002631"/>
-              <a:gd name="connsiteX0" fmla="*/ 0 w 3352800"/>
-              <a:gd name="connsiteY0" fmla="*/ 2002631 h 2002631"/>
-              <a:gd name="connsiteX1" fmla="*/ 2875865 w 3352800"/>
-              <a:gd name="connsiteY1" fmla="*/ 81782 h 2002631"/>
-              <a:gd name="connsiteX2" fmla="*/ 3352800 w 3352800"/>
-              <a:gd name="connsiteY2" fmla="*/ 0 h 2002631"/>
-              <a:gd name="connsiteX3" fmla="*/ 3352800 w 3352800"/>
-              <a:gd name="connsiteY3" fmla="*/ 2002631 h 2002631"/>
-              <a:gd name="connsiteX4" fmla="*/ 0 w 3352800"/>
-              <a:gd name="connsiteY4" fmla="*/ 2002631 h 2002631"/>
-              <a:gd name="connsiteX0" fmla="*/ 0 w 3352800"/>
-              <a:gd name="connsiteY0" fmla="*/ 2002901 h 2002901"/>
-              <a:gd name="connsiteX1" fmla="*/ 2836585 w 3352800"/>
-              <a:gd name="connsiteY1" fmla="*/ 0 h 2002901"/>
-              <a:gd name="connsiteX2" fmla="*/ 3352800 w 3352800"/>
-              <a:gd name="connsiteY2" fmla="*/ 270 h 2002901"/>
-              <a:gd name="connsiteX3" fmla="*/ 3352800 w 3352800"/>
-              <a:gd name="connsiteY3" fmla="*/ 2002901 h 2002901"/>
-              <a:gd name="connsiteX4" fmla="*/ 0 w 3352800"/>
-              <a:gd name="connsiteY4" fmla="*/ 2002901 h 2002901"/>
+              <a:gd name="connsiteX0-1" fmla="*/ 0 w 3112294"/>
+              <a:gd name="connsiteY0-2" fmla="*/ 2019301 h 2083594"/>
+              <a:gd name="connsiteX1-3" fmla="*/ 2793206 w 3112294"/>
+              <a:gd name="connsiteY1-4" fmla="*/ 0 h 2083594"/>
+              <a:gd name="connsiteX2-5" fmla="*/ 3112294 w 3112294"/>
+              <a:gd name="connsiteY2-6" fmla="*/ 80963 h 2083594"/>
+              <a:gd name="connsiteX3-7" fmla="*/ 3112294 w 3112294"/>
+              <a:gd name="connsiteY3-8" fmla="*/ 2083594 h 2083594"/>
+              <a:gd name="connsiteX4-9" fmla="*/ 0 w 3112294"/>
+              <a:gd name="connsiteY4-10" fmla="*/ 2019301 h 2083594"/>
+              <a:gd name="connsiteX0-11" fmla="*/ 0 w 3345656"/>
+              <a:gd name="connsiteY0-12" fmla="*/ 2097882 h 2097882"/>
+              <a:gd name="connsiteX1-13" fmla="*/ 3026568 w 3345656"/>
+              <a:gd name="connsiteY1-14" fmla="*/ 0 h 2097882"/>
+              <a:gd name="connsiteX2-15" fmla="*/ 3345656 w 3345656"/>
+              <a:gd name="connsiteY2-16" fmla="*/ 80963 h 2097882"/>
+              <a:gd name="connsiteX3-17" fmla="*/ 3345656 w 3345656"/>
+              <a:gd name="connsiteY3-18" fmla="*/ 2083594 h 2097882"/>
+              <a:gd name="connsiteX4-19" fmla="*/ 0 w 3345656"/>
+              <a:gd name="connsiteY4-20" fmla="*/ 2097882 h 2097882"/>
+              <a:gd name="connsiteX0-21" fmla="*/ 0 w 2800350"/>
+              <a:gd name="connsiteY0-22" fmla="*/ 1935957 h 2083594"/>
+              <a:gd name="connsiteX1-23" fmla="*/ 2481262 w 2800350"/>
+              <a:gd name="connsiteY1-24" fmla="*/ 0 h 2083594"/>
+              <a:gd name="connsiteX2-25" fmla="*/ 2800350 w 2800350"/>
+              <a:gd name="connsiteY2-26" fmla="*/ 80963 h 2083594"/>
+              <a:gd name="connsiteX3-27" fmla="*/ 2800350 w 2800350"/>
+              <a:gd name="connsiteY3-28" fmla="*/ 2083594 h 2083594"/>
+              <a:gd name="connsiteX4-29" fmla="*/ 0 w 2800350"/>
+              <a:gd name="connsiteY4-30" fmla="*/ 1935957 h 2083594"/>
+              <a:gd name="connsiteX0-31" fmla="*/ 0 w 3352800"/>
+              <a:gd name="connsiteY0-32" fmla="*/ 2083594 h 2083594"/>
+              <a:gd name="connsiteX1-33" fmla="*/ 3033712 w 3352800"/>
+              <a:gd name="connsiteY1-34" fmla="*/ 0 h 2083594"/>
+              <a:gd name="connsiteX2-35" fmla="*/ 3352800 w 3352800"/>
+              <a:gd name="connsiteY2-36" fmla="*/ 80963 h 2083594"/>
+              <a:gd name="connsiteX3-37" fmla="*/ 3352800 w 3352800"/>
+              <a:gd name="connsiteY3-38" fmla="*/ 2083594 h 2083594"/>
+              <a:gd name="connsiteX4-39" fmla="*/ 0 w 3352800"/>
+              <a:gd name="connsiteY4-40" fmla="*/ 2083594 h 2083594"/>
+              <a:gd name="connsiteX0-41" fmla="*/ 0 w 3352800"/>
+              <a:gd name="connsiteY0-42" fmla="*/ 2002631 h 2002631"/>
+              <a:gd name="connsiteX1-43" fmla="*/ 3033712 w 3352800"/>
+              <a:gd name="connsiteY1-44" fmla="*/ 157162 h 2002631"/>
+              <a:gd name="connsiteX2-45" fmla="*/ 3352800 w 3352800"/>
+              <a:gd name="connsiteY2-46" fmla="*/ 0 h 2002631"/>
+              <a:gd name="connsiteX3-47" fmla="*/ 3352800 w 3352800"/>
+              <a:gd name="connsiteY3-48" fmla="*/ 2002631 h 2002631"/>
+              <a:gd name="connsiteX4-49" fmla="*/ 0 w 3352800"/>
+              <a:gd name="connsiteY4-50" fmla="*/ 2002631 h 2002631"/>
+              <a:gd name="connsiteX0-51" fmla="*/ 0 w 3352800"/>
+              <a:gd name="connsiteY0-52" fmla="*/ 2002631 h 2002631"/>
+              <a:gd name="connsiteX1-53" fmla="*/ 2988469 w 3352800"/>
+              <a:gd name="connsiteY1-54" fmla="*/ 59530 h 2002631"/>
+              <a:gd name="connsiteX2-55" fmla="*/ 3352800 w 3352800"/>
+              <a:gd name="connsiteY2-56" fmla="*/ 0 h 2002631"/>
+              <a:gd name="connsiteX3-57" fmla="*/ 3352800 w 3352800"/>
+              <a:gd name="connsiteY3-58" fmla="*/ 2002631 h 2002631"/>
+              <a:gd name="connsiteX4-59" fmla="*/ 0 w 3352800"/>
+              <a:gd name="connsiteY4-60" fmla="*/ 2002631 h 2002631"/>
+              <a:gd name="connsiteX0-61" fmla="*/ 0 w 3352800"/>
+              <a:gd name="connsiteY0-62" fmla="*/ 2002631 h 2002631"/>
+              <a:gd name="connsiteX1-63" fmla="*/ 2833966 w 3352800"/>
+              <a:gd name="connsiteY1-64" fmla="*/ 425 h 2002631"/>
+              <a:gd name="connsiteX2-65" fmla="*/ 3352800 w 3352800"/>
+              <a:gd name="connsiteY2-66" fmla="*/ 0 h 2002631"/>
+              <a:gd name="connsiteX3-67" fmla="*/ 3352800 w 3352800"/>
+              <a:gd name="connsiteY3-68" fmla="*/ 2002631 h 2002631"/>
+              <a:gd name="connsiteX4-69" fmla="*/ 0 w 3352800"/>
+              <a:gd name="connsiteY4-70" fmla="*/ 2002631 h 2002631"/>
+              <a:gd name="connsiteX0-71" fmla="*/ 0 w 3352800"/>
+              <a:gd name="connsiteY0-72" fmla="*/ 2002631 h 2002631"/>
+              <a:gd name="connsiteX1-73" fmla="*/ 2845314 w 3352800"/>
+              <a:gd name="connsiteY1-74" fmla="*/ 12246 h 2002631"/>
+              <a:gd name="connsiteX2-75" fmla="*/ 3352800 w 3352800"/>
+              <a:gd name="connsiteY2-76" fmla="*/ 0 h 2002631"/>
+              <a:gd name="connsiteX3-77" fmla="*/ 3352800 w 3352800"/>
+              <a:gd name="connsiteY3-78" fmla="*/ 2002631 h 2002631"/>
+              <a:gd name="connsiteX4-79" fmla="*/ 0 w 3352800"/>
+              <a:gd name="connsiteY4-80" fmla="*/ 2002631 h 2002631"/>
+              <a:gd name="connsiteX0-81" fmla="*/ 0 w 3352800"/>
+              <a:gd name="connsiteY0-82" fmla="*/ 2002631 h 2002631"/>
+              <a:gd name="connsiteX1-83" fmla="*/ 2834839 w 3352800"/>
+              <a:gd name="connsiteY1-84" fmla="*/ 425 h 2002631"/>
+              <a:gd name="connsiteX2-85" fmla="*/ 3352800 w 3352800"/>
+              <a:gd name="connsiteY2-86" fmla="*/ 0 h 2002631"/>
+              <a:gd name="connsiteX3-87" fmla="*/ 3352800 w 3352800"/>
+              <a:gd name="connsiteY3-88" fmla="*/ 2002631 h 2002631"/>
+              <a:gd name="connsiteX4-89" fmla="*/ 0 w 3352800"/>
+              <a:gd name="connsiteY4-90" fmla="*/ 2002631 h 2002631"/>
+              <a:gd name="connsiteX0-91" fmla="*/ 0 w 3352800"/>
+              <a:gd name="connsiteY0-92" fmla="*/ 2002631 h 2002631"/>
+              <a:gd name="connsiteX1-93" fmla="*/ 2875865 w 3352800"/>
+              <a:gd name="connsiteY1-94" fmla="*/ 81782 h 2002631"/>
+              <a:gd name="connsiteX2-95" fmla="*/ 3352800 w 3352800"/>
+              <a:gd name="connsiteY2-96" fmla="*/ 0 h 2002631"/>
+              <a:gd name="connsiteX3-97" fmla="*/ 3352800 w 3352800"/>
+              <a:gd name="connsiteY3-98" fmla="*/ 2002631 h 2002631"/>
+              <a:gd name="connsiteX4-99" fmla="*/ 0 w 3352800"/>
+              <a:gd name="connsiteY4-100" fmla="*/ 2002631 h 2002631"/>
+              <a:gd name="connsiteX0-101" fmla="*/ 0 w 3352800"/>
+              <a:gd name="connsiteY0-102" fmla="*/ 2002901 h 2002901"/>
+              <a:gd name="connsiteX1-103" fmla="*/ 2836585 w 3352800"/>
+              <a:gd name="connsiteY1-104" fmla="*/ 0 h 2002901"/>
+              <a:gd name="connsiteX2-105" fmla="*/ 3352800 w 3352800"/>
+              <a:gd name="connsiteY2-106" fmla="*/ 270 h 2002901"/>
+              <a:gd name="connsiteX3-107" fmla="*/ 3352800 w 3352800"/>
+              <a:gd name="connsiteY3-108" fmla="*/ 2002901 h 2002901"/>
+              <a:gd name="connsiteX4-109" fmla="*/ 0 w 3352800"/>
+              <a:gd name="connsiteY4-110" fmla="*/ 2002901 h 2002901"/>
             </a:gdLst>
             <a:ahLst/>
             <a:cxnLst>
               <a:cxn ang="0">
-                <a:pos x="connsiteX0" y="connsiteY0"/>
+                <a:pos x="connsiteX0-1" y="connsiteY0-2"/>
               </a:cxn>
               <a:cxn ang="0">
-                <a:pos x="connsiteX1" y="connsiteY1"/>
+                <a:pos x="connsiteX1-3" y="connsiteY1-4"/>
               </a:cxn>
               <a:cxn ang="0">
-                <a:pos x="connsiteX2" y="connsiteY2"/>
+                <a:pos x="connsiteX2-5" y="connsiteY2-6"/>
               </a:cxn>
               <a:cxn ang="0">
-                <a:pos x="connsiteX3" y="connsiteY3"/>
+                <a:pos x="connsiteX3-7" y="connsiteY3-8"/>
               </a:cxn>
               <a:cxn ang="0">
-                <a:pos x="connsiteX4" y="connsiteY4"/>
+                <a:pos x="connsiteX4-9" y="connsiteY4-10"/>
               </a:cxn>
             </a:cxnLst>
             <a:rect l="l" t="t" r="r" b="b"/>
@@ -550,9 +945,8 @@
                 <a:schemeClr val="accent1"/>
               </a:buClr>
               <a:buSzPct val="100000"/>
-              <a:buFont typeface="Arial" pitchFamily="34" charset="0"/>
+              <a:buFont typeface="Arial" panose="020B0604020202020204" pitchFamily="34" charset="0"/>
               <a:buNone/>
-              <a:tabLst/>
               <a:defRPr/>
             </a:pPr>
             <a:r>
@@ -580,7 +974,6 @@
           <a:p>
             <a:fld id="{AC62DC8F-0100-4F68-80F6-6438C4384B70}" type="datetimeFigureOut">
               <a:rPr lang="ru-RU" smtClean="0"/>
-              <a:t>10.10.2019</a:t>
             </a:fld>
             <a:endParaRPr lang="ru-RU"/>
           </a:p>
@@ -622,7 +1015,6 @@
           <a:p>
             <a:fld id="{9B94E556-EBAF-4B3C-9C6D-BA4051FEBCA5}" type="slidenum">
               <a:rPr lang="ru-RU" smtClean="0"/>
-              <a:t>‹#›</a:t>
             </a:fld>
             <a:endParaRPr lang="ru-RU"/>
           </a:p>
@@ -696,6 +1088,7 @@
               <a:rPr lang="ru-RU" smtClean="0"/>
               <a:t>Образец текста</a:t>
             </a:r>
+            <a:endParaRPr lang="ru-RU" smtClean="0"/>
           </a:p>
           <a:p>
             <a:pPr lvl="1"/>
@@ -703,6 +1096,7 @@
               <a:rPr lang="ru-RU" smtClean="0"/>
               <a:t>Второй уровень</a:t>
             </a:r>
+            <a:endParaRPr lang="ru-RU" smtClean="0"/>
           </a:p>
           <a:p>
             <a:pPr lvl="2"/>
@@ -710,6 +1104,7 @@
               <a:rPr lang="ru-RU" smtClean="0"/>
               <a:t>Третий уровень</a:t>
             </a:r>
+            <a:endParaRPr lang="ru-RU" smtClean="0"/>
           </a:p>
           <a:p>
             <a:pPr lvl="3"/>
@@ -717,6 +1112,7 @@
               <a:rPr lang="ru-RU" smtClean="0"/>
               <a:t>Четвертый уровень</a:t>
             </a:r>
+            <a:endParaRPr lang="ru-RU" smtClean="0"/>
           </a:p>
           <a:p>
             <a:pPr lvl="4"/>
@@ -745,7 +1141,6 @@
           <a:p>
             <a:fld id="{AC62DC8F-0100-4F68-80F6-6438C4384B70}" type="datetimeFigureOut">
               <a:rPr lang="ru-RU" smtClean="0"/>
-              <a:t>10.10.2019</a:t>
             </a:fld>
             <a:endParaRPr lang="ru-RU"/>
           </a:p>
@@ -787,7 +1182,6 @@
           <a:p>
             <a:fld id="{9B94E556-EBAF-4B3C-9C6D-BA4051FEBCA5}" type="slidenum">
               <a:rPr lang="ru-RU" smtClean="0"/>
-              <a:t>‹#›</a:t>
             </a:fld>
             <a:endParaRPr lang="ru-RU"/>
           </a:p>
@@ -871,6 +1265,7 @@
               <a:rPr lang="ru-RU" smtClean="0"/>
               <a:t>Образец текста</a:t>
             </a:r>
+            <a:endParaRPr lang="ru-RU" smtClean="0"/>
           </a:p>
           <a:p>
             <a:pPr lvl="1"/>
@@ -878,6 +1273,7 @@
               <a:rPr lang="ru-RU" smtClean="0"/>
               <a:t>Второй уровень</a:t>
             </a:r>
+            <a:endParaRPr lang="ru-RU" smtClean="0"/>
           </a:p>
           <a:p>
             <a:pPr lvl="2"/>
@@ -885,6 +1281,7 @@
               <a:rPr lang="ru-RU" smtClean="0"/>
               <a:t>Третий уровень</a:t>
             </a:r>
+            <a:endParaRPr lang="ru-RU" smtClean="0"/>
           </a:p>
           <a:p>
             <a:pPr lvl="3"/>
@@ -892,6 +1289,7 @@
               <a:rPr lang="ru-RU" smtClean="0"/>
               <a:t>Четвертый уровень</a:t>
             </a:r>
+            <a:endParaRPr lang="ru-RU" smtClean="0"/>
           </a:p>
           <a:p>
             <a:pPr lvl="4"/>
@@ -920,7 +1318,6 @@
           <a:p>
             <a:fld id="{AC62DC8F-0100-4F68-80F6-6438C4384B70}" type="datetimeFigureOut">
               <a:rPr lang="ru-RU" smtClean="0"/>
-              <a:t>10.10.2019</a:t>
             </a:fld>
             <a:endParaRPr lang="ru-RU"/>
           </a:p>
@@ -962,7 +1359,6 @@
           <a:p>
             <a:fld id="{9B94E556-EBAF-4B3C-9C6D-BA4051FEBCA5}" type="slidenum">
               <a:rPr lang="ru-RU" smtClean="0"/>
-              <a:t>‹#›</a:t>
             </a:fld>
             <a:endParaRPr lang="ru-RU"/>
           </a:p>
@@ -1036,6 +1432,7 @@
               <a:rPr lang="ru-RU" smtClean="0"/>
               <a:t>Образец текста</a:t>
             </a:r>
+            <a:endParaRPr lang="ru-RU" smtClean="0"/>
           </a:p>
           <a:p>
             <a:pPr lvl="1"/>
@@ -1043,6 +1440,7 @@
               <a:rPr lang="ru-RU" smtClean="0"/>
               <a:t>Второй уровень</a:t>
             </a:r>
+            <a:endParaRPr lang="ru-RU" smtClean="0"/>
           </a:p>
           <a:p>
             <a:pPr lvl="2"/>
@@ -1050,6 +1448,7 @@
               <a:rPr lang="ru-RU" smtClean="0"/>
               <a:t>Третий уровень</a:t>
             </a:r>
+            <a:endParaRPr lang="ru-RU" smtClean="0"/>
           </a:p>
           <a:p>
             <a:pPr lvl="3"/>
@@ -1057,6 +1456,7 @@
               <a:rPr lang="ru-RU" smtClean="0"/>
               <a:t>Четвертый уровень</a:t>
             </a:r>
+            <a:endParaRPr lang="ru-RU" smtClean="0"/>
           </a:p>
           <a:p>
             <a:pPr lvl="4"/>
@@ -1085,7 +1485,6 @@
           <a:p>
             <a:fld id="{AC62DC8F-0100-4F68-80F6-6438C4384B70}" type="datetimeFigureOut">
               <a:rPr lang="ru-RU" smtClean="0"/>
-              <a:t>10.10.2019</a:t>
             </a:fld>
             <a:endParaRPr lang="ru-RU"/>
           </a:p>
@@ -1127,7 +1526,6 @@
           <a:p>
             <a:fld id="{9B94E556-EBAF-4B3C-9C6D-BA4051FEBCA5}" type="slidenum">
               <a:rPr lang="ru-RU" smtClean="0"/>
-              <a:t>‹#›</a:t>
             </a:fld>
             <a:endParaRPr lang="ru-RU"/>
           </a:p>
@@ -1142,7 +1540,7 @@
 </file>
 
 <file path=ppt/slideLayouts/slideLayout3.xml><?xml version="1.0" encoding="utf-8"?>
-<p:sldLayout xmlns:a="http://schemas.openxmlformats.org/drawingml/2006/main" xmlns:r="http://schemas.openxmlformats.org/officeDocument/2006/relationships" xmlns:p="http://schemas.openxmlformats.org/presentationml/2006/main" showMasterSp="0" type="secHead" preserve="1">
+<p:sldLayout xmlns:a="http://schemas.openxmlformats.org/drawingml/2006/main" xmlns:r="http://schemas.openxmlformats.org/officeDocument/2006/relationships" xmlns:p="http://schemas.openxmlformats.org/presentationml/2006/main" type="secHead" preserve="1" showMasterSp="0">
   <p:cSld name="Заголовок раздела">
     <p:spTree>
       <p:nvGrpSpPr>
@@ -1182,133 +1580,133 @@
               <a:gd name="connsiteY3" fmla="*/ 2083594 h 2083594"/>
               <a:gd name="connsiteX4" fmla="*/ 0 w 3350419"/>
               <a:gd name="connsiteY4" fmla="*/ 2081213 h 2083594"/>
-              <a:gd name="connsiteX0" fmla="*/ 0 w 3112294"/>
-              <a:gd name="connsiteY0" fmla="*/ 2019301 h 2083594"/>
-              <a:gd name="connsiteX1" fmla="*/ 2793206 w 3112294"/>
-              <a:gd name="connsiteY1" fmla="*/ 0 h 2083594"/>
-              <a:gd name="connsiteX2" fmla="*/ 3112294 w 3112294"/>
-              <a:gd name="connsiteY2" fmla="*/ 80963 h 2083594"/>
-              <a:gd name="connsiteX3" fmla="*/ 3112294 w 3112294"/>
-              <a:gd name="connsiteY3" fmla="*/ 2083594 h 2083594"/>
-              <a:gd name="connsiteX4" fmla="*/ 0 w 3112294"/>
-              <a:gd name="connsiteY4" fmla="*/ 2019301 h 2083594"/>
-              <a:gd name="connsiteX0" fmla="*/ 0 w 3345656"/>
-              <a:gd name="connsiteY0" fmla="*/ 2097882 h 2097882"/>
-              <a:gd name="connsiteX1" fmla="*/ 3026568 w 3345656"/>
-              <a:gd name="connsiteY1" fmla="*/ 0 h 2097882"/>
-              <a:gd name="connsiteX2" fmla="*/ 3345656 w 3345656"/>
-              <a:gd name="connsiteY2" fmla="*/ 80963 h 2097882"/>
-              <a:gd name="connsiteX3" fmla="*/ 3345656 w 3345656"/>
-              <a:gd name="connsiteY3" fmla="*/ 2083594 h 2097882"/>
-              <a:gd name="connsiteX4" fmla="*/ 0 w 3345656"/>
-              <a:gd name="connsiteY4" fmla="*/ 2097882 h 2097882"/>
-              <a:gd name="connsiteX0" fmla="*/ 0 w 2800350"/>
-              <a:gd name="connsiteY0" fmla="*/ 1935957 h 2083594"/>
-              <a:gd name="connsiteX1" fmla="*/ 2481262 w 2800350"/>
-              <a:gd name="connsiteY1" fmla="*/ 0 h 2083594"/>
-              <a:gd name="connsiteX2" fmla="*/ 2800350 w 2800350"/>
-              <a:gd name="connsiteY2" fmla="*/ 80963 h 2083594"/>
-              <a:gd name="connsiteX3" fmla="*/ 2800350 w 2800350"/>
-              <a:gd name="connsiteY3" fmla="*/ 2083594 h 2083594"/>
-              <a:gd name="connsiteX4" fmla="*/ 0 w 2800350"/>
-              <a:gd name="connsiteY4" fmla="*/ 1935957 h 2083594"/>
-              <a:gd name="connsiteX0" fmla="*/ 0 w 3352800"/>
-              <a:gd name="connsiteY0" fmla="*/ 2083594 h 2083594"/>
-              <a:gd name="connsiteX1" fmla="*/ 3033712 w 3352800"/>
-              <a:gd name="connsiteY1" fmla="*/ 0 h 2083594"/>
-              <a:gd name="connsiteX2" fmla="*/ 3352800 w 3352800"/>
-              <a:gd name="connsiteY2" fmla="*/ 80963 h 2083594"/>
-              <a:gd name="connsiteX3" fmla="*/ 3352800 w 3352800"/>
-              <a:gd name="connsiteY3" fmla="*/ 2083594 h 2083594"/>
-              <a:gd name="connsiteX4" fmla="*/ 0 w 3352800"/>
-              <a:gd name="connsiteY4" fmla="*/ 2083594 h 2083594"/>
-              <a:gd name="connsiteX0" fmla="*/ 0 w 3352800"/>
-              <a:gd name="connsiteY0" fmla="*/ 2002631 h 2002631"/>
-              <a:gd name="connsiteX1" fmla="*/ 3033712 w 3352800"/>
-              <a:gd name="connsiteY1" fmla="*/ 157162 h 2002631"/>
-              <a:gd name="connsiteX2" fmla="*/ 3352800 w 3352800"/>
-              <a:gd name="connsiteY2" fmla="*/ 0 h 2002631"/>
-              <a:gd name="connsiteX3" fmla="*/ 3352800 w 3352800"/>
-              <a:gd name="connsiteY3" fmla="*/ 2002631 h 2002631"/>
-              <a:gd name="connsiteX4" fmla="*/ 0 w 3352800"/>
-              <a:gd name="connsiteY4" fmla="*/ 2002631 h 2002631"/>
-              <a:gd name="connsiteX0" fmla="*/ 0 w 3352800"/>
-              <a:gd name="connsiteY0" fmla="*/ 2002631 h 2002631"/>
-              <a:gd name="connsiteX1" fmla="*/ 2988469 w 3352800"/>
-              <a:gd name="connsiteY1" fmla="*/ 59530 h 2002631"/>
-              <a:gd name="connsiteX2" fmla="*/ 3352800 w 3352800"/>
-              <a:gd name="connsiteY2" fmla="*/ 0 h 2002631"/>
-              <a:gd name="connsiteX3" fmla="*/ 3352800 w 3352800"/>
-              <a:gd name="connsiteY3" fmla="*/ 2002631 h 2002631"/>
-              <a:gd name="connsiteX4" fmla="*/ 0 w 3352800"/>
-              <a:gd name="connsiteY4" fmla="*/ 2002631 h 2002631"/>
-              <a:gd name="connsiteX0" fmla="*/ 0 w 3352800"/>
-              <a:gd name="connsiteY0" fmla="*/ 2002631 h 2002631"/>
-              <a:gd name="connsiteX1" fmla="*/ 2833966 w 3352800"/>
-              <a:gd name="connsiteY1" fmla="*/ 425 h 2002631"/>
-              <a:gd name="connsiteX2" fmla="*/ 3352800 w 3352800"/>
-              <a:gd name="connsiteY2" fmla="*/ 0 h 2002631"/>
-              <a:gd name="connsiteX3" fmla="*/ 3352800 w 3352800"/>
-              <a:gd name="connsiteY3" fmla="*/ 2002631 h 2002631"/>
-              <a:gd name="connsiteX4" fmla="*/ 0 w 3352800"/>
-              <a:gd name="connsiteY4" fmla="*/ 2002631 h 2002631"/>
-              <a:gd name="connsiteX0" fmla="*/ 0 w 3352800"/>
-              <a:gd name="connsiteY0" fmla="*/ 2002631 h 2002631"/>
-              <a:gd name="connsiteX1" fmla="*/ 2845314 w 3352800"/>
-              <a:gd name="connsiteY1" fmla="*/ 12246 h 2002631"/>
-              <a:gd name="connsiteX2" fmla="*/ 3352800 w 3352800"/>
-              <a:gd name="connsiteY2" fmla="*/ 0 h 2002631"/>
-              <a:gd name="connsiteX3" fmla="*/ 3352800 w 3352800"/>
-              <a:gd name="connsiteY3" fmla="*/ 2002631 h 2002631"/>
-              <a:gd name="connsiteX4" fmla="*/ 0 w 3352800"/>
-              <a:gd name="connsiteY4" fmla="*/ 2002631 h 2002631"/>
-              <a:gd name="connsiteX0" fmla="*/ 0 w 3352800"/>
-              <a:gd name="connsiteY0" fmla="*/ 2002631 h 2002631"/>
-              <a:gd name="connsiteX1" fmla="*/ 2834839 w 3352800"/>
-              <a:gd name="connsiteY1" fmla="*/ 425 h 2002631"/>
-              <a:gd name="connsiteX2" fmla="*/ 3352800 w 3352800"/>
-              <a:gd name="connsiteY2" fmla="*/ 0 h 2002631"/>
-              <a:gd name="connsiteX3" fmla="*/ 3352800 w 3352800"/>
-              <a:gd name="connsiteY3" fmla="*/ 2002631 h 2002631"/>
-              <a:gd name="connsiteX4" fmla="*/ 0 w 3352800"/>
-              <a:gd name="connsiteY4" fmla="*/ 2002631 h 2002631"/>
-              <a:gd name="connsiteX0" fmla="*/ 0 w 3352800"/>
-              <a:gd name="connsiteY0" fmla="*/ 2002631 h 2002631"/>
-              <a:gd name="connsiteX1" fmla="*/ 2875865 w 3352800"/>
-              <a:gd name="connsiteY1" fmla="*/ 81782 h 2002631"/>
-              <a:gd name="connsiteX2" fmla="*/ 3352800 w 3352800"/>
-              <a:gd name="connsiteY2" fmla="*/ 0 h 2002631"/>
-              <a:gd name="connsiteX3" fmla="*/ 3352800 w 3352800"/>
-              <a:gd name="connsiteY3" fmla="*/ 2002631 h 2002631"/>
-              <a:gd name="connsiteX4" fmla="*/ 0 w 3352800"/>
-              <a:gd name="connsiteY4" fmla="*/ 2002631 h 2002631"/>
-              <a:gd name="connsiteX0" fmla="*/ 0 w 3352800"/>
-              <a:gd name="connsiteY0" fmla="*/ 2002901 h 2002901"/>
-              <a:gd name="connsiteX1" fmla="*/ 2836585 w 3352800"/>
-              <a:gd name="connsiteY1" fmla="*/ 0 h 2002901"/>
-              <a:gd name="connsiteX2" fmla="*/ 3352800 w 3352800"/>
-              <a:gd name="connsiteY2" fmla="*/ 270 h 2002901"/>
-              <a:gd name="connsiteX3" fmla="*/ 3352800 w 3352800"/>
-              <a:gd name="connsiteY3" fmla="*/ 2002901 h 2002901"/>
-              <a:gd name="connsiteX4" fmla="*/ 0 w 3352800"/>
-              <a:gd name="connsiteY4" fmla="*/ 2002901 h 2002901"/>
+              <a:gd name="connsiteX0-1" fmla="*/ 0 w 3112294"/>
+              <a:gd name="connsiteY0-2" fmla="*/ 2019301 h 2083594"/>
+              <a:gd name="connsiteX1-3" fmla="*/ 2793206 w 3112294"/>
+              <a:gd name="connsiteY1-4" fmla="*/ 0 h 2083594"/>
+              <a:gd name="connsiteX2-5" fmla="*/ 3112294 w 3112294"/>
+              <a:gd name="connsiteY2-6" fmla="*/ 80963 h 2083594"/>
+              <a:gd name="connsiteX3-7" fmla="*/ 3112294 w 3112294"/>
+              <a:gd name="connsiteY3-8" fmla="*/ 2083594 h 2083594"/>
+              <a:gd name="connsiteX4-9" fmla="*/ 0 w 3112294"/>
+              <a:gd name="connsiteY4-10" fmla="*/ 2019301 h 2083594"/>
+              <a:gd name="connsiteX0-11" fmla="*/ 0 w 3345656"/>
+              <a:gd name="connsiteY0-12" fmla="*/ 2097882 h 2097882"/>
+              <a:gd name="connsiteX1-13" fmla="*/ 3026568 w 3345656"/>
+              <a:gd name="connsiteY1-14" fmla="*/ 0 h 2097882"/>
+              <a:gd name="connsiteX2-15" fmla="*/ 3345656 w 3345656"/>
+              <a:gd name="connsiteY2-16" fmla="*/ 80963 h 2097882"/>
+              <a:gd name="connsiteX3-17" fmla="*/ 3345656 w 3345656"/>
+              <a:gd name="connsiteY3-18" fmla="*/ 2083594 h 2097882"/>
+              <a:gd name="connsiteX4-19" fmla="*/ 0 w 3345656"/>
+              <a:gd name="connsiteY4-20" fmla="*/ 2097882 h 2097882"/>
+              <a:gd name="connsiteX0-21" fmla="*/ 0 w 2800350"/>
+              <a:gd name="connsiteY0-22" fmla="*/ 1935957 h 2083594"/>
+              <a:gd name="connsiteX1-23" fmla="*/ 2481262 w 2800350"/>
+              <a:gd name="connsiteY1-24" fmla="*/ 0 h 2083594"/>
+              <a:gd name="connsiteX2-25" fmla="*/ 2800350 w 2800350"/>
+              <a:gd name="connsiteY2-26" fmla="*/ 80963 h 2083594"/>
+              <a:gd name="connsiteX3-27" fmla="*/ 2800350 w 2800350"/>
+              <a:gd name="connsiteY3-28" fmla="*/ 2083594 h 2083594"/>
+              <a:gd name="connsiteX4-29" fmla="*/ 0 w 2800350"/>
+              <a:gd name="connsiteY4-30" fmla="*/ 1935957 h 2083594"/>
+              <a:gd name="connsiteX0-31" fmla="*/ 0 w 3352800"/>
+              <a:gd name="connsiteY0-32" fmla="*/ 2083594 h 2083594"/>
+              <a:gd name="connsiteX1-33" fmla="*/ 3033712 w 3352800"/>
+              <a:gd name="connsiteY1-34" fmla="*/ 0 h 2083594"/>
+              <a:gd name="connsiteX2-35" fmla="*/ 3352800 w 3352800"/>
+              <a:gd name="connsiteY2-36" fmla="*/ 80963 h 2083594"/>
+              <a:gd name="connsiteX3-37" fmla="*/ 3352800 w 3352800"/>
+              <a:gd name="connsiteY3-38" fmla="*/ 2083594 h 2083594"/>
+              <a:gd name="connsiteX4-39" fmla="*/ 0 w 3352800"/>
+              <a:gd name="connsiteY4-40" fmla="*/ 2083594 h 2083594"/>
+              <a:gd name="connsiteX0-41" fmla="*/ 0 w 3352800"/>
+              <a:gd name="connsiteY0-42" fmla="*/ 2002631 h 2002631"/>
+              <a:gd name="connsiteX1-43" fmla="*/ 3033712 w 3352800"/>
+              <a:gd name="connsiteY1-44" fmla="*/ 157162 h 2002631"/>
+              <a:gd name="connsiteX2-45" fmla="*/ 3352800 w 3352800"/>
+              <a:gd name="connsiteY2-46" fmla="*/ 0 h 2002631"/>
+              <a:gd name="connsiteX3-47" fmla="*/ 3352800 w 3352800"/>
+              <a:gd name="connsiteY3-48" fmla="*/ 2002631 h 2002631"/>
+              <a:gd name="connsiteX4-49" fmla="*/ 0 w 3352800"/>
+              <a:gd name="connsiteY4-50" fmla="*/ 2002631 h 2002631"/>
+              <a:gd name="connsiteX0-51" fmla="*/ 0 w 3352800"/>
+              <a:gd name="connsiteY0-52" fmla="*/ 2002631 h 2002631"/>
+              <a:gd name="connsiteX1-53" fmla="*/ 2988469 w 3352800"/>
+              <a:gd name="connsiteY1-54" fmla="*/ 59530 h 2002631"/>
+              <a:gd name="connsiteX2-55" fmla="*/ 3352800 w 3352800"/>
+              <a:gd name="connsiteY2-56" fmla="*/ 0 h 2002631"/>
+              <a:gd name="connsiteX3-57" fmla="*/ 3352800 w 3352800"/>
+              <a:gd name="connsiteY3-58" fmla="*/ 2002631 h 2002631"/>
+              <a:gd name="connsiteX4-59" fmla="*/ 0 w 3352800"/>
+              <a:gd name="connsiteY4-60" fmla="*/ 2002631 h 2002631"/>
+              <a:gd name="connsiteX0-61" fmla="*/ 0 w 3352800"/>
+              <a:gd name="connsiteY0-62" fmla="*/ 2002631 h 2002631"/>
+              <a:gd name="connsiteX1-63" fmla="*/ 2833966 w 3352800"/>
+              <a:gd name="connsiteY1-64" fmla="*/ 425 h 2002631"/>
+              <a:gd name="connsiteX2-65" fmla="*/ 3352800 w 3352800"/>
+              <a:gd name="connsiteY2-66" fmla="*/ 0 h 2002631"/>
+              <a:gd name="connsiteX3-67" fmla="*/ 3352800 w 3352800"/>
+              <a:gd name="connsiteY3-68" fmla="*/ 2002631 h 2002631"/>
+              <a:gd name="connsiteX4-69" fmla="*/ 0 w 3352800"/>
+              <a:gd name="connsiteY4-70" fmla="*/ 2002631 h 2002631"/>
+              <a:gd name="connsiteX0-71" fmla="*/ 0 w 3352800"/>
+              <a:gd name="connsiteY0-72" fmla="*/ 2002631 h 2002631"/>
+              <a:gd name="connsiteX1-73" fmla="*/ 2845314 w 3352800"/>
+              <a:gd name="connsiteY1-74" fmla="*/ 12246 h 2002631"/>
+              <a:gd name="connsiteX2-75" fmla="*/ 3352800 w 3352800"/>
+              <a:gd name="connsiteY2-76" fmla="*/ 0 h 2002631"/>
+              <a:gd name="connsiteX3-77" fmla="*/ 3352800 w 3352800"/>
+              <a:gd name="connsiteY3-78" fmla="*/ 2002631 h 2002631"/>
+              <a:gd name="connsiteX4-79" fmla="*/ 0 w 3352800"/>
+              <a:gd name="connsiteY4-80" fmla="*/ 2002631 h 2002631"/>
+              <a:gd name="connsiteX0-81" fmla="*/ 0 w 3352800"/>
+              <a:gd name="connsiteY0-82" fmla="*/ 2002631 h 2002631"/>
+              <a:gd name="connsiteX1-83" fmla="*/ 2834839 w 3352800"/>
+              <a:gd name="connsiteY1-84" fmla="*/ 425 h 2002631"/>
+              <a:gd name="connsiteX2-85" fmla="*/ 3352800 w 3352800"/>
+              <a:gd name="connsiteY2-86" fmla="*/ 0 h 2002631"/>
+              <a:gd name="connsiteX3-87" fmla="*/ 3352800 w 3352800"/>
+              <a:gd name="connsiteY3-88" fmla="*/ 2002631 h 2002631"/>
+              <a:gd name="connsiteX4-89" fmla="*/ 0 w 3352800"/>
+              <a:gd name="connsiteY4-90" fmla="*/ 2002631 h 2002631"/>
+              <a:gd name="connsiteX0-91" fmla="*/ 0 w 3352800"/>
+              <a:gd name="connsiteY0-92" fmla="*/ 2002631 h 2002631"/>
+              <a:gd name="connsiteX1-93" fmla="*/ 2875865 w 3352800"/>
+              <a:gd name="connsiteY1-94" fmla="*/ 81782 h 2002631"/>
+              <a:gd name="connsiteX2-95" fmla="*/ 3352800 w 3352800"/>
+              <a:gd name="connsiteY2-96" fmla="*/ 0 h 2002631"/>
+              <a:gd name="connsiteX3-97" fmla="*/ 3352800 w 3352800"/>
+              <a:gd name="connsiteY3-98" fmla="*/ 2002631 h 2002631"/>
+              <a:gd name="connsiteX4-99" fmla="*/ 0 w 3352800"/>
+              <a:gd name="connsiteY4-100" fmla="*/ 2002631 h 2002631"/>
+              <a:gd name="connsiteX0-101" fmla="*/ 0 w 3352800"/>
+              <a:gd name="connsiteY0-102" fmla="*/ 2002901 h 2002901"/>
+              <a:gd name="connsiteX1-103" fmla="*/ 2836585 w 3352800"/>
+              <a:gd name="connsiteY1-104" fmla="*/ 0 h 2002901"/>
+              <a:gd name="connsiteX2-105" fmla="*/ 3352800 w 3352800"/>
+              <a:gd name="connsiteY2-106" fmla="*/ 270 h 2002901"/>
+              <a:gd name="connsiteX3-107" fmla="*/ 3352800 w 3352800"/>
+              <a:gd name="connsiteY3-108" fmla="*/ 2002901 h 2002901"/>
+              <a:gd name="connsiteX4-109" fmla="*/ 0 w 3352800"/>
+              <a:gd name="connsiteY4-110" fmla="*/ 2002901 h 2002901"/>
             </a:gdLst>
             <a:ahLst/>
             <a:cxnLst>
               <a:cxn ang="0">
-                <a:pos x="connsiteX0" y="connsiteY0"/>
+                <a:pos x="connsiteX0-1" y="connsiteY0-2"/>
               </a:cxn>
               <a:cxn ang="0">
-                <a:pos x="connsiteX1" y="connsiteY1"/>
+                <a:pos x="connsiteX1-3" y="connsiteY1-4"/>
               </a:cxn>
               <a:cxn ang="0">
-                <a:pos x="connsiteX2" y="connsiteY2"/>
+                <a:pos x="connsiteX2-5" y="connsiteY2-6"/>
               </a:cxn>
               <a:cxn ang="0">
-                <a:pos x="connsiteX3" y="connsiteY3"/>
+                <a:pos x="connsiteX3-7" y="connsiteY3-8"/>
               </a:cxn>
               <a:cxn ang="0">
-                <a:pos x="connsiteX4" y="connsiteY4"/>
+                <a:pos x="connsiteX4-9" y="connsiteY4-10"/>
               </a:cxn>
             </a:cxnLst>
             <a:rect l="l" t="t" r="r" b="b"/>
@@ -1464,7 +1862,6 @@
               <a:buSzTx/>
               <a:buFontTx/>
               <a:buNone/>
-              <a:tabLst/>
               <a:defRPr/>
             </a:pPr>
             <a:r>
@@ -1609,15 +2006,15 @@
                 <a:schemeClr val="accent1"/>
               </a:buClr>
               <a:buSzPct val="100000"/>
-              <a:buFont typeface="Arial" pitchFamily="34" charset="0"/>
+              <a:buFont typeface="Arial" panose="020B0604020202020204" pitchFamily="34" charset="0"/>
               <a:buNone/>
-              <a:tabLst/>
               <a:defRPr/>
             </a:pPr>
             <a:r>
               <a:rPr lang="ru-RU" smtClean="0"/>
               <a:t>Образец текста</a:t>
             </a:r>
+            <a:endParaRPr lang="ru-RU" smtClean="0"/>
           </a:p>
         </p:txBody>
       </p:sp>
@@ -1638,7 +2035,6 @@
           <a:p>
             <a:fld id="{AC62DC8F-0100-4F68-80F6-6438C4384B70}" type="datetimeFigureOut">
               <a:rPr lang="ru-RU" smtClean="0"/>
-              <a:t>10.10.2019</a:t>
             </a:fld>
             <a:endParaRPr lang="ru-RU"/>
           </a:p>
@@ -1680,7 +2076,6 @@
           <a:p>
             <a:fld id="{9B94E556-EBAF-4B3C-9C6D-BA4051FEBCA5}" type="slidenum">
               <a:rPr lang="ru-RU" smtClean="0"/>
-              <a:t>‹#›</a:t>
             </a:fld>
             <a:endParaRPr lang="ru-RU"/>
           </a:p>
@@ -1764,6 +2159,7 @@
               <a:rPr lang="ru-RU" smtClean="0"/>
               <a:t>Образец текста</a:t>
             </a:r>
+            <a:endParaRPr lang="ru-RU" smtClean="0"/>
           </a:p>
           <a:p>
             <a:pPr lvl="1"/>
@@ -1771,6 +2167,7 @@
               <a:rPr lang="ru-RU" smtClean="0"/>
               <a:t>Второй уровень</a:t>
             </a:r>
+            <a:endParaRPr lang="ru-RU" smtClean="0"/>
           </a:p>
           <a:p>
             <a:pPr lvl="2"/>
@@ -1778,6 +2175,7 @@
               <a:rPr lang="ru-RU" smtClean="0"/>
               <a:t>Третий уровень</a:t>
             </a:r>
+            <a:endParaRPr lang="ru-RU" smtClean="0"/>
           </a:p>
           <a:p>
             <a:pPr lvl="3"/>
@@ -1785,6 +2183,7 @@
               <a:rPr lang="ru-RU" smtClean="0"/>
               <a:t>Четвертый уровень</a:t>
             </a:r>
+            <a:endParaRPr lang="ru-RU" smtClean="0"/>
           </a:p>
           <a:p>
             <a:pPr lvl="4"/>
@@ -1849,6 +2248,7 @@
               <a:rPr lang="ru-RU" smtClean="0"/>
               <a:t>Образец текста</a:t>
             </a:r>
+            <a:endParaRPr lang="ru-RU" smtClean="0"/>
           </a:p>
           <a:p>
             <a:pPr lvl="1"/>
@@ -1856,6 +2256,7 @@
               <a:rPr lang="ru-RU" smtClean="0"/>
               <a:t>Второй уровень</a:t>
             </a:r>
+            <a:endParaRPr lang="ru-RU" smtClean="0"/>
           </a:p>
           <a:p>
             <a:pPr lvl="2"/>
@@ -1863,6 +2264,7 @@
               <a:rPr lang="ru-RU" smtClean="0"/>
               <a:t>Третий уровень</a:t>
             </a:r>
+            <a:endParaRPr lang="ru-RU" smtClean="0"/>
           </a:p>
           <a:p>
             <a:pPr lvl="3"/>
@@ -1870,6 +2272,7 @@
               <a:rPr lang="ru-RU" smtClean="0"/>
               <a:t>Четвертый уровень</a:t>
             </a:r>
+            <a:endParaRPr lang="ru-RU" smtClean="0"/>
           </a:p>
           <a:p>
             <a:pPr lvl="4"/>
@@ -1898,7 +2301,6 @@
           <a:p>
             <a:fld id="{AC62DC8F-0100-4F68-80F6-6438C4384B70}" type="datetimeFigureOut">
               <a:rPr lang="ru-RU" smtClean="0"/>
-              <a:t>10.10.2019</a:t>
             </a:fld>
             <a:endParaRPr lang="ru-RU"/>
           </a:p>
@@ -1940,7 +2342,6 @@
           <a:p>
             <a:fld id="{9B94E556-EBAF-4B3C-9C6D-BA4051FEBCA5}" type="slidenum">
               <a:rPr lang="ru-RU" smtClean="0"/>
-              <a:t>‹#›</a:t>
             </a:fld>
             <a:endParaRPr lang="ru-RU"/>
           </a:p>
@@ -2100,13 +2501,14 @@
               <a:buClr>
                 <a:schemeClr val="accent1"/>
               </a:buClr>
-              <a:buFont typeface="Arial" pitchFamily="34" charset="0"/>
+              <a:buFont typeface="Arial" panose="020B0604020202020204" pitchFamily="34" charset="0"/>
               <a:buNone/>
             </a:pPr>
             <a:r>
               <a:rPr lang="ru-RU" smtClean="0"/>
               <a:t>Образец текста</a:t>
             </a:r>
+            <a:endParaRPr lang="ru-RU" smtClean="0"/>
           </a:p>
         </p:txBody>
       </p:sp>
@@ -2163,6 +2565,7 @@
               <a:rPr lang="ru-RU" smtClean="0"/>
               <a:t>Образец текста</a:t>
             </a:r>
+            <a:endParaRPr lang="ru-RU" smtClean="0"/>
           </a:p>
           <a:p>
             <a:pPr lvl="1"/>
@@ -2170,6 +2573,7 @@
               <a:rPr lang="ru-RU" smtClean="0"/>
               <a:t>Второй уровень</a:t>
             </a:r>
+            <a:endParaRPr lang="ru-RU" smtClean="0"/>
           </a:p>
           <a:p>
             <a:pPr lvl="2"/>
@@ -2177,6 +2581,7 @@
               <a:rPr lang="ru-RU" smtClean="0"/>
               <a:t>Третий уровень</a:t>
             </a:r>
+            <a:endParaRPr lang="ru-RU" smtClean="0"/>
           </a:p>
           <a:p>
             <a:pPr lvl="3"/>
@@ -2184,6 +2589,7 @@
               <a:rPr lang="ru-RU" smtClean="0"/>
               <a:t>Четвертый уровень</a:t>
             </a:r>
+            <a:endParaRPr lang="ru-RU" smtClean="0"/>
           </a:p>
           <a:p>
             <a:pPr lvl="4"/>
@@ -2274,13 +2680,14 @@
               <a:buClr>
                 <a:schemeClr val="accent1"/>
               </a:buClr>
-              <a:buFont typeface="Arial" pitchFamily="34" charset="0"/>
+              <a:buFont typeface="Arial" panose="020B0604020202020204" pitchFamily="34" charset="0"/>
               <a:buNone/>
             </a:pPr>
             <a:r>
               <a:rPr lang="ru-RU" smtClean="0"/>
               <a:t>Образец текста</a:t>
             </a:r>
+            <a:endParaRPr lang="ru-RU" smtClean="0"/>
           </a:p>
         </p:txBody>
       </p:sp>
@@ -2337,6 +2744,7 @@
               <a:rPr lang="ru-RU" smtClean="0"/>
               <a:t>Образец текста</a:t>
             </a:r>
+            <a:endParaRPr lang="ru-RU" smtClean="0"/>
           </a:p>
           <a:p>
             <a:pPr lvl="1"/>
@@ -2344,6 +2752,7 @@
               <a:rPr lang="ru-RU" smtClean="0"/>
               <a:t>Второй уровень</a:t>
             </a:r>
+            <a:endParaRPr lang="ru-RU" smtClean="0"/>
           </a:p>
           <a:p>
             <a:pPr lvl="2"/>
@@ -2351,6 +2760,7 @@
               <a:rPr lang="ru-RU" smtClean="0"/>
               <a:t>Третий уровень</a:t>
             </a:r>
+            <a:endParaRPr lang="ru-RU" smtClean="0"/>
           </a:p>
           <a:p>
             <a:pPr lvl="3"/>
@@ -2358,6 +2768,7 @@
               <a:rPr lang="ru-RU" smtClean="0"/>
               <a:t>Четвертый уровень</a:t>
             </a:r>
+            <a:endParaRPr lang="ru-RU" smtClean="0"/>
           </a:p>
           <a:p>
             <a:pPr lvl="4"/>
@@ -2386,7 +2797,6 @@
           <a:p>
             <a:fld id="{AC62DC8F-0100-4F68-80F6-6438C4384B70}" type="datetimeFigureOut">
               <a:rPr lang="ru-RU" smtClean="0"/>
-              <a:t>10.10.2019</a:t>
             </a:fld>
             <a:endParaRPr lang="ru-RU"/>
           </a:p>
@@ -2428,7 +2838,6 @@
           <a:p>
             <a:fld id="{9B94E556-EBAF-4B3C-9C6D-BA4051FEBCA5}" type="slidenum">
               <a:rPr lang="ru-RU" smtClean="0"/>
-              <a:t>‹#›</a:t>
             </a:fld>
             <a:endParaRPr lang="ru-RU"/>
           </a:p>
@@ -2499,7 +2908,6 @@
           <a:p>
             <a:fld id="{AC62DC8F-0100-4F68-80F6-6438C4384B70}" type="datetimeFigureOut">
               <a:rPr lang="ru-RU" smtClean="0"/>
-              <a:t>10.10.2019</a:t>
             </a:fld>
             <a:endParaRPr lang="ru-RU"/>
           </a:p>
@@ -2541,7 +2949,6 @@
           <a:p>
             <a:fld id="{9B94E556-EBAF-4B3C-9C6D-BA4051FEBCA5}" type="slidenum">
               <a:rPr lang="ru-RU" smtClean="0"/>
-              <a:t>‹#›</a:t>
             </a:fld>
             <a:endParaRPr lang="ru-RU"/>
           </a:p>
@@ -2589,7 +2996,6 @@
           <a:p>
             <a:fld id="{AC62DC8F-0100-4F68-80F6-6438C4384B70}" type="datetimeFigureOut">
               <a:rPr lang="ru-RU" smtClean="0"/>
-              <a:t>10.10.2019</a:t>
             </a:fld>
             <a:endParaRPr lang="ru-RU"/>
           </a:p>
@@ -2631,7 +3037,6 @@
           <a:p>
             <a:fld id="{9B94E556-EBAF-4B3C-9C6D-BA4051FEBCA5}" type="slidenum">
               <a:rPr lang="ru-RU" smtClean="0"/>
-              <a:t>‹#›</a:t>
             </a:fld>
             <a:endParaRPr lang="ru-RU"/>
           </a:p>
@@ -2646,7 +3051,7 @@
 </file>
 
 <file path=ppt/slideLayouts/slideLayout8.xml><?xml version="1.0" encoding="utf-8"?>
-<p:sldLayout xmlns:a="http://schemas.openxmlformats.org/drawingml/2006/main" xmlns:r="http://schemas.openxmlformats.org/officeDocument/2006/relationships" xmlns:p="http://schemas.openxmlformats.org/presentationml/2006/main" showMasterSp="0" type="objTx" preserve="1">
+<p:sldLayout xmlns:a="http://schemas.openxmlformats.org/drawingml/2006/main" xmlns:r="http://schemas.openxmlformats.org/officeDocument/2006/relationships" xmlns:p="http://schemas.openxmlformats.org/presentationml/2006/main" type="objTx" preserve="1" showMasterSp="0">
   <p:cSld name="Объект с подписью">
     <p:spTree>
       <p:nvGrpSpPr>
@@ -2814,7 +3219,6 @@
               <a:buSzTx/>
               <a:buFontTx/>
               <a:buNone/>
-              <a:tabLst/>
               <a:defRPr/>
             </a:pPr>
             <a:r>
@@ -2878,6 +3282,7 @@
               <a:rPr lang="ru-RU" smtClean="0"/>
               <a:t>Образец текста</a:t>
             </a:r>
+            <a:endParaRPr lang="ru-RU" smtClean="0"/>
           </a:p>
           <a:p>
             <a:pPr lvl="1"/>
@@ -2885,6 +3290,7 @@
               <a:rPr lang="ru-RU" smtClean="0"/>
               <a:t>Второй уровень</a:t>
             </a:r>
+            <a:endParaRPr lang="ru-RU" smtClean="0"/>
           </a:p>
           <a:p>
             <a:pPr lvl="2"/>
@@ -2892,6 +3298,7 @@
               <a:rPr lang="ru-RU" smtClean="0"/>
               <a:t>Третий уровень</a:t>
             </a:r>
+            <a:endParaRPr lang="ru-RU" smtClean="0"/>
           </a:p>
           <a:p>
             <a:pPr lvl="3"/>
@@ -2899,6 +3306,7 @@
               <a:rPr lang="ru-RU" smtClean="0"/>
               <a:t>Четвертый уровень</a:t>
             </a:r>
+            <a:endParaRPr lang="ru-RU" smtClean="0"/>
           </a:p>
           <a:p>
             <a:pPr lvl="4"/>
@@ -2990,15 +3398,15 @@
                 <a:schemeClr val="accent1"/>
               </a:buClr>
               <a:buSzPct val="100000"/>
-              <a:buFont typeface="Arial" pitchFamily="34" charset="0"/>
+              <a:buFont typeface="Arial" panose="020B0604020202020204" pitchFamily="34" charset="0"/>
               <a:buNone/>
-              <a:tabLst/>
               <a:defRPr/>
             </a:pPr>
             <a:r>
               <a:rPr lang="ru-RU" smtClean="0"/>
               <a:t>Образец текста</a:t>
             </a:r>
+            <a:endParaRPr lang="ru-RU" smtClean="0"/>
           </a:p>
         </p:txBody>
       </p:sp>
@@ -3019,7 +3427,6 @@
           <a:p>
             <a:fld id="{AC62DC8F-0100-4F68-80F6-6438C4384B70}" type="datetimeFigureOut">
               <a:rPr lang="ru-RU" smtClean="0"/>
-              <a:t>10.10.2019</a:t>
             </a:fld>
             <a:endParaRPr lang="ru-RU"/>
           </a:p>
@@ -3083,7 +3490,6 @@
           <a:p>
             <a:fld id="{9B94E556-EBAF-4B3C-9C6D-BA4051FEBCA5}" type="slidenum">
               <a:rPr lang="ru-RU" smtClean="0"/>
-              <a:t>‹#›</a:t>
             </a:fld>
             <a:endParaRPr lang="ru-RU"/>
           </a:p>
@@ -3098,7 +3504,7 @@
 </file>
 
 <file path=ppt/slideLayouts/slideLayout9.xml><?xml version="1.0" encoding="utf-8"?>
-<p:sldLayout xmlns:a="http://schemas.openxmlformats.org/drawingml/2006/main" xmlns:r="http://schemas.openxmlformats.org/officeDocument/2006/relationships" xmlns:p="http://schemas.openxmlformats.org/presentationml/2006/main" showMasterSp="0" type="picTx" preserve="1">
+<p:sldLayout xmlns:a="http://schemas.openxmlformats.org/drawingml/2006/main" xmlns:r="http://schemas.openxmlformats.org/officeDocument/2006/relationships" xmlns:p="http://schemas.openxmlformats.org/presentationml/2006/main" type="picTx" preserve="1" showMasterSp="0">
   <p:cSld name="Рисунок с подписью">
     <p:spTree>
       <p:nvGrpSpPr>
@@ -3142,94 +3548,94 @@
               <a:gd name="connsiteY3" fmla="*/ 6858000 h 6858000"/>
               <a:gd name="connsiteX4" fmla="*/ 0 w 7104888"/>
               <a:gd name="connsiteY4" fmla="*/ 0 h 6858000"/>
-              <a:gd name="connsiteX0" fmla="*/ 0 w 7104888"/>
-              <a:gd name="connsiteY0" fmla="*/ 0 h 6858000"/>
-              <a:gd name="connsiteX1" fmla="*/ 5695188 w 7104888"/>
-              <a:gd name="connsiteY1" fmla="*/ 0 h 6858000"/>
-              <a:gd name="connsiteX2" fmla="*/ 7104888 w 7104888"/>
-              <a:gd name="connsiteY2" fmla="*/ 0 h 6858000"/>
-              <a:gd name="connsiteX3" fmla="*/ 7104888 w 7104888"/>
-              <a:gd name="connsiteY3" fmla="*/ 6858000 h 6858000"/>
-              <a:gd name="connsiteX4" fmla="*/ 0 w 7104888"/>
-              <a:gd name="connsiteY4" fmla="*/ 6858000 h 6858000"/>
+              <a:gd name="connsiteX0-1" fmla="*/ 0 w 7104888"/>
+              <a:gd name="connsiteY0-2" fmla="*/ 0 h 6858000"/>
+              <a:gd name="connsiteX1-3" fmla="*/ 5695188 w 7104888"/>
+              <a:gd name="connsiteY1-4" fmla="*/ 0 h 6858000"/>
+              <a:gd name="connsiteX2-5" fmla="*/ 7104888 w 7104888"/>
+              <a:gd name="connsiteY2-6" fmla="*/ 0 h 6858000"/>
+              <a:gd name="connsiteX3-7" fmla="*/ 7104888 w 7104888"/>
+              <a:gd name="connsiteY3-8" fmla="*/ 6858000 h 6858000"/>
+              <a:gd name="connsiteX4-9" fmla="*/ 0 w 7104888"/>
+              <a:gd name="connsiteY4-10" fmla="*/ 6858000 h 6858000"/>
               <a:gd name="connsiteX5" fmla="*/ 0 w 7104888"/>
               <a:gd name="connsiteY5" fmla="*/ 0 h 6858000"/>
-              <a:gd name="connsiteX0" fmla="*/ 10287 w 7115175"/>
-              <a:gd name="connsiteY0" fmla="*/ 0 h 6858000"/>
-              <a:gd name="connsiteX1" fmla="*/ 5705475 w 7115175"/>
-              <a:gd name="connsiteY1" fmla="*/ 0 h 6858000"/>
-              <a:gd name="connsiteX2" fmla="*/ 7115175 w 7115175"/>
-              <a:gd name="connsiteY2" fmla="*/ 0 h 6858000"/>
-              <a:gd name="connsiteX3" fmla="*/ 7115175 w 7115175"/>
-              <a:gd name="connsiteY3" fmla="*/ 6858000 h 6858000"/>
-              <a:gd name="connsiteX4" fmla="*/ 10287 w 7115175"/>
-              <a:gd name="connsiteY4" fmla="*/ 6858000 h 6858000"/>
-              <a:gd name="connsiteX5" fmla="*/ 0 w 7115175"/>
-              <a:gd name="connsiteY5" fmla="*/ 5048250 h 6858000"/>
+              <a:gd name="connsiteX0-11" fmla="*/ 10287 w 7115175"/>
+              <a:gd name="connsiteY0-12" fmla="*/ 0 h 6858000"/>
+              <a:gd name="connsiteX1-13" fmla="*/ 5705475 w 7115175"/>
+              <a:gd name="connsiteY1-14" fmla="*/ 0 h 6858000"/>
+              <a:gd name="connsiteX2-15" fmla="*/ 7115175 w 7115175"/>
+              <a:gd name="connsiteY2-16" fmla="*/ 0 h 6858000"/>
+              <a:gd name="connsiteX3-17" fmla="*/ 7115175 w 7115175"/>
+              <a:gd name="connsiteY3-18" fmla="*/ 6858000 h 6858000"/>
+              <a:gd name="connsiteX4-19" fmla="*/ 10287 w 7115175"/>
+              <a:gd name="connsiteY4-20" fmla="*/ 6858000 h 6858000"/>
+              <a:gd name="connsiteX5-21" fmla="*/ 0 w 7115175"/>
+              <a:gd name="connsiteY5-22" fmla="*/ 5048250 h 6858000"/>
               <a:gd name="connsiteX6" fmla="*/ 10287 w 7115175"/>
               <a:gd name="connsiteY6" fmla="*/ 0 h 6858000"/>
-              <a:gd name="connsiteX0" fmla="*/ 10287 w 7115175"/>
-              <a:gd name="connsiteY0" fmla="*/ 0 h 6858000"/>
-              <a:gd name="connsiteX1" fmla="*/ 5705475 w 7115175"/>
-              <a:gd name="connsiteY1" fmla="*/ 0 h 6858000"/>
-              <a:gd name="connsiteX2" fmla="*/ 7115175 w 7115175"/>
-              <a:gd name="connsiteY2" fmla="*/ 0 h 6858000"/>
-              <a:gd name="connsiteX3" fmla="*/ 7115175 w 7115175"/>
-              <a:gd name="connsiteY3" fmla="*/ 6858000 h 6858000"/>
-              <a:gd name="connsiteX4" fmla="*/ 1533526 w 7115175"/>
-              <a:gd name="connsiteY4" fmla="*/ 6848475 h 6858000"/>
-              <a:gd name="connsiteX5" fmla="*/ 10287 w 7115175"/>
-              <a:gd name="connsiteY5" fmla="*/ 6858000 h 6858000"/>
-              <a:gd name="connsiteX6" fmla="*/ 0 w 7115175"/>
-              <a:gd name="connsiteY6" fmla="*/ 5048250 h 6858000"/>
+              <a:gd name="connsiteX0-23" fmla="*/ 10287 w 7115175"/>
+              <a:gd name="connsiteY0-24" fmla="*/ 0 h 6858000"/>
+              <a:gd name="connsiteX1-25" fmla="*/ 5705475 w 7115175"/>
+              <a:gd name="connsiteY1-26" fmla="*/ 0 h 6858000"/>
+              <a:gd name="connsiteX2-27" fmla="*/ 7115175 w 7115175"/>
+              <a:gd name="connsiteY2-28" fmla="*/ 0 h 6858000"/>
+              <a:gd name="connsiteX3-29" fmla="*/ 7115175 w 7115175"/>
+              <a:gd name="connsiteY3-30" fmla="*/ 6858000 h 6858000"/>
+              <a:gd name="connsiteX4-31" fmla="*/ 1533526 w 7115175"/>
+              <a:gd name="connsiteY4-32" fmla="*/ 6848475 h 6858000"/>
+              <a:gd name="connsiteX5-33" fmla="*/ 10287 w 7115175"/>
+              <a:gd name="connsiteY5-34" fmla="*/ 6858000 h 6858000"/>
+              <a:gd name="connsiteX6-35" fmla="*/ 0 w 7115175"/>
+              <a:gd name="connsiteY6-36" fmla="*/ 5048250 h 6858000"/>
               <a:gd name="connsiteX7" fmla="*/ 10287 w 7115175"/>
               <a:gd name="connsiteY7" fmla="*/ 0 h 6858000"/>
-              <a:gd name="connsiteX0" fmla="*/ 10287 w 7115175"/>
-              <a:gd name="connsiteY0" fmla="*/ 0 h 6858000"/>
-              <a:gd name="connsiteX1" fmla="*/ 5705475 w 7115175"/>
-              <a:gd name="connsiteY1" fmla="*/ 0 h 6858000"/>
-              <a:gd name="connsiteX2" fmla="*/ 7115175 w 7115175"/>
-              <a:gd name="connsiteY2" fmla="*/ 0 h 6858000"/>
-              <a:gd name="connsiteX3" fmla="*/ 7115175 w 7115175"/>
-              <a:gd name="connsiteY3" fmla="*/ 6858000 h 6858000"/>
-              <a:gd name="connsiteX4" fmla="*/ 1533526 w 7115175"/>
-              <a:gd name="connsiteY4" fmla="*/ 6848475 h 6858000"/>
-              <a:gd name="connsiteX5" fmla="*/ 0 w 7115175"/>
-              <a:gd name="connsiteY5" fmla="*/ 5048250 h 6858000"/>
-              <a:gd name="connsiteX6" fmla="*/ 10287 w 7115175"/>
-              <a:gd name="connsiteY6" fmla="*/ 0 h 6858000"/>
-              <a:gd name="connsiteX0" fmla="*/ 0 w 7115175"/>
-              <a:gd name="connsiteY0" fmla="*/ 5048250 h 6858000"/>
-              <a:gd name="connsiteX1" fmla="*/ 5705475 w 7115175"/>
-              <a:gd name="connsiteY1" fmla="*/ 0 h 6858000"/>
-              <a:gd name="connsiteX2" fmla="*/ 7115175 w 7115175"/>
-              <a:gd name="connsiteY2" fmla="*/ 0 h 6858000"/>
-              <a:gd name="connsiteX3" fmla="*/ 7115175 w 7115175"/>
-              <a:gd name="connsiteY3" fmla="*/ 6858000 h 6858000"/>
-              <a:gd name="connsiteX4" fmla="*/ 1533526 w 7115175"/>
-              <a:gd name="connsiteY4" fmla="*/ 6848475 h 6858000"/>
-              <a:gd name="connsiteX5" fmla="*/ 0 w 7115175"/>
-              <a:gd name="connsiteY5" fmla="*/ 5048250 h 6858000"/>
+              <a:gd name="connsiteX0-37" fmla="*/ 10287 w 7115175"/>
+              <a:gd name="connsiteY0-38" fmla="*/ 0 h 6858000"/>
+              <a:gd name="connsiteX1-39" fmla="*/ 5705475 w 7115175"/>
+              <a:gd name="connsiteY1-40" fmla="*/ 0 h 6858000"/>
+              <a:gd name="connsiteX2-41" fmla="*/ 7115175 w 7115175"/>
+              <a:gd name="connsiteY2-42" fmla="*/ 0 h 6858000"/>
+              <a:gd name="connsiteX3-43" fmla="*/ 7115175 w 7115175"/>
+              <a:gd name="connsiteY3-44" fmla="*/ 6858000 h 6858000"/>
+              <a:gd name="connsiteX4-45" fmla="*/ 1533526 w 7115175"/>
+              <a:gd name="connsiteY4-46" fmla="*/ 6848475 h 6858000"/>
+              <a:gd name="connsiteX5-47" fmla="*/ 0 w 7115175"/>
+              <a:gd name="connsiteY5-48" fmla="*/ 5048250 h 6858000"/>
+              <a:gd name="connsiteX6-49" fmla="*/ 10287 w 7115175"/>
+              <a:gd name="connsiteY6-50" fmla="*/ 0 h 6858000"/>
+              <a:gd name="connsiteX0-51" fmla="*/ 0 w 7115175"/>
+              <a:gd name="connsiteY0-52" fmla="*/ 5048250 h 6858000"/>
+              <a:gd name="connsiteX1-53" fmla="*/ 5705475 w 7115175"/>
+              <a:gd name="connsiteY1-54" fmla="*/ 0 h 6858000"/>
+              <a:gd name="connsiteX2-55" fmla="*/ 7115175 w 7115175"/>
+              <a:gd name="connsiteY2-56" fmla="*/ 0 h 6858000"/>
+              <a:gd name="connsiteX3-57" fmla="*/ 7115175 w 7115175"/>
+              <a:gd name="connsiteY3-58" fmla="*/ 6858000 h 6858000"/>
+              <a:gd name="connsiteX4-59" fmla="*/ 1533526 w 7115175"/>
+              <a:gd name="connsiteY4-60" fmla="*/ 6848475 h 6858000"/>
+              <a:gd name="connsiteX5-61" fmla="*/ 0 w 7115175"/>
+              <a:gd name="connsiteY5-62" fmla="*/ 5048250 h 6858000"/>
             </a:gdLst>
             <a:ahLst/>
             <a:cxnLst>
               <a:cxn ang="0">
-                <a:pos x="connsiteX0" y="connsiteY0"/>
+                <a:pos x="connsiteX0-1" y="connsiteY0-2"/>
               </a:cxn>
               <a:cxn ang="0">
-                <a:pos x="connsiteX1" y="connsiteY1"/>
+                <a:pos x="connsiteX1-3" y="connsiteY1-4"/>
               </a:cxn>
               <a:cxn ang="0">
-                <a:pos x="connsiteX2" y="connsiteY2"/>
+                <a:pos x="connsiteX2-5" y="connsiteY2-6"/>
               </a:cxn>
               <a:cxn ang="0">
-                <a:pos x="connsiteX3" y="connsiteY3"/>
+                <a:pos x="connsiteX3-7" y="connsiteY3-8"/>
               </a:cxn>
               <a:cxn ang="0">
-                <a:pos x="connsiteX4" y="connsiteY4"/>
+                <a:pos x="connsiteX4-9" y="connsiteY4-10"/>
               </a:cxn>
               <a:cxn ang="0">
-                <a:pos x="connsiteX5" y="connsiteY5"/>
+                <a:pos x="connsiteX5-21" y="connsiteY5-22"/>
               </a:cxn>
             </a:cxnLst>
             <a:rect l="l" t="t" r="r" b="b"/>
@@ -3347,36 +3753,36 @@
               <a:gd name="connsiteY2" fmla="*/ 4210050 h 4210050"/>
               <a:gd name="connsiteX3" fmla="*/ 0 w 3571875"/>
               <a:gd name="connsiteY3" fmla="*/ 4210050 h 4210050"/>
-              <a:gd name="connsiteX0" fmla="*/ 0 w 3571875"/>
-              <a:gd name="connsiteY0" fmla="*/ 1809750 h 1809750"/>
-              <a:gd name="connsiteX1" fmla="*/ 1895475 w 3571875"/>
-              <a:gd name="connsiteY1" fmla="*/ 0 h 1809750"/>
-              <a:gd name="connsiteX2" fmla="*/ 3571875 w 3571875"/>
-              <a:gd name="connsiteY2" fmla="*/ 1809750 h 1809750"/>
-              <a:gd name="connsiteX3" fmla="*/ 0 w 3571875"/>
-              <a:gd name="connsiteY3" fmla="*/ 1809750 h 1809750"/>
-              <a:gd name="connsiteX0" fmla="*/ 0 w 3571875"/>
-              <a:gd name="connsiteY0" fmla="*/ 1809750 h 1809750"/>
-              <a:gd name="connsiteX1" fmla="*/ 2038350 w 3571875"/>
-              <a:gd name="connsiteY1" fmla="*/ 0 h 1809750"/>
-              <a:gd name="connsiteX2" fmla="*/ 3571875 w 3571875"/>
-              <a:gd name="connsiteY2" fmla="*/ 1809750 h 1809750"/>
-              <a:gd name="connsiteX3" fmla="*/ 0 w 3571875"/>
-              <a:gd name="connsiteY3" fmla="*/ 1809750 h 1809750"/>
+              <a:gd name="connsiteX0-1" fmla="*/ 0 w 3571875"/>
+              <a:gd name="connsiteY0-2" fmla="*/ 1809750 h 1809750"/>
+              <a:gd name="connsiteX1-3" fmla="*/ 1895475 w 3571875"/>
+              <a:gd name="connsiteY1-4" fmla="*/ 0 h 1809750"/>
+              <a:gd name="connsiteX2-5" fmla="*/ 3571875 w 3571875"/>
+              <a:gd name="connsiteY2-6" fmla="*/ 1809750 h 1809750"/>
+              <a:gd name="connsiteX3-7" fmla="*/ 0 w 3571875"/>
+              <a:gd name="connsiteY3-8" fmla="*/ 1809750 h 1809750"/>
+              <a:gd name="connsiteX0-9" fmla="*/ 0 w 3571875"/>
+              <a:gd name="connsiteY0-10" fmla="*/ 1809750 h 1809750"/>
+              <a:gd name="connsiteX1-11" fmla="*/ 2038350 w 3571875"/>
+              <a:gd name="connsiteY1-12" fmla="*/ 0 h 1809750"/>
+              <a:gd name="connsiteX2-13" fmla="*/ 3571875 w 3571875"/>
+              <a:gd name="connsiteY2-14" fmla="*/ 1809750 h 1809750"/>
+              <a:gd name="connsiteX3-15" fmla="*/ 0 w 3571875"/>
+              <a:gd name="connsiteY3-16" fmla="*/ 1809750 h 1809750"/>
             </a:gdLst>
             <a:ahLst/>
             <a:cxnLst>
               <a:cxn ang="0">
-                <a:pos x="connsiteX0" y="connsiteY0"/>
+                <a:pos x="connsiteX0-1" y="connsiteY0-2"/>
               </a:cxn>
               <a:cxn ang="0">
-                <a:pos x="connsiteX1" y="connsiteY1"/>
+                <a:pos x="connsiteX1-3" y="connsiteY1-4"/>
               </a:cxn>
               <a:cxn ang="0">
-                <a:pos x="connsiteX2" y="connsiteY2"/>
+                <a:pos x="connsiteX2-5" y="connsiteY2-6"/>
               </a:cxn>
               <a:cxn ang="0">
-                <a:pos x="connsiteX3" y="connsiteY3"/>
+                <a:pos x="connsiteX3-7" y="connsiteY3-8"/>
               </a:cxn>
             </a:cxnLst>
             <a:rect l="l" t="t" r="r" b="b"/>
@@ -3532,6 +3938,7 @@
               <a:rPr lang="ru-RU" smtClean="0"/>
               <a:t>Образец текста</a:t>
             </a:r>
+            <a:endParaRPr lang="ru-RU" smtClean="0"/>
           </a:p>
         </p:txBody>
       </p:sp>
@@ -3552,7 +3959,6 @@
           <a:p>
             <a:fld id="{AC62DC8F-0100-4F68-80F6-6438C4384B70}" type="datetimeFigureOut">
               <a:rPr lang="ru-RU" smtClean="0"/>
-              <a:t>10.10.2019</a:t>
             </a:fld>
             <a:endParaRPr lang="ru-RU"/>
           </a:p>
@@ -3594,7 +4000,6 @@
           <a:p>
             <a:fld id="{9B94E556-EBAF-4B3C-9C6D-BA4051FEBCA5}" type="slidenum">
               <a:rPr lang="ru-RU" smtClean="0"/>
-              <a:t>‹#›</a:t>
             </a:fld>
             <a:endParaRPr lang="ru-RU"/>
           </a:p>
@@ -3652,243 +4057,243 @@
               <a:gd name="connsiteY2" fmla="*/ 4210050 h 4210050"/>
               <a:gd name="connsiteX3" fmla="*/ 0 w 3571875"/>
               <a:gd name="connsiteY3" fmla="*/ 4210050 h 4210050"/>
-              <a:gd name="connsiteX0" fmla="*/ 0 w 3571875"/>
-              <a:gd name="connsiteY0" fmla="*/ 4210050 h 4210050"/>
-              <a:gd name="connsiteX1" fmla="*/ 0 w 3571875"/>
-              <a:gd name="connsiteY1" fmla="*/ 0 h 4210050"/>
-              <a:gd name="connsiteX2" fmla="*/ 2028825 w 3571875"/>
-              <a:gd name="connsiteY2" fmla="*/ 2388394 h 4210050"/>
-              <a:gd name="connsiteX3" fmla="*/ 3571875 w 3571875"/>
-              <a:gd name="connsiteY3" fmla="*/ 4210050 h 4210050"/>
+              <a:gd name="connsiteX0-1" fmla="*/ 0 w 3571875"/>
+              <a:gd name="connsiteY0-2" fmla="*/ 4210050 h 4210050"/>
+              <a:gd name="connsiteX1-3" fmla="*/ 0 w 3571875"/>
+              <a:gd name="connsiteY1-4" fmla="*/ 0 h 4210050"/>
+              <a:gd name="connsiteX2-5" fmla="*/ 2028825 w 3571875"/>
+              <a:gd name="connsiteY2-6" fmla="*/ 2388394 h 4210050"/>
+              <a:gd name="connsiteX3-7" fmla="*/ 3571875 w 3571875"/>
+              <a:gd name="connsiteY3-8" fmla="*/ 4210050 h 4210050"/>
               <a:gd name="connsiteX4" fmla="*/ 0 w 3571875"/>
               <a:gd name="connsiteY4" fmla="*/ 4210050 h 4210050"/>
-              <a:gd name="connsiteX0" fmla="*/ 0 w 3571875"/>
-              <a:gd name="connsiteY0" fmla="*/ 4210050 h 4210050"/>
-              <a:gd name="connsiteX1" fmla="*/ 0 w 3571875"/>
-              <a:gd name="connsiteY1" fmla="*/ 0 h 4210050"/>
-              <a:gd name="connsiteX2" fmla="*/ 2028825 w 3571875"/>
-              <a:gd name="connsiteY2" fmla="*/ 2205038 h 4210050"/>
-              <a:gd name="connsiteX3" fmla="*/ 3571875 w 3571875"/>
-              <a:gd name="connsiteY3" fmla="*/ 4210050 h 4210050"/>
-              <a:gd name="connsiteX4" fmla="*/ 0 w 3571875"/>
-              <a:gd name="connsiteY4" fmla="*/ 4210050 h 4210050"/>
-              <a:gd name="connsiteX0" fmla="*/ 0 w 3571875"/>
-              <a:gd name="connsiteY0" fmla="*/ 4210050 h 4210050"/>
-              <a:gd name="connsiteX1" fmla="*/ 0 w 3571875"/>
-              <a:gd name="connsiteY1" fmla="*/ 0 h 4210050"/>
-              <a:gd name="connsiteX2" fmla="*/ 2028825 w 3571875"/>
-              <a:gd name="connsiteY2" fmla="*/ 2393157 h 4210050"/>
-              <a:gd name="connsiteX3" fmla="*/ 3571875 w 3571875"/>
-              <a:gd name="connsiteY3" fmla="*/ 4210050 h 4210050"/>
-              <a:gd name="connsiteX4" fmla="*/ 0 w 3571875"/>
-              <a:gd name="connsiteY4" fmla="*/ 4210050 h 4210050"/>
-              <a:gd name="connsiteX0" fmla="*/ 0 w 3571875"/>
-              <a:gd name="connsiteY0" fmla="*/ 4210050 h 4210050"/>
-              <a:gd name="connsiteX1" fmla="*/ 0 w 3571875"/>
-              <a:gd name="connsiteY1" fmla="*/ 0 h 4210050"/>
-              <a:gd name="connsiteX2" fmla="*/ 2028825 w 3571875"/>
-              <a:gd name="connsiteY2" fmla="*/ 2393157 h 4210050"/>
-              <a:gd name="connsiteX3" fmla="*/ 3571875 w 3571875"/>
-              <a:gd name="connsiteY3" fmla="*/ 4210050 h 4210050"/>
-              <a:gd name="connsiteX4" fmla="*/ 0 w 3571875"/>
-              <a:gd name="connsiteY4" fmla="*/ 4210050 h 4210050"/>
-              <a:gd name="connsiteX0" fmla="*/ 0 w 3571875"/>
-              <a:gd name="connsiteY0" fmla="*/ 4210050 h 4210050"/>
-              <a:gd name="connsiteX1" fmla="*/ 0 w 3571875"/>
-              <a:gd name="connsiteY1" fmla="*/ 0 h 4210050"/>
-              <a:gd name="connsiteX2" fmla="*/ 2028825 w 3571875"/>
-              <a:gd name="connsiteY2" fmla="*/ 2281238 h 4210050"/>
-              <a:gd name="connsiteX3" fmla="*/ 3571875 w 3571875"/>
-              <a:gd name="connsiteY3" fmla="*/ 4210050 h 4210050"/>
-              <a:gd name="connsiteX4" fmla="*/ 0 w 3571875"/>
-              <a:gd name="connsiteY4" fmla="*/ 4210050 h 4210050"/>
-              <a:gd name="connsiteX0" fmla="*/ 0 w 3571875"/>
-              <a:gd name="connsiteY0" fmla="*/ 4210050 h 4210050"/>
-              <a:gd name="connsiteX1" fmla="*/ 0 w 3571875"/>
-              <a:gd name="connsiteY1" fmla="*/ 0 h 4210050"/>
-              <a:gd name="connsiteX2" fmla="*/ 2028825 w 3571875"/>
-              <a:gd name="connsiteY2" fmla="*/ 2393157 h 4210050"/>
-              <a:gd name="connsiteX3" fmla="*/ 3571875 w 3571875"/>
-              <a:gd name="connsiteY3" fmla="*/ 4210050 h 4210050"/>
-              <a:gd name="connsiteX4" fmla="*/ 0 w 3571875"/>
-              <a:gd name="connsiteY4" fmla="*/ 4210050 h 4210050"/>
-              <a:gd name="connsiteX0" fmla="*/ 0 w 3571875"/>
-              <a:gd name="connsiteY0" fmla="*/ 4210050 h 4210050"/>
-              <a:gd name="connsiteX1" fmla="*/ 0 w 3571875"/>
-              <a:gd name="connsiteY1" fmla="*/ 0 h 4210050"/>
-              <a:gd name="connsiteX2" fmla="*/ 2028825 w 3571875"/>
-              <a:gd name="connsiteY2" fmla="*/ 2393157 h 4210050"/>
-              <a:gd name="connsiteX3" fmla="*/ 3571875 w 3571875"/>
-              <a:gd name="connsiteY3" fmla="*/ 4210050 h 4210050"/>
-              <a:gd name="connsiteX4" fmla="*/ 0 w 3571875"/>
-              <a:gd name="connsiteY4" fmla="*/ 4210050 h 4210050"/>
-              <a:gd name="connsiteX0" fmla="*/ 0 w 3571875"/>
-              <a:gd name="connsiteY0" fmla="*/ 4210050 h 4210050"/>
-              <a:gd name="connsiteX1" fmla="*/ 0 w 3571875"/>
-              <a:gd name="connsiteY1" fmla="*/ 0 h 4210050"/>
-              <a:gd name="connsiteX2" fmla="*/ 2076450 w 3571875"/>
-              <a:gd name="connsiteY2" fmla="*/ 2274094 h 4210050"/>
-              <a:gd name="connsiteX3" fmla="*/ 3571875 w 3571875"/>
-              <a:gd name="connsiteY3" fmla="*/ 4210050 h 4210050"/>
-              <a:gd name="connsiteX4" fmla="*/ 0 w 3571875"/>
-              <a:gd name="connsiteY4" fmla="*/ 4210050 h 4210050"/>
-              <a:gd name="connsiteX0" fmla="*/ 0 w 3571875"/>
-              <a:gd name="connsiteY0" fmla="*/ 4210050 h 4210050"/>
-              <a:gd name="connsiteX1" fmla="*/ 0 w 3571875"/>
-              <a:gd name="connsiteY1" fmla="*/ 0 h 4210050"/>
-              <a:gd name="connsiteX2" fmla="*/ 2245519 w 3571875"/>
-              <a:gd name="connsiteY2" fmla="*/ 2405063 h 4210050"/>
-              <a:gd name="connsiteX3" fmla="*/ 3571875 w 3571875"/>
-              <a:gd name="connsiteY3" fmla="*/ 4210050 h 4210050"/>
-              <a:gd name="connsiteX4" fmla="*/ 0 w 3571875"/>
-              <a:gd name="connsiteY4" fmla="*/ 4210050 h 4210050"/>
-              <a:gd name="connsiteX0" fmla="*/ 0 w 3571875"/>
-              <a:gd name="connsiteY0" fmla="*/ 4210050 h 4210050"/>
-              <a:gd name="connsiteX1" fmla="*/ 0 w 3571875"/>
-              <a:gd name="connsiteY1" fmla="*/ 0 h 4210050"/>
-              <a:gd name="connsiteX2" fmla="*/ 2038350 w 3571875"/>
-              <a:gd name="connsiteY2" fmla="*/ 2405063 h 4210050"/>
-              <a:gd name="connsiteX3" fmla="*/ 3571875 w 3571875"/>
-              <a:gd name="connsiteY3" fmla="*/ 4210050 h 4210050"/>
-              <a:gd name="connsiteX4" fmla="*/ 0 w 3571875"/>
-              <a:gd name="connsiteY4" fmla="*/ 4210050 h 4210050"/>
-              <a:gd name="connsiteX0" fmla="*/ 0 w 3571875"/>
-              <a:gd name="connsiteY0" fmla="*/ 2433637 h 2433637"/>
-              <a:gd name="connsiteX1" fmla="*/ 257175 w 3571875"/>
-              <a:gd name="connsiteY1" fmla="*/ 0 h 2433637"/>
-              <a:gd name="connsiteX2" fmla="*/ 2038350 w 3571875"/>
-              <a:gd name="connsiteY2" fmla="*/ 628650 h 2433637"/>
-              <a:gd name="connsiteX3" fmla="*/ 3571875 w 3571875"/>
-              <a:gd name="connsiteY3" fmla="*/ 2433637 h 2433637"/>
-              <a:gd name="connsiteX4" fmla="*/ 0 w 3571875"/>
-              <a:gd name="connsiteY4" fmla="*/ 2433637 h 2433637"/>
-              <a:gd name="connsiteX0" fmla="*/ 2382 w 3574257"/>
-              <a:gd name="connsiteY0" fmla="*/ 1807368 h 1807368"/>
-              <a:gd name="connsiteX1" fmla="*/ 0 w 3574257"/>
-              <a:gd name="connsiteY1" fmla="*/ 0 h 1807368"/>
-              <a:gd name="connsiteX2" fmla="*/ 2040732 w 3574257"/>
-              <a:gd name="connsiteY2" fmla="*/ 2381 h 1807368"/>
-              <a:gd name="connsiteX3" fmla="*/ 3574257 w 3574257"/>
-              <a:gd name="connsiteY3" fmla="*/ 1807368 h 1807368"/>
-              <a:gd name="connsiteX4" fmla="*/ 2382 w 3574257"/>
-              <a:gd name="connsiteY4" fmla="*/ 1807368 h 1807368"/>
-              <a:gd name="connsiteX0" fmla="*/ 2382 w 3574257"/>
-              <a:gd name="connsiteY0" fmla="*/ 1807368 h 1807368"/>
-              <a:gd name="connsiteX1" fmla="*/ 0 w 3574257"/>
-              <a:gd name="connsiteY1" fmla="*/ 0 h 1807368"/>
-              <a:gd name="connsiteX2" fmla="*/ 1924051 w 3574257"/>
-              <a:gd name="connsiteY2" fmla="*/ 307181 h 1807368"/>
-              <a:gd name="connsiteX3" fmla="*/ 3574257 w 3574257"/>
-              <a:gd name="connsiteY3" fmla="*/ 1807368 h 1807368"/>
-              <a:gd name="connsiteX4" fmla="*/ 2382 w 3574257"/>
-              <a:gd name="connsiteY4" fmla="*/ 1807368 h 1807368"/>
-              <a:gd name="connsiteX0" fmla="*/ 2382 w 3574257"/>
-              <a:gd name="connsiteY0" fmla="*/ 1809749 h 1809749"/>
-              <a:gd name="connsiteX1" fmla="*/ 0 w 3574257"/>
-              <a:gd name="connsiteY1" fmla="*/ 2381 h 1809749"/>
-              <a:gd name="connsiteX2" fmla="*/ 2038351 w 3574257"/>
-              <a:gd name="connsiteY2" fmla="*/ 0 h 1809749"/>
-              <a:gd name="connsiteX3" fmla="*/ 3574257 w 3574257"/>
-              <a:gd name="connsiteY3" fmla="*/ 1809749 h 1809749"/>
-              <a:gd name="connsiteX4" fmla="*/ 2382 w 3574257"/>
-              <a:gd name="connsiteY4" fmla="*/ 1809749 h 1809749"/>
-              <a:gd name="connsiteX0" fmla="*/ 2382 w 3574257"/>
-              <a:gd name="connsiteY0" fmla="*/ 1807368 h 1807368"/>
-              <a:gd name="connsiteX1" fmla="*/ 0 w 3574257"/>
-              <a:gd name="connsiteY1" fmla="*/ 0 h 1807368"/>
-              <a:gd name="connsiteX2" fmla="*/ 1640682 w 3574257"/>
-              <a:gd name="connsiteY2" fmla="*/ 450057 h 1807368"/>
-              <a:gd name="connsiteX3" fmla="*/ 3574257 w 3574257"/>
-              <a:gd name="connsiteY3" fmla="*/ 1807368 h 1807368"/>
-              <a:gd name="connsiteX4" fmla="*/ 2382 w 3574257"/>
-              <a:gd name="connsiteY4" fmla="*/ 1807368 h 1807368"/>
-              <a:gd name="connsiteX0" fmla="*/ 2382 w 3574257"/>
-              <a:gd name="connsiteY0" fmla="*/ 1809749 h 1809749"/>
-              <a:gd name="connsiteX1" fmla="*/ 0 w 3574257"/>
-              <a:gd name="connsiteY1" fmla="*/ 2381 h 1809749"/>
-              <a:gd name="connsiteX2" fmla="*/ 2038351 w 3574257"/>
-              <a:gd name="connsiteY2" fmla="*/ 0 h 1809749"/>
-              <a:gd name="connsiteX3" fmla="*/ 3574257 w 3574257"/>
-              <a:gd name="connsiteY3" fmla="*/ 1809749 h 1809749"/>
-              <a:gd name="connsiteX4" fmla="*/ 2382 w 3574257"/>
-              <a:gd name="connsiteY4" fmla="*/ 1809749 h 1809749"/>
-              <a:gd name="connsiteX0" fmla="*/ 2382 w 3574257"/>
-              <a:gd name="connsiteY0" fmla="*/ 1807368 h 1807368"/>
-              <a:gd name="connsiteX1" fmla="*/ 0 w 3574257"/>
-              <a:gd name="connsiteY1" fmla="*/ 0 h 1807368"/>
-              <a:gd name="connsiteX2" fmla="*/ 1657351 w 3574257"/>
-              <a:gd name="connsiteY2" fmla="*/ 230982 h 1807368"/>
-              <a:gd name="connsiteX3" fmla="*/ 3574257 w 3574257"/>
-              <a:gd name="connsiteY3" fmla="*/ 1807368 h 1807368"/>
-              <a:gd name="connsiteX4" fmla="*/ 2382 w 3574257"/>
-              <a:gd name="connsiteY4" fmla="*/ 1807368 h 1807368"/>
-              <a:gd name="connsiteX0" fmla="*/ 2382 w 3574257"/>
-              <a:gd name="connsiteY0" fmla="*/ 1807368 h 1807368"/>
-              <a:gd name="connsiteX1" fmla="*/ 0 w 3574257"/>
-              <a:gd name="connsiteY1" fmla="*/ 0 h 1807368"/>
-              <a:gd name="connsiteX2" fmla="*/ 2040732 w 3574257"/>
-              <a:gd name="connsiteY2" fmla="*/ 2382 h 1807368"/>
-              <a:gd name="connsiteX3" fmla="*/ 3574257 w 3574257"/>
-              <a:gd name="connsiteY3" fmla="*/ 1807368 h 1807368"/>
-              <a:gd name="connsiteX4" fmla="*/ 2382 w 3574257"/>
-              <a:gd name="connsiteY4" fmla="*/ 1807368 h 1807368"/>
-              <a:gd name="connsiteX0" fmla="*/ 2382 w 3574257"/>
-              <a:gd name="connsiteY0" fmla="*/ 1807368 h 1807368"/>
-              <a:gd name="connsiteX1" fmla="*/ 0 w 3574257"/>
-              <a:gd name="connsiteY1" fmla="*/ 0 h 1807368"/>
-              <a:gd name="connsiteX2" fmla="*/ 1774032 w 3574257"/>
-              <a:gd name="connsiteY2" fmla="*/ 161925 h 1807368"/>
-              <a:gd name="connsiteX3" fmla="*/ 3574257 w 3574257"/>
-              <a:gd name="connsiteY3" fmla="*/ 1807368 h 1807368"/>
-              <a:gd name="connsiteX4" fmla="*/ 2382 w 3574257"/>
-              <a:gd name="connsiteY4" fmla="*/ 1807368 h 1807368"/>
-              <a:gd name="connsiteX0" fmla="*/ 2382 w 3574257"/>
-              <a:gd name="connsiteY0" fmla="*/ 1807368 h 1807368"/>
-              <a:gd name="connsiteX1" fmla="*/ 0 w 3574257"/>
-              <a:gd name="connsiteY1" fmla="*/ 0 h 1807368"/>
-              <a:gd name="connsiteX2" fmla="*/ 1969294 w 3574257"/>
-              <a:gd name="connsiteY2" fmla="*/ 21432 h 1807368"/>
-              <a:gd name="connsiteX3" fmla="*/ 3574257 w 3574257"/>
-              <a:gd name="connsiteY3" fmla="*/ 1807368 h 1807368"/>
-              <a:gd name="connsiteX4" fmla="*/ 2382 w 3574257"/>
-              <a:gd name="connsiteY4" fmla="*/ 1807368 h 1807368"/>
-              <a:gd name="connsiteX0" fmla="*/ 2382 w 3574257"/>
-              <a:gd name="connsiteY0" fmla="*/ 1807368 h 1807368"/>
-              <a:gd name="connsiteX1" fmla="*/ 0 w 3574257"/>
-              <a:gd name="connsiteY1" fmla="*/ 0 h 1807368"/>
-              <a:gd name="connsiteX2" fmla="*/ 1819275 w 3574257"/>
-              <a:gd name="connsiteY2" fmla="*/ 200026 h 1807368"/>
-              <a:gd name="connsiteX3" fmla="*/ 3574257 w 3574257"/>
-              <a:gd name="connsiteY3" fmla="*/ 1807368 h 1807368"/>
-              <a:gd name="connsiteX4" fmla="*/ 2382 w 3574257"/>
-              <a:gd name="connsiteY4" fmla="*/ 1807368 h 1807368"/>
-              <a:gd name="connsiteX0" fmla="*/ 2382 w 3574257"/>
-              <a:gd name="connsiteY0" fmla="*/ 1807368 h 1807368"/>
-              <a:gd name="connsiteX1" fmla="*/ 0 w 3574257"/>
-              <a:gd name="connsiteY1" fmla="*/ 0 h 1807368"/>
-              <a:gd name="connsiteX2" fmla="*/ 2045494 w 3574257"/>
-              <a:gd name="connsiteY2" fmla="*/ 1 h 1807368"/>
-              <a:gd name="connsiteX3" fmla="*/ 3574257 w 3574257"/>
-              <a:gd name="connsiteY3" fmla="*/ 1807368 h 1807368"/>
-              <a:gd name="connsiteX4" fmla="*/ 2382 w 3574257"/>
-              <a:gd name="connsiteY4" fmla="*/ 1807368 h 1807368"/>
+              <a:gd name="connsiteX0-9" fmla="*/ 0 w 3571875"/>
+              <a:gd name="connsiteY0-10" fmla="*/ 4210050 h 4210050"/>
+              <a:gd name="connsiteX1-11" fmla="*/ 0 w 3571875"/>
+              <a:gd name="connsiteY1-12" fmla="*/ 0 h 4210050"/>
+              <a:gd name="connsiteX2-13" fmla="*/ 2028825 w 3571875"/>
+              <a:gd name="connsiteY2-14" fmla="*/ 2205038 h 4210050"/>
+              <a:gd name="connsiteX3-15" fmla="*/ 3571875 w 3571875"/>
+              <a:gd name="connsiteY3-16" fmla="*/ 4210050 h 4210050"/>
+              <a:gd name="connsiteX4-17" fmla="*/ 0 w 3571875"/>
+              <a:gd name="connsiteY4-18" fmla="*/ 4210050 h 4210050"/>
+              <a:gd name="connsiteX0-19" fmla="*/ 0 w 3571875"/>
+              <a:gd name="connsiteY0-20" fmla="*/ 4210050 h 4210050"/>
+              <a:gd name="connsiteX1-21" fmla="*/ 0 w 3571875"/>
+              <a:gd name="connsiteY1-22" fmla="*/ 0 h 4210050"/>
+              <a:gd name="connsiteX2-23" fmla="*/ 2028825 w 3571875"/>
+              <a:gd name="connsiteY2-24" fmla="*/ 2393157 h 4210050"/>
+              <a:gd name="connsiteX3-25" fmla="*/ 3571875 w 3571875"/>
+              <a:gd name="connsiteY3-26" fmla="*/ 4210050 h 4210050"/>
+              <a:gd name="connsiteX4-27" fmla="*/ 0 w 3571875"/>
+              <a:gd name="connsiteY4-28" fmla="*/ 4210050 h 4210050"/>
+              <a:gd name="connsiteX0-29" fmla="*/ 0 w 3571875"/>
+              <a:gd name="connsiteY0-30" fmla="*/ 4210050 h 4210050"/>
+              <a:gd name="connsiteX1-31" fmla="*/ 0 w 3571875"/>
+              <a:gd name="connsiteY1-32" fmla="*/ 0 h 4210050"/>
+              <a:gd name="connsiteX2-33" fmla="*/ 2028825 w 3571875"/>
+              <a:gd name="connsiteY2-34" fmla="*/ 2393157 h 4210050"/>
+              <a:gd name="connsiteX3-35" fmla="*/ 3571875 w 3571875"/>
+              <a:gd name="connsiteY3-36" fmla="*/ 4210050 h 4210050"/>
+              <a:gd name="connsiteX4-37" fmla="*/ 0 w 3571875"/>
+              <a:gd name="connsiteY4-38" fmla="*/ 4210050 h 4210050"/>
+              <a:gd name="connsiteX0-39" fmla="*/ 0 w 3571875"/>
+              <a:gd name="connsiteY0-40" fmla="*/ 4210050 h 4210050"/>
+              <a:gd name="connsiteX1-41" fmla="*/ 0 w 3571875"/>
+              <a:gd name="connsiteY1-42" fmla="*/ 0 h 4210050"/>
+              <a:gd name="connsiteX2-43" fmla="*/ 2028825 w 3571875"/>
+              <a:gd name="connsiteY2-44" fmla="*/ 2281238 h 4210050"/>
+              <a:gd name="connsiteX3-45" fmla="*/ 3571875 w 3571875"/>
+              <a:gd name="connsiteY3-46" fmla="*/ 4210050 h 4210050"/>
+              <a:gd name="connsiteX4-47" fmla="*/ 0 w 3571875"/>
+              <a:gd name="connsiteY4-48" fmla="*/ 4210050 h 4210050"/>
+              <a:gd name="connsiteX0-49" fmla="*/ 0 w 3571875"/>
+              <a:gd name="connsiteY0-50" fmla="*/ 4210050 h 4210050"/>
+              <a:gd name="connsiteX1-51" fmla="*/ 0 w 3571875"/>
+              <a:gd name="connsiteY1-52" fmla="*/ 0 h 4210050"/>
+              <a:gd name="connsiteX2-53" fmla="*/ 2028825 w 3571875"/>
+              <a:gd name="connsiteY2-54" fmla="*/ 2393157 h 4210050"/>
+              <a:gd name="connsiteX3-55" fmla="*/ 3571875 w 3571875"/>
+              <a:gd name="connsiteY3-56" fmla="*/ 4210050 h 4210050"/>
+              <a:gd name="connsiteX4-57" fmla="*/ 0 w 3571875"/>
+              <a:gd name="connsiteY4-58" fmla="*/ 4210050 h 4210050"/>
+              <a:gd name="connsiteX0-59" fmla="*/ 0 w 3571875"/>
+              <a:gd name="connsiteY0-60" fmla="*/ 4210050 h 4210050"/>
+              <a:gd name="connsiteX1-61" fmla="*/ 0 w 3571875"/>
+              <a:gd name="connsiteY1-62" fmla="*/ 0 h 4210050"/>
+              <a:gd name="connsiteX2-63" fmla="*/ 2028825 w 3571875"/>
+              <a:gd name="connsiteY2-64" fmla="*/ 2393157 h 4210050"/>
+              <a:gd name="connsiteX3-65" fmla="*/ 3571875 w 3571875"/>
+              <a:gd name="connsiteY3-66" fmla="*/ 4210050 h 4210050"/>
+              <a:gd name="connsiteX4-67" fmla="*/ 0 w 3571875"/>
+              <a:gd name="connsiteY4-68" fmla="*/ 4210050 h 4210050"/>
+              <a:gd name="connsiteX0-69" fmla="*/ 0 w 3571875"/>
+              <a:gd name="connsiteY0-70" fmla="*/ 4210050 h 4210050"/>
+              <a:gd name="connsiteX1-71" fmla="*/ 0 w 3571875"/>
+              <a:gd name="connsiteY1-72" fmla="*/ 0 h 4210050"/>
+              <a:gd name="connsiteX2-73" fmla="*/ 2076450 w 3571875"/>
+              <a:gd name="connsiteY2-74" fmla="*/ 2274094 h 4210050"/>
+              <a:gd name="connsiteX3-75" fmla="*/ 3571875 w 3571875"/>
+              <a:gd name="connsiteY3-76" fmla="*/ 4210050 h 4210050"/>
+              <a:gd name="connsiteX4-77" fmla="*/ 0 w 3571875"/>
+              <a:gd name="connsiteY4-78" fmla="*/ 4210050 h 4210050"/>
+              <a:gd name="connsiteX0-79" fmla="*/ 0 w 3571875"/>
+              <a:gd name="connsiteY0-80" fmla="*/ 4210050 h 4210050"/>
+              <a:gd name="connsiteX1-81" fmla="*/ 0 w 3571875"/>
+              <a:gd name="connsiteY1-82" fmla="*/ 0 h 4210050"/>
+              <a:gd name="connsiteX2-83" fmla="*/ 2245519 w 3571875"/>
+              <a:gd name="connsiteY2-84" fmla="*/ 2405063 h 4210050"/>
+              <a:gd name="connsiteX3-85" fmla="*/ 3571875 w 3571875"/>
+              <a:gd name="connsiteY3-86" fmla="*/ 4210050 h 4210050"/>
+              <a:gd name="connsiteX4-87" fmla="*/ 0 w 3571875"/>
+              <a:gd name="connsiteY4-88" fmla="*/ 4210050 h 4210050"/>
+              <a:gd name="connsiteX0-89" fmla="*/ 0 w 3571875"/>
+              <a:gd name="connsiteY0-90" fmla="*/ 4210050 h 4210050"/>
+              <a:gd name="connsiteX1-91" fmla="*/ 0 w 3571875"/>
+              <a:gd name="connsiteY1-92" fmla="*/ 0 h 4210050"/>
+              <a:gd name="connsiteX2-93" fmla="*/ 2038350 w 3571875"/>
+              <a:gd name="connsiteY2-94" fmla="*/ 2405063 h 4210050"/>
+              <a:gd name="connsiteX3-95" fmla="*/ 3571875 w 3571875"/>
+              <a:gd name="connsiteY3-96" fmla="*/ 4210050 h 4210050"/>
+              <a:gd name="connsiteX4-97" fmla="*/ 0 w 3571875"/>
+              <a:gd name="connsiteY4-98" fmla="*/ 4210050 h 4210050"/>
+              <a:gd name="connsiteX0-99" fmla="*/ 0 w 3571875"/>
+              <a:gd name="connsiteY0-100" fmla="*/ 2433637 h 2433637"/>
+              <a:gd name="connsiteX1-101" fmla="*/ 257175 w 3571875"/>
+              <a:gd name="connsiteY1-102" fmla="*/ 0 h 2433637"/>
+              <a:gd name="connsiteX2-103" fmla="*/ 2038350 w 3571875"/>
+              <a:gd name="connsiteY2-104" fmla="*/ 628650 h 2433637"/>
+              <a:gd name="connsiteX3-105" fmla="*/ 3571875 w 3571875"/>
+              <a:gd name="connsiteY3-106" fmla="*/ 2433637 h 2433637"/>
+              <a:gd name="connsiteX4-107" fmla="*/ 0 w 3571875"/>
+              <a:gd name="connsiteY4-108" fmla="*/ 2433637 h 2433637"/>
+              <a:gd name="connsiteX0-109" fmla="*/ 2382 w 3574257"/>
+              <a:gd name="connsiteY0-110" fmla="*/ 1807368 h 1807368"/>
+              <a:gd name="connsiteX1-111" fmla="*/ 0 w 3574257"/>
+              <a:gd name="connsiteY1-112" fmla="*/ 0 h 1807368"/>
+              <a:gd name="connsiteX2-113" fmla="*/ 2040732 w 3574257"/>
+              <a:gd name="connsiteY2-114" fmla="*/ 2381 h 1807368"/>
+              <a:gd name="connsiteX3-115" fmla="*/ 3574257 w 3574257"/>
+              <a:gd name="connsiteY3-116" fmla="*/ 1807368 h 1807368"/>
+              <a:gd name="connsiteX4-117" fmla="*/ 2382 w 3574257"/>
+              <a:gd name="connsiteY4-118" fmla="*/ 1807368 h 1807368"/>
+              <a:gd name="connsiteX0-119" fmla="*/ 2382 w 3574257"/>
+              <a:gd name="connsiteY0-120" fmla="*/ 1807368 h 1807368"/>
+              <a:gd name="connsiteX1-121" fmla="*/ 0 w 3574257"/>
+              <a:gd name="connsiteY1-122" fmla="*/ 0 h 1807368"/>
+              <a:gd name="connsiteX2-123" fmla="*/ 1924051 w 3574257"/>
+              <a:gd name="connsiteY2-124" fmla="*/ 307181 h 1807368"/>
+              <a:gd name="connsiteX3-125" fmla="*/ 3574257 w 3574257"/>
+              <a:gd name="connsiteY3-126" fmla="*/ 1807368 h 1807368"/>
+              <a:gd name="connsiteX4-127" fmla="*/ 2382 w 3574257"/>
+              <a:gd name="connsiteY4-128" fmla="*/ 1807368 h 1807368"/>
+              <a:gd name="connsiteX0-129" fmla="*/ 2382 w 3574257"/>
+              <a:gd name="connsiteY0-130" fmla="*/ 1809749 h 1809749"/>
+              <a:gd name="connsiteX1-131" fmla="*/ 0 w 3574257"/>
+              <a:gd name="connsiteY1-132" fmla="*/ 2381 h 1809749"/>
+              <a:gd name="connsiteX2-133" fmla="*/ 2038351 w 3574257"/>
+              <a:gd name="connsiteY2-134" fmla="*/ 0 h 1809749"/>
+              <a:gd name="connsiteX3-135" fmla="*/ 3574257 w 3574257"/>
+              <a:gd name="connsiteY3-136" fmla="*/ 1809749 h 1809749"/>
+              <a:gd name="connsiteX4-137" fmla="*/ 2382 w 3574257"/>
+              <a:gd name="connsiteY4-138" fmla="*/ 1809749 h 1809749"/>
+              <a:gd name="connsiteX0-139" fmla="*/ 2382 w 3574257"/>
+              <a:gd name="connsiteY0-140" fmla="*/ 1807368 h 1807368"/>
+              <a:gd name="connsiteX1-141" fmla="*/ 0 w 3574257"/>
+              <a:gd name="connsiteY1-142" fmla="*/ 0 h 1807368"/>
+              <a:gd name="connsiteX2-143" fmla="*/ 1640682 w 3574257"/>
+              <a:gd name="connsiteY2-144" fmla="*/ 450057 h 1807368"/>
+              <a:gd name="connsiteX3-145" fmla="*/ 3574257 w 3574257"/>
+              <a:gd name="connsiteY3-146" fmla="*/ 1807368 h 1807368"/>
+              <a:gd name="connsiteX4-147" fmla="*/ 2382 w 3574257"/>
+              <a:gd name="connsiteY4-148" fmla="*/ 1807368 h 1807368"/>
+              <a:gd name="connsiteX0-149" fmla="*/ 2382 w 3574257"/>
+              <a:gd name="connsiteY0-150" fmla="*/ 1809749 h 1809749"/>
+              <a:gd name="connsiteX1-151" fmla="*/ 0 w 3574257"/>
+              <a:gd name="connsiteY1-152" fmla="*/ 2381 h 1809749"/>
+              <a:gd name="connsiteX2-153" fmla="*/ 2038351 w 3574257"/>
+              <a:gd name="connsiteY2-154" fmla="*/ 0 h 1809749"/>
+              <a:gd name="connsiteX3-155" fmla="*/ 3574257 w 3574257"/>
+              <a:gd name="connsiteY3-156" fmla="*/ 1809749 h 1809749"/>
+              <a:gd name="connsiteX4-157" fmla="*/ 2382 w 3574257"/>
+              <a:gd name="connsiteY4-158" fmla="*/ 1809749 h 1809749"/>
+              <a:gd name="connsiteX0-159" fmla="*/ 2382 w 3574257"/>
+              <a:gd name="connsiteY0-160" fmla="*/ 1807368 h 1807368"/>
+              <a:gd name="connsiteX1-161" fmla="*/ 0 w 3574257"/>
+              <a:gd name="connsiteY1-162" fmla="*/ 0 h 1807368"/>
+              <a:gd name="connsiteX2-163" fmla="*/ 1657351 w 3574257"/>
+              <a:gd name="connsiteY2-164" fmla="*/ 230982 h 1807368"/>
+              <a:gd name="connsiteX3-165" fmla="*/ 3574257 w 3574257"/>
+              <a:gd name="connsiteY3-166" fmla="*/ 1807368 h 1807368"/>
+              <a:gd name="connsiteX4-167" fmla="*/ 2382 w 3574257"/>
+              <a:gd name="connsiteY4-168" fmla="*/ 1807368 h 1807368"/>
+              <a:gd name="connsiteX0-169" fmla="*/ 2382 w 3574257"/>
+              <a:gd name="connsiteY0-170" fmla="*/ 1807368 h 1807368"/>
+              <a:gd name="connsiteX1-171" fmla="*/ 0 w 3574257"/>
+              <a:gd name="connsiteY1-172" fmla="*/ 0 h 1807368"/>
+              <a:gd name="connsiteX2-173" fmla="*/ 2040732 w 3574257"/>
+              <a:gd name="connsiteY2-174" fmla="*/ 2382 h 1807368"/>
+              <a:gd name="connsiteX3-175" fmla="*/ 3574257 w 3574257"/>
+              <a:gd name="connsiteY3-176" fmla="*/ 1807368 h 1807368"/>
+              <a:gd name="connsiteX4-177" fmla="*/ 2382 w 3574257"/>
+              <a:gd name="connsiteY4-178" fmla="*/ 1807368 h 1807368"/>
+              <a:gd name="connsiteX0-179" fmla="*/ 2382 w 3574257"/>
+              <a:gd name="connsiteY0-180" fmla="*/ 1807368 h 1807368"/>
+              <a:gd name="connsiteX1-181" fmla="*/ 0 w 3574257"/>
+              <a:gd name="connsiteY1-182" fmla="*/ 0 h 1807368"/>
+              <a:gd name="connsiteX2-183" fmla="*/ 1774032 w 3574257"/>
+              <a:gd name="connsiteY2-184" fmla="*/ 161925 h 1807368"/>
+              <a:gd name="connsiteX3-185" fmla="*/ 3574257 w 3574257"/>
+              <a:gd name="connsiteY3-186" fmla="*/ 1807368 h 1807368"/>
+              <a:gd name="connsiteX4-187" fmla="*/ 2382 w 3574257"/>
+              <a:gd name="connsiteY4-188" fmla="*/ 1807368 h 1807368"/>
+              <a:gd name="connsiteX0-189" fmla="*/ 2382 w 3574257"/>
+              <a:gd name="connsiteY0-190" fmla="*/ 1807368 h 1807368"/>
+              <a:gd name="connsiteX1-191" fmla="*/ 0 w 3574257"/>
+              <a:gd name="connsiteY1-192" fmla="*/ 0 h 1807368"/>
+              <a:gd name="connsiteX2-193" fmla="*/ 1969294 w 3574257"/>
+              <a:gd name="connsiteY2-194" fmla="*/ 21432 h 1807368"/>
+              <a:gd name="connsiteX3-195" fmla="*/ 3574257 w 3574257"/>
+              <a:gd name="connsiteY3-196" fmla="*/ 1807368 h 1807368"/>
+              <a:gd name="connsiteX4-197" fmla="*/ 2382 w 3574257"/>
+              <a:gd name="connsiteY4-198" fmla="*/ 1807368 h 1807368"/>
+              <a:gd name="connsiteX0-199" fmla="*/ 2382 w 3574257"/>
+              <a:gd name="connsiteY0-200" fmla="*/ 1807368 h 1807368"/>
+              <a:gd name="connsiteX1-201" fmla="*/ 0 w 3574257"/>
+              <a:gd name="connsiteY1-202" fmla="*/ 0 h 1807368"/>
+              <a:gd name="connsiteX2-203" fmla="*/ 1819275 w 3574257"/>
+              <a:gd name="connsiteY2-204" fmla="*/ 200026 h 1807368"/>
+              <a:gd name="connsiteX3-205" fmla="*/ 3574257 w 3574257"/>
+              <a:gd name="connsiteY3-206" fmla="*/ 1807368 h 1807368"/>
+              <a:gd name="connsiteX4-207" fmla="*/ 2382 w 3574257"/>
+              <a:gd name="connsiteY4-208" fmla="*/ 1807368 h 1807368"/>
+              <a:gd name="connsiteX0-209" fmla="*/ 2382 w 3574257"/>
+              <a:gd name="connsiteY0-210" fmla="*/ 1807368 h 1807368"/>
+              <a:gd name="connsiteX1-211" fmla="*/ 0 w 3574257"/>
+              <a:gd name="connsiteY1-212" fmla="*/ 0 h 1807368"/>
+              <a:gd name="connsiteX2-213" fmla="*/ 2045494 w 3574257"/>
+              <a:gd name="connsiteY2-214" fmla="*/ 1 h 1807368"/>
+              <a:gd name="connsiteX3-215" fmla="*/ 3574257 w 3574257"/>
+              <a:gd name="connsiteY3-216" fmla="*/ 1807368 h 1807368"/>
+              <a:gd name="connsiteX4-217" fmla="*/ 2382 w 3574257"/>
+              <a:gd name="connsiteY4-218" fmla="*/ 1807368 h 1807368"/>
             </a:gdLst>
             <a:ahLst/>
             <a:cxnLst>
               <a:cxn ang="0">
-                <a:pos x="connsiteX0" y="connsiteY0"/>
+                <a:pos x="connsiteX0-1" y="connsiteY0-2"/>
               </a:cxn>
               <a:cxn ang="0">
-                <a:pos x="connsiteX1" y="connsiteY1"/>
+                <a:pos x="connsiteX1-3" y="connsiteY1-4"/>
               </a:cxn>
               <a:cxn ang="0">
-                <a:pos x="connsiteX2" y="connsiteY2"/>
+                <a:pos x="connsiteX2-5" y="connsiteY2-6"/>
               </a:cxn>
               <a:cxn ang="0">
-                <a:pos x="connsiteX3" y="connsiteY3"/>
+                <a:pos x="connsiteX3-7" y="connsiteY3-8"/>
               </a:cxn>
               <a:cxn ang="0">
-                <a:pos x="connsiteX4" y="connsiteY4"/>
+                <a:pos x="connsiteX4-17" y="connsiteY4-18"/>
               </a:cxn>
             </a:cxnLst>
             <a:rect l="l" t="t" r="r" b="b"/>
@@ -3969,243 +4374,243 @@
               <a:gd name="connsiteY3" fmla="*/ 2083594 h 2083594"/>
               <a:gd name="connsiteX4" fmla="*/ 0 w 3350419"/>
               <a:gd name="connsiteY4" fmla="*/ 2081213 h 2083594"/>
-              <a:gd name="connsiteX0" fmla="*/ 0 w 3112294"/>
-              <a:gd name="connsiteY0" fmla="*/ 2019301 h 2083594"/>
-              <a:gd name="connsiteX1" fmla="*/ 2793206 w 3112294"/>
-              <a:gd name="connsiteY1" fmla="*/ 0 h 2083594"/>
-              <a:gd name="connsiteX2" fmla="*/ 3112294 w 3112294"/>
-              <a:gd name="connsiteY2" fmla="*/ 80963 h 2083594"/>
-              <a:gd name="connsiteX3" fmla="*/ 3112294 w 3112294"/>
-              <a:gd name="connsiteY3" fmla="*/ 2083594 h 2083594"/>
-              <a:gd name="connsiteX4" fmla="*/ 0 w 3112294"/>
-              <a:gd name="connsiteY4" fmla="*/ 2019301 h 2083594"/>
-              <a:gd name="connsiteX0" fmla="*/ 0 w 3345656"/>
-              <a:gd name="connsiteY0" fmla="*/ 2097882 h 2097882"/>
-              <a:gd name="connsiteX1" fmla="*/ 3026568 w 3345656"/>
-              <a:gd name="connsiteY1" fmla="*/ 0 h 2097882"/>
-              <a:gd name="connsiteX2" fmla="*/ 3345656 w 3345656"/>
-              <a:gd name="connsiteY2" fmla="*/ 80963 h 2097882"/>
-              <a:gd name="connsiteX3" fmla="*/ 3345656 w 3345656"/>
-              <a:gd name="connsiteY3" fmla="*/ 2083594 h 2097882"/>
-              <a:gd name="connsiteX4" fmla="*/ 0 w 3345656"/>
-              <a:gd name="connsiteY4" fmla="*/ 2097882 h 2097882"/>
-              <a:gd name="connsiteX0" fmla="*/ 0 w 2800350"/>
-              <a:gd name="connsiteY0" fmla="*/ 1935957 h 2083594"/>
-              <a:gd name="connsiteX1" fmla="*/ 2481262 w 2800350"/>
-              <a:gd name="connsiteY1" fmla="*/ 0 h 2083594"/>
-              <a:gd name="connsiteX2" fmla="*/ 2800350 w 2800350"/>
-              <a:gd name="connsiteY2" fmla="*/ 80963 h 2083594"/>
-              <a:gd name="connsiteX3" fmla="*/ 2800350 w 2800350"/>
-              <a:gd name="connsiteY3" fmla="*/ 2083594 h 2083594"/>
-              <a:gd name="connsiteX4" fmla="*/ 0 w 2800350"/>
-              <a:gd name="connsiteY4" fmla="*/ 1935957 h 2083594"/>
-              <a:gd name="connsiteX0" fmla="*/ 0 w 3352800"/>
-              <a:gd name="connsiteY0" fmla="*/ 2083594 h 2083594"/>
-              <a:gd name="connsiteX1" fmla="*/ 3033712 w 3352800"/>
-              <a:gd name="connsiteY1" fmla="*/ 0 h 2083594"/>
-              <a:gd name="connsiteX2" fmla="*/ 3352800 w 3352800"/>
-              <a:gd name="connsiteY2" fmla="*/ 80963 h 2083594"/>
-              <a:gd name="connsiteX3" fmla="*/ 3352800 w 3352800"/>
-              <a:gd name="connsiteY3" fmla="*/ 2083594 h 2083594"/>
-              <a:gd name="connsiteX4" fmla="*/ 0 w 3352800"/>
-              <a:gd name="connsiteY4" fmla="*/ 2083594 h 2083594"/>
-              <a:gd name="connsiteX0" fmla="*/ 0 w 3352800"/>
-              <a:gd name="connsiteY0" fmla="*/ 2002631 h 2002631"/>
-              <a:gd name="connsiteX1" fmla="*/ 3033712 w 3352800"/>
-              <a:gd name="connsiteY1" fmla="*/ 157162 h 2002631"/>
-              <a:gd name="connsiteX2" fmla="*/ 3352800 w 3352800"/>
-              <a:gd name="connsiteY2" fmla="*/ 0 h 2002631"/>
-              <a:gd name="connsiteX3" fmla="*/ 3352800 w 3352800"/>
-              <a:gd name="connsiteY3" fmla="*/ 2002631 h 2002631"/>
-              <a:gd name="connsiteX4" fmla="*/ 0 w 3352800"/>
-              <a:gd name="connsiteY4" fmla="*/ 2002631 h 2002631"/>
-              <a:gd name="connsiteX0" fmla="*/ 0 w 3352800"/>
-              <a:gd name="connsiteY0" fmla="*/ 2002631 h 2002631"/>
-              <a:gd name="connsiteX1" fmla="*/ 2988469 w 3352800"/>
-              <a:gd name="connsiteY1" fmla="*/ 59530 h 2002631"/>
-              <a:gd name="connsiteX2" fmla="*/ 3352800 w 3352800"/>
-              <a:gd name="connsiteY2" fmla="*/ 0 h 2002631"/>
-              <a:gd name="connsiteX3" fmla="*/ 3352800 w 3352800"/>
-              <a:gd name="connsiteY3" fmla="*/ 2002631 h 2002631"/>
-              <a:gd name="connsiteX4" fmla="*/ 0 w 3352800"/>
-              <a:gd name="connsiteY4" fmla="*/ 2002631 h 2002631"/>
-              <a:gd name="connsiteX0" fmla="*/ 0 w 3352800"/>
-              <a:gd name="connsiteY0" fmla="*/ 2002631 h 2002631"/>
-              <a:gd name="connsiteX1" fmla="*/ 2833966 w 3352800"/>
-              <a:gd name="connsiteY1" fmla="*/ 425 h 2002631"/>
-              <a:gd name="connsiteX2" fmla="*/ 3352800 w 3352800"/>
-              <a:gd name="connsiteY2" fmla="*/ 0 h 2002631"/>
-              <a:gd name="connsiteX3" fmla="*/ 3352800 w 3352800"/>
-              <a:gd name="connsiteY3" fmla="*/ 2002631 h 2002631"/>
-              <a:gd name="connsiteX4" fmla="*/ 0 w 3352800"/>
-              <a:gd name="connsiteY4" fmla="*/ 2002631 h 2002631"/>
-              <a:gd name="connsiteX0" fmla="*/ 0 w 3352800"/>
-              <a:gd name="connsiteY0" fmla="*/ 2002631 h 2002631"/>
-              <a:gd name="connsiteX1" fmla="*/ 2845314 w 3352800"/>
-              <a:gd name="connsiteY1" fmla="*/ 12246 h 2002631"/>
-              <a:gd name="connsiteX2" fmla="*/ 3352800 w 3352800"/>
-              <a:gd name="connsiteY2" fmla="*/ 0 h 2002631"/>
-              <a:gd name="connsiteX3" fmla="*/ 3352800 w 3352800"/>
-              <a:gd name="connsiteY3" fmla="*/ 2002631 h 2002631"/>
-              <a:gd name="connsiteX4" fmla="*/ 0 w 3352800"/>
-              <a:gd name="connsiteY4" fmla="*/ 2002631 h 2002631"/>
-              <a:gd name="connsiteX0" fmla="*/ 0 w 3352800"/>
-              <a:gd name="connsiteY0" fmla="*/ 2002631 h 2002631"/>
-              <a:gd name="connsiteX1" fmla="*/ 2834839 w 3352800"/>
-              <a:gd name="connsiteY1" fmla="*/ 425 h 2002631"/>
-              <a:gd name="connsiteX2" fmla="*/ 3352800 w 3352800"/>
-              <a:gd name="connsiteY2" fmla="*/ 0 h 2002631"/>
-              <a:gd name="connsiteX3" fmla="*/ 3352800 w 3352800"/>
-              <a:gd name="connsiteY3" fmla="*/ 2002631 h 2002631"/>
-              <a:gd name="connsiteX4" fmla="*/ 0 w 3352800"/>
-              <a:gd name="connsiteY4" fmla="*/ 2002631 h 2002631"/>
-              <a:gd name="connsiteX0" fmla="*/ 0 w 3352800"/>
-              <a:gd name="connsiteY0" fmla="*/ 2002631 h 2002631"/>
-              <a:gd name="connsiteX1" fmla="*/ 2875865 w 3352800"/>
-              <a:gd name="connsiteY1" fmla="*/ 81782 h 2002631"/>
-              <a:gd name="connsiteX2" fmla="*/ 3352800 w 3352800"/>
-              <a:gd name="connsiteY2" fmla="*/ 0 h 2002631"/>
-              <a:gd name="connsiteX3" fmla="*/ 3352800 w 3352800"/>
-              <a:gd name="connsiteY3" fmla="*/ 2002631 h 2002631"/>
-              <a:gd name="connsiteX4" fmla="*/ 0 w 3352800"/>
-              <a:gd name="connsiteY4" fmla="*/ 2002631 h 2002631"/>
-              <a:gd name="connsiteX0" fmla="*/ 0 w 3352800"/>
-              <a:gd name="connsiteY0" fmla="*/ 2002901 h 2002901"/>
-              <a:gd name="connsiteX1" fmla="*/ 2836585 w 3352800"/>
-              <a:gd name="connsiteY1" fmla="*/ 0 h 2002901"/>
-              <a:gd name="connsiteX2" fmla="*/ 3352800 w 3352800"/>
-              <a:gd name="connsiteY2" fmla="*/ 270 h 2002901"/>
-              <a:gd name="connsiteX3" fmla="*/ 3352800 w 3352800"/>
-              <a:gd name="connsiteY3" fmla="*/ 2002901 h 2002901"/>
-              <a:gd name="connsiteX4" fmla="*/ 0 w 3352800"/>
-              <a:gd name="connsiteY4" fmla="*/ 2002901 h 2002901"/>
-              <a:gd name="connsiteX0" fmla="*/ 0 w 3352800"/>
-              <a:gd name="connsiteY0" fmla="*/ 2002631 h 2002631"/>
-              <a:gd name="connsiteX1" fmla="*/ 754045 w 3352800"/>
-              <a:gd name="connsiteY1" fmla="*/ 1468326 h 2002631"/>
-              <a:gd name="connsiteX2" fmla="*/ 3352800 w 3352800"/>
-              <a:gd name="connsiteY2" fmla="*/ 0 h 2002631"/>
-              <a:gd name="connsiteX3" fmla="*/ 3352800 w 3352800"/>
-              <a:gd name="connsiteY3" fmla="*/ 2002631 h 2002631"/>
-              <a:gd name="connsiteX4" fmla="*/ 0 w 3352800"/>
-              <a:gd name="connsiteY4" fmla="*/ 2002631 h 2002631"/>
-              <a:gd name="connsiteX0" fmla="*/ 0 w 3352800"/>
-              <a:gd name="connsiteY0" fmla="*/ 534305 h 534305"/>
-              <a:gd name="connsiteX1" fmla="*/ 754045 w 3352800"/>
-              <a:gd name="connsiteY1" fmla="*/ 0 h 534305"/>
-              <a:gd name="connsiteX2" fmla="*/ 3352800 w 3352800"/>
-              <a:gd name="connsiteY2" fmla="*/ 7687 h 534305"/>
-              <a:gd name="connsiteX3" fmla="*/ 3352800 w 3352800"/>
-              <a:gd name="connsiteY3" fmla="*/ 534305 h 534305"/>
-              <a:gd name="connsiteX4" fmla="*/ 0 w 3352800"/>
-              <a:gd name="connsiteY4" fmla="*/ 534305 h 534305"/>
-              <a:gd name="connsiteX0" fmla="*/ 0 w 3352800"/>
-              <a:gd name="connsiteY0" fmla="*/ 534305 h 534305"/>
-              <a:gd name="connsiteX1" fmla="*/ 754045 w 3352800"/>
-              <a:gd name="connsiteY1" fmla="*/ 0 h 534305"/>
-              <a:gd name="connsiteX2" fmla="*/ 3352800 w 3352800"/>
-              <a:gd name="connsiteY2" fmla="*/ 7687 h 534305"/>
-              <a:gd name="connsiteX3" fmla="*/ 3352800 w 3352800"/>
-              <a:gd name="connsiteY3" fmla="*/ 534305 h 534305"/>
-              <a:gd name="connsiteX4" fmla="*/ 0 w 3352800"/>
-              <a:gd name="connsiteY4" fmla="*/ 534305 h 534305"/>
-              <a:gd name="connsiteX0" fmla="*/ 0 w 3352800"/>
-              <a:gd name="connsiteY0" fmla="*/ 526618 h 526618"/>
-              <a:gd name="connsiteX1" fmla="*/ 980611 w 3352800"/>
-              <a:gd name="connsiteY1" fmla="*/ 93681 h 526618"/>
-              <a:gd name="connsiteX2" fmla="*/ 3352800 w 3352800"/>
-              <a:gd name="connsiteY2" fmla="*/ 0 h 526618"/>
-              <a:gd name="connsiteX3" fmla="*/ 3352800 w 3352800"/>
-              <a:gd name="connsiteY3" fmla="*/ 526618 h 526618"/>
-              <a:gd name="connsiteX4" fmla="*/ 0 w 3352800"/>
-              <a:gd name="connsiteY4" fmla="*/ 526618 h 526618"/>
-              <a:gd name="connsiteX0" fmla="*/ 0 w 3352800"/>
-              <a:gd name="connsiteY0" fmla="*/ 526888 h 526888"/>
-              <a:gd name="connsiteX1" fmla="*/ 744735 w 3352800"/>
-              <a:gd name="connsiteY1" fmla="*/ 0 h 526888"/>
-              <a:gd name="connsiteX2" fmla="*/ 3352800 w 3352800"/>
-              <a:gd name="connsiteY2" fmla="*/ 270 h 526888"/>
-              <a:gd name="connsiteX3" fmla="*/ 3352800 w 3352800"/>
-              <a:gd name="connsiteY3" fmla="*/ 526888 h 526888"/>
-              <a:gd name="connsiteX4" fmla="*/ 0 w 3352800"/>
-              <a:gd name="connsiteY4" fmla="*/ 526888 h 526888"/>
-              <a:gd name="connsiteX0" fmla="*/ 0 w 3352800"/>
-              <a:gd name="connsiteY0" fmla="*/ 526618 h 526618"/>
-              <a:gd name="connsiteX1" fmla="*/ 811948 w 3352800"/>
-              <a:gd name="connsiteY1" fmla="*/ 60921 h 526618"/>
-              <a:gd name="connsiteX2" fmla="*/ 3352800 w 3352800"/>
-              <a:gd name="connsiteY2" fmla="*/ 0 h 526618"/>
-              <a:gd name="connsiteX3" fmla="*/ 3352800 w 3352800"/>
-              <a:gd name="connsiteY3" fmla="*/ 526618 h 526618"/>
-              <a:gd name="connsiteX4" fmla="*/ 0 w 3352800"/>
-              <a:gd name="connsiteY4" fmla="*/ 526618 h 526618"/>
-              <a:gd name="connsiteX0" fmla="*/ 0 w 3352800"/>
-              <a:gd name="connsiteY0" fmla="*/ 527584 h 527584"/>
-              <a:gd name="connsiteX1" fmla="*/ 751718 w 3352800"/>
-              <a:gd name="connsiteY1" fmla="*/ 0 h 527584"/>
-              <a:gd name="connsiteX2" fmla="*/ 3352800 w 3352800"/>
-              <a:gd name="connsiteY2" fmla="*/ 966 h 527584"/>
-              <a:gd name="connsiteX3" fmla="*/ 3352800 w 3352800"/>
-              <a:gd name="connsiteY3" fmla="*/ 527584 h 527584"/>
-              <a:gd name="connsiteX4" fmla="*/ 0 w 3352800"/>
-              <a:gd name="connsiteY4" fmla="*/ 527584 h 527584"/>
-              <a:gd name="connsiteX0" fmla="*/ 0 w 3352800"/>
-              <a:gd name="connsiteY0" fmla="*/ 527584 h 527584"/>
-              <a:gd name="connsiteX1" fmla="*/ 751718 w 3352800"/>
-              <a:gd name="connsiteY1" fmla="*/ 0 h 527584"/>
-              <a:gd name="connsiteX2" fmla="*/ 3241069 w 3352800"/>
-              <a:gd name="connsiteY2" fmla="*/ 94144 h 527584"/>
-              <a:gd name="connsiteX3" fmla="*/ 3352800 w 3352800"/>
-              <a:gd name="connsiteY3" fmla="*/ 527584 h 527584"/>
-              <a:gd name="connsiteX4" fmla="*/ 0 w 3352800"/>
-              <a:gd name="connsiteY4" fmla="*/ 527584 h 527584"/>
-              <a:gd name="connsiteX0" fmla="*/ 0 w 3352800"/>
-              <a:gd name="connsiteY0" fmla="*/ 527584 h 527584"/>
-              <a:gd name="connsiteX1" fmla="*/ 751718 w 3352800"/>
-              <a:gd name="connsiteY1" fmla="*/ 0 h 527584"/>
-              <a:gd name="connsiteX2" fmla="*/ 3352800 w 3352800"/>
-              <a:gd name="connsiteY2" fmla="*/ 271 h 527584"/>
-              <a:gd name="connsiteX3" fmla="*/ 3352800 w 3352800"/>
-              <a:gd name="connsiteY3" fmla="*/ 527584 h 527584"/>
-              <a:gd name="connsiteX4" fmla="*/ 0 w 3352800"/>
-              <a:gd name="connsiteY4" fmla="*/ 527584 h 527584"/>
-              <a:gd name="connsiteX0" fmla="*/ 0 w 3352800"/>
-              <a:gd name="connsiteY0" fmla="*/ 527313 h 527313"/>
-              <a:gd name="connsiteX1" fmla="*/ 900984 w 3352800"/>
-              <a:gd name="connsiteY1" fmla="*/ 97774 h 527313"/>
-              <a:gd name="connsiteX2" fmla="*/ 3352800 w 3352800"/>
-              <a:gd name="connsiteY2" fmla="*/ 0 h 527313"/>
-              <a:gd name="connsiteX3" fmla="*/ 3352800 w 3352800"/>
-              <a:gd name="connsiteY3" fmla="*/ 527313 h 527313"/>
-              <a:gd name="connsiteX4" fmla="*/ 0 w 3352800"/>
-              <a:gd name="connsiteY4" fmla="*/ 527313 h 527313"/>
-              <a:gd name="connsiteX0" fmla="*/ 0 w 3352800"/>
-              <a:gd name="connsiteY0" fmla="*/ 527584 h 527584"/>
-              <a:gd name="connsiteX1" fmla="*/ 748227 w 3352800"/>
-              <a:gd name="connsiteY1" fmla="*/ 0 h 527584"/>
-              <a:gd name="connsiteX2" fmla="*/ 3352800 w 3352800"/>
-              <a:gd name="connsiteY2" fmla="*/ 271 h 527584"/>
-              <a:gd name="connsiteX3" fmla="*/ 3352800 w 3352800"/>
-              <a:gd name="connsiteY3" fmla="*/ 527584 h 527584"/>
-              <a:gd name="connsiteX4" fmla="*/ 0 w 3352800"/>
-              <a:gd name="connsiteY4" fmla="*/ 527584 h 527584"/>
+              <a:gd name="connsiteX0-1" fmla="*/ 0 w 3112294"/>
+              <a:gd name="connsiteY0-2" fmla="*/ 2019301 h 2083594"/>
+              <a:gd name="connsiteX1-3" fmla="*/ 2793206 w 3112294"/>
+              <a:gd name="connsiteY1-4" fmla="*/ 0 h 2083594"/>
+              <a:gd name="connsiteX2-5" fmla="*/ 3112294 w 3112294"/>
+              <a:gd name="connsiteY2-6" fmla="*/ 80963 h 2083594"/>
+              <a:gd name="connsiteX3-7" fmla="*/ 3112294 w 3112294"/>
+              <a:gd name="connsiteY3-8" fmla="*/ 2083594 h 2083594"/>
+              <a:gd name="connsiteX4-9" fmla="*/ 0 w 3112294"/>
+              <a:gd name="connsiteY4-10" fmla="*/ 2019301 h 2083594"/>
+              <a:gd name="connsiteX0-11" fmla="*/ 0 w 3345656"/>
+              <a:gd name="connsiteY0-12" fmla="*/ 2097882 h 2097882"/>
+              <a:gd name="connsiteX1-13" fmla="*/ 3026568 w 3345656"/>
+              <a:gd name="connsiteY1-14" fmla="*/ 0 h 2097882"/>
+              <a:gd name="connsiteX2-15" fmla="*/ 3345656 w 3345656"/>
+              <a:gd name="connsiteY2-16" fmla="*/ 80963 h 2097882"/>
+              <a:gd name="connsiteX3-17" fmla="*/ 3345656 w 3345656"/>
+              <a:gd name="connsiteY3-18" fmla="*/ 2083594 h 2097882"/>
+              <a:gd name="connsiteX4-19" fmla="*/ 0 w 3345656"/>
+              <a:gd name="connsiteY4-20" fmla="*/ 2097882 h 2097882"/>
+              <a:gd name="connsiteX0-21" fmla="*/ 0 w 2800350"/>
+              <a:gd name="connsiteY0-22" fmla="*/ 1935957 h 2083594"/>
+              <a:gd name="connsiteX1-23" fmla="*/ 2481262 w 2800350"/>
+              <a:gd name="connsiteY1-24" fmla="*/ 0 h 2083594"/>
+              <a:gd name="connsiteX2-25" fmla="*/ 2800350 w 2800350"/>
+              <a:gd name="connsiteY2-26" fmla="*/ 80963 h 2083594"/>
+              <a:gd name="connsiteX3-27" fmla="*/ 2800350 w 2800350"/>
+              <a:gd name="connsiteY3-28" fmla="*/ 2083594 h 2083594"/>
+              <a:gd name="connsiteX4-29" fmla="*/ 0 w 2800350"/>
+              <a:gd name="connsiteY4-30" fmla="*/ 1935957 h 2083594"/>
+              <a:gd name="connsiteX0-31" fmla="*/ 0 w 3352800"/>
+              <a:gd name="connsiteY0-32" fmla="*/ 2083594 h 2083594"/>
+              <a:gd name="connsiteX1-33" fmla="*/ 3033712 w 3352800"/>
+              <a:gd name="connsiteY1-34" fmla="*/ 0 h 2083594"/>
+              <a:gd name="connsiteX2-35" fmla="*/ 3352800 w 3352800"/>
+              <a:gd name="connsiteY2-36" fmla="*/ 80963 h 2083594"/>
+              <a:gd name="connsiteX3-37" fmla="*/ 3352800 w 3352800"/>
+              <a:gd name="connsiteY3-38" fmla="*/ 2083594 h 2083594"/>
+              <a:gd name="connsiteX4-39" fmla="*/ 0 w 3352800"/>
+              <a:gd name="connsiteY4-40" fmla="*/ 2083594 h 2083594"/>
+              <a:gd name="connsiteX0-41" fmla="*/ 0 w 3352800"/>
+              <a:gd name="connsiteY0-42" fmla="*/ 2002631 h 2002631"/>
+              <a:gd name="connsiteX1-43" fmla="*/ 3033712 w 3352800"/>
+              <a:gd name="connsiteY1-44" fmla="*/ 157162 h 2002631"/>
+              <a:gd name="connsiteX2-45" fmla="*/ 3352800 w 3352800"/>
+              <a:gd name="connsiteY2-46" fmla="*/ 0 h 2002631"/>
+              <a:gd name="connsiteX3-47" fmla="*/ 3352800 w 3352800"/>
+              <a:gd name="connsiteY3-48" fmla="*/ 2002631 h 2002631"/>
+              <a:gd name="connsiteX4-49" fmla="*/ 0 w 3352800"/>
+              <a:gd name="connsiteY4-50" fmla="*/ 2002631 h 2002631"/>
+              <a:gd name="connsiteX0-51" fmla="*/ 0 w 3352800"/>
+              <a:gd name="connsiteY0-52" fmla="*/ 2002631 h 2002631"/>
+              <a:gd name="connsiteX1-53" fmla="*/ 2988469 w 3352800"/>
+              <a:gd name="connsiteY1-54" fmla="*/ 59530 h 2002631"/>
+              <a:gd name="connsiteX2-55" fmla="*/ 3352800 w 3352800"/>
+              <a:gd name="connsiteY2-56" fmla="*/ 0 h 2002631"/>
+              <a:gd name="connsiteX3-57" fmla="*/ 3352800 w 3352800"/>
+              <a:gd name="connsiteY3-58" fmla="*/ 2002631 h 2002631"/>
+              <a:gd name="connsiteX4-59" fmla="*/ 0 w 3352800"/>
+              <a:gd name="connsiteY4-60" fmla="*/ 2002631 h 2002631"/>
+              <a:gd name="connsiteX0-61" fmla="*/ 0 w 3352800"/>
+              <a:gd name="connsiteY0-62" fmla="*/ 2002631 h 2002631"/>
+              <a:gd name="connsiteX1-63" fmla="*/ 2833966 w 3352800"/>
+              <a:gd name="connsiteY1-64" fmla="*/ 425 h 2002631"/>
+              <a:gd name="connsiteX2-65" fmla="*/ 3352800 w 3352800"/>
+              <a:gd name="connsiteY2-66" fmla="*/ 0 h 2002631"/>
+              <a:gd name="connsiteX3-67" fmla="*/ 3352800 w 3352800"/>
+              <a:gd name="connsiteY3-68" fmla="*/ 2002631 h 2002631"/>
+              <a:gd name="connsiteX4-69" fmla="*/ 0 w 3352800"/>
+              <a:gd name="connsiteY4-70" fmla="*/ 2002631 h 2002631"/>
+              <a:gd name="connsiteX0-71" fmla="*/ 0 w 3352800"/>
+              <a:gd name="connsiteY0-72" fmla="*/ 2002631 h 2002631"/>
+              <a:gd name="connsiteX1-73" fmla="*/ 2845314 w 3352800"/>
+              <a:gd name="connsiteY1-74" fmla="*/ 12246 h 2002631"/>
+              <a:gd name="connsiteX2-75" fmla="*/ 3352800 w 3352800"/>
+              <a:gd name="connsiteY2-76" fmla="*/ 0 h 2002631"/>
+              <a:gd name="connsiteX3-77" fmla="*/ 3352800 w 3352800"/>
+              <a:gd name="connsiteY3-78" fmla="*/ 2002631 h 2002631"/>
+              <a:gd name="connsiteX4-79" fmla="*/ 0 w 3352800"/>
+              <a:gd name="connsiteY4-80" fmla="*/ 2002631 h 2002631"/>
+              <a:gd name="connsiteX0-81" fmla="*/ 0 w 3352800"/>
+              <a:gd name="connsiteY0-82" fmla="*/ 2002631 h 2002631"/>
+              <a:gd name="connsiteX1-83" fmla="*/ 2834839 w 3352800"/>
+              <a:gd name="connsiteY1-84" fmla="*/ 425 h 2002631"/>
+              <a:gd name="connsiteX2-85" fmla="*/ 3352800 w 3352800"/>
+              <a:gd name="connsiteY2-86" fmla="*/ 0 h 2002631"/>
+              <a:gd name="connsiteX3-87" fmla="*/ 3352800 w 3352800"/>
+              <a:gd name="connsiteY3-88" fmla="*/ 2002631 h 2002631"/>
+              <a:gd name="connsiteX4-89" fmla="*/ 0 w 3352800"/>
+              <a:gd name="connsiteY4-90" fmla="*/ 2002631 h 2002631"/>
+              <a:gd name="connsiteX0-91" fmla="*/ 0 w 3352800"/>
+              <a:gd name="connsiteY0-92" fmla="*/ 2002631 h 2002631"/>
+              <a:gd name="connsiteX1-93" fmla="*/ 2875865 w 3352800"/>
+              <a:gd name="connsiteY1-94" fmla="*/ 81782 h 2002631"/>
+              <a:gd name="connsiteX2-95" fmla="*/ 3352800 w 3352800"/>
+              <a:gd name="connsiteY2-96" fmla="*/ 0 h 2002631"/>
+              <a:gd name="connsiteX3-97" fmla="*/ 3352800 w 3352800"/>
+              <a:gd name="connsiteY3-98" fmla="*/ 2002631 h 2002631"/>
+              <a:gd name="connsiteX4-99" fmla="*/ 0 w 3352800"/>
+              <a:gd name="connsiteY4-100" fmla="*/ 2002631 h 2002631"/>
+              <a:gd name="connsiteX0-101" fmla="*/ 0 w 3352800"/>
+              <a:gd name="connsiteY0-102" fmla="*/ 2002901 h 2002901"/>
+              <a:gd name="connsiteX1-103" fmla="*/ 2836585 w 3352800"/>
+              <a:gd name="connsiteY1-104" fmla="*/ 0 h 2002901"/>
+              <a:gd name="connsiteX2-105" fmla="*/ 3352800 w 3352800"/>
+              <a:gd name="connsiteY2-106" fmla="*/ 270 h 2002901"/>
+              <a:gd name="connsiteX3-107" fmla="*/ 3352800 w 3352800"/>
+              <a:gd name="connsiteY3-108" fmla="*/ 2002901 h 2002901"/>
+              <a:gd name="connsiteX4-109" fmla="*/ 0 w 3352800"/>
+              <a:gd name="connsiteY4-110" fmla="*/ 2002901 h 2002901"/>
+              <a:gd name="connsiteX0-111" fmla="*/ 0 w 3352800"/>
+              <a:gd name="connsiteY0-112" fmla="*/ 2002631 h 2002631"/>
+              <a:gd name="connsiteX1-113" fmla="*/ 754045 w 3352800"/>
+              <a:gd name="connsiteY1-114" fmla="*/ 1468326 h 2002631"/>
+              <a:gd name="connsiteX2-115" fmla="*/ 3352800 w 3352800"/>
+              <a:gd name="connsiteY2-116" fmla="*/ 0 h 2002631"/>
+              <a:gd name="connsiteX3-117" fmla="*/ 3352800 w 3352800"/>
+              <a:gd name="connsiteY3-118" fmla="*/ 2002631 h 2002631"/>
+              <a:gd name="connsiteX4-119" fmla="*/ 0 w 3352800"/>
+              <a:gd name="connsiteY4-120" fmla="*/ 2002631 h 2002631"/>
+              <a:gd name="connsiteX0-121" fmla="*/ 0 w 3352800"/>
+              <a:gd name="connsiteY0-122" fmla="*/ 534305 h 534305"/>
+              <a:gd name="connsiteX1-123" fmla="*/ 754045 w 3352800"/>
+              <a:gd name="connsiteY1-124" fmla="*/ 0 h 534305"/>
+              <a:gd name="connsiteX2-125" fmla="*/ 3352800 w 3352800"/>
+              <a:gd name="connsiteY2-126" fmla="*/ 7687 h 534305"/>
+              <a:gd name="connsiteX3-127" fmla="*/ 3352800 w 3352800"/>
+              <a:gd name="connsiteY3-128" fmla="*/ 534305 h 534305"/>
+              <a:gd name="connsiteX4-129" fmla="*/ 0 w 3352800"/>
+              <a:gd name="connsiteY4-130" fmla="*/ 534305 h 534305"/>
+              <a:gd name="connsiteX0-131" fmla="*/ 0 w 3352800"/>
+              <a:gd name="connsiteY0-132" fmla="*/ 534305 h 534305"/>
+              <a:gd name="connsiteX1-133" fmla="*/ 754045 w 3352800"/>
+              <a:gd name="connsiteY1-134" fmla="*/ 0 h 534305"/>
+              <a:gd name="connsiteX2-135" fmla="*/ 3352800 w 3352800"/>
+              <a:gd name="connsiteY2-136" fmla="*/ 7687 h 534305"/>
+              <a:gd name="connsiteX3-137" fmla="*/ 3352800 w 3352800"/>
+              <a:gd name="connsiteY3-138" fmla="*/ 534305 h 534305"/>
+              <a:gd name="connsiteX4-139" fmla="*/ 0 w 3352800"/>
+              <a:gd name="connsiteY4-140" fmla="*/ 534305 h 534305"/>
+              <a:gd name="connsiteX0-141" fmla="*/ 0 w 3352800"/>
+              <a:gd name="connsiteY0-142" fmla="*/ 526618 h 526618"/>
+              <a:gd name="connsiteX1-143" fmla="*/ 980611 w 3352800"/>
+              <a:gd name="connsiteY1-144" fmla="*/ 93681 h 526618"/>
+              <a:gd name="connsiteX2-145" fmla="*/ 3352800 w 3352800"/>
+              <a:gd name="connsiteY2-146" fmla="*/ 0 h 526618"/>
+              <a:gd name="connsiteX3-147" fmla="*/ 3352800 w 3352800"/>
+              <a:gd name="connsiteY3-148" fmla="*/ 526618 h 526618"/>
+              <a:gd name="connsiteX4-149" fmla="*/ 0 w 3352800"/>
+              <a:gd name="connsiteY4-150" fmla="*/ 526618 h 526618"/>
+              <a:gd name="connsiteX0-151" fmla="*/ 0 w 3352800"/>
+              <a:gd name="connsiteY0-152" fmla="*/ 526888 h 526888"/>
+              <a:gd name="connsiteX1-153" fmla="*/ 744735 w 3352800"/>
+              <a:gd name="connsiteY1-154" fmla="*/ 0 h 526888"/>
+              <a:gd name="connsiteX2-155" fmla="*/ 3352800 w 3352800"/>
+              <a:gd name="connsiteY2-156" fmla="*/ 270 h 526888"/>
+              <a:gd name="connsiteX3-157" fmla="*/ 3352800 w 3352800"/>
+              <a:gd name="connsiteY3-158" fmla="*/ 526888 h 526888"/>
+              <a:gd name="connsiteX4-159" fmla="*/ 0 w 3352800"/>
+              <a:gd name="connsiteY4-160" fmla="*/ 526888 h 526888"/>
+              <a:gd name="connsiteX0-161" fmla="*/ 0 w 3352800"/>
+              <a:gd name="connsiteY0-162" fmla="*/ 526618 h 526618"/>
+              <a:gd name="connsiteX1-163" fmla="*/ 811948 w 3352800"/>
+              <a:gd name="connsiteY1-164" fmla="*/ 60921 h 526618"/>
+              <a:gd name="connsiteX2-165" fmla="*/ 3352800 w 3352800"/>
+              <a:gd name="connsiteY2-166" fmla="*/ 0 h 526618"/>
+              <a:gd name="connsiteX3-167" fmla="*/ 3352800 w 3352800"/>
+              <a:gd name="connsiteY3-168" fmla="*/ 526618 h 526618"/>
+              <a:gd name="connsiteX4-169" fmla="*/ 0 w 3352800"/>
+              <a:gd name="connsiteY4-170" fmla="*/ 526618 h 526618"/>
+              <a:gd name="connsiteX0-171" fmla="*/ 0 w 3352800"/>
+              <a:gd name="connsiteY0-172" fmla="*/ 527584 h 527584"/>
+              <a:gd name="connsiteX1-173" fmla="*/ 751718 w 3352800"/>
+              <a:gd name="connsiteY1-174" fmla="*/ 0 h 527584"/>
+              <a:gd name="connsiteX2-175" fmla="*/ 3352800 w 3352800"/>
+              <a:gd name="connsiteY2-176" fmla="*/ 966 h 527584"/>
+              <a:gd name="connsiteX3-177" fmla="*/ 3352800 w 3352800"/>
+              <a:gd name="connsiteY3-178" fmla="*/ 527584 h 527584"/>
+              <a:gd name="connsiteX4-179" fmla="*/ 0 w 3352800"/>
+              <a:gd name="connsiteY4-180" fmla="*/ 527584 h 527584"/>
+              <a:gd name="connsiteX0-181" fmla="*/ 0 w 3352800"/>
+              <a:gd name="connsiteY0-182" fmla="*/ 527584 h 527584"/>
+              <a:gd name="connsiteX1-183" fmla="*/ 751718 w 3352800"/>
+              <a:gd name="connsiteY1-184" fmla="*/ 0 h 527584"/>
+              <a:gd name="connsiteX2-185" fmla="*/ 3241069 w 3352800"/>
+              <a:gd name="connsiteY2-186" fmla="*/ 94144 h 527584"/>
+              <a:gd name="connsiteX3-187" fmla="*/ 3352800 w 3352800"/>
+              <a:gd name="connsiteY3-188" fmla="*/ 527584 h 527584"/>
+              <a:gd name="connsiteX4-189" fmla="*/ 0 w 3352800"/>
+              <a:gd name="connsiteY4-190" fmla="*/ 527584 h 527584"/>
+              <a:gd name="connsiteX0-191" fmla="*/ 0 w 3352800"/>
+              <a:gd name="connsiteY0-192" fmla="*/ 527584 h 527584"/>
+              <a:gd name="connsiteX1-193" fmla="*/ 751718 w 3352800"/>
+              <a:gd name="connsiteY1-194" fmla="*/ 0 h 527584"/>
+              <a:gd name="connsiteX2-195" fmla="*/ 3352800 w 3352800"/>
+              <a:gd name="connsiteY2-196" fmla="*/ 271 h 527584"/>
+              <a:gd name="connsiteX3-197" fmla="*/ 3352800 w 3352800"/>
+              <a:gd name="connsiteY3-198" fmla="*/ 527584 h 527584"/>
+              <a:gd name="connsiteX4-199" fmla="*/ 0 w 3352800"/>
+              <a:gd name="connsiteY4-200" fmla="*/ 527584 h 527584"/>
+              <a:gd name="connsiteX0-201" fmla="*/ 0 w 3352800"/>
+              <a:gd name="connsiteY0-202" fmla="*/ 527313 h 527313"/>
+              <a:gd name="connsiteX1-203" fmla="*/ 900984 w 3352800"/>
+              <a:gd name="connsiteY1-204" fmla="*/ 97774 h 527313"/>
+              <a:gd name="connsiteX2-205" fmla="*/ 3352800 w 3352800"/>
+              <a:gd name="connsiteY2-206" fmla="*/ 0 h 527313"/>
+              <a:gd name="connsiteX3-207" fmla="*/ 3352800 w 3352800"/>
+              <a:gd name="connsiteY3-208" fmla="*/ 527313 h 527313"/>
+              <a:gd name="connsiteX4-209" fmla="*/ 0 w 3352800"/>
+              <a:gd name="connsiteY4-210" fmla="*/ 527313 h 527313"/>
+              <a:gd name="connsiteX0-211" fmla="*/ 0 w 3352800"/>
+              <a:gd name="connsiteY0-212" fmla="*/ 527584 h 527584"/>
+              <a:gd name="connsiteX1-213" fmla="*/ 748227 w 3352800"/>
+              <a:gd name="connsiteY1-214" fmla="*/ 0 h 527584"/>
+              <a:gd name="connsiteX2-215" fmla="*/ 3352800 w 3352800"/>
+              <a:gd name="connsiteY2-216" fmla="*/ 271 h 527584"/>
+              <a:gd name="connsiteX3-217" fmla="*/ 3352800 w 3352800"/>
+              <a:gd name="connsiteY3-218" fmla="*/ 527584 h 527584"/>
+              <a:gd name="connsiteX4-219" fmla="*/ 0 w 3352800"/>
+              <a:gd name="connsiteY4-220" fmla="*/ 527584 h 527584"/>
             </a:gdLst>
             <a:ahLst/>
             <a:cxnLst>
               <a:cxn ang="0">
-                <a:pos x="connsiteX0" y="connsiteY0"/>
+                <a:pos x="connsiteX0-1" y="connsiteY0-2"/>
               </a:cxn>
               <a:cxn ang="0">
-                <a:pos x="connsiteX1" y="connsiteY1"/>
+                <a:pos x="connsiteX1-3" y="connsiteY1-4"/>
               </a:cxn>
               <a:cxn ang="0">
-                <a:pos x="connsiteX2" y="connsiteY2"/>
+                <a:pos x="connsiteX2-5" y="connsiteY2-6"/>
               </a:cxn>
               <a:cxn ang="0">
-                <a:pos x="connsiteX3" y="connsiteY3"/>
+                <a:pos x="connsiteX3-7" y="connsiteY3-8"/>
               </a:cxn>
               <a:cxn ang="0">
-                <a:pos x="connsiteX4" y="connsiteY4"/>
+                <a:pos x="connsiteX4-9" y="connsiteY4-10"/>
               </a:cxn>
             </a:cxnLst>
             <a:rect l="l" t="t" r="r" b="b"/>
@@ -4327,6 +4732,7 @@
               <a:rPr lang="ru-RU" smtClean="0"/>
               <a:t>Образец текста</a:t>
             </a:r>
+            <a:endParaRPr lang="ru-RU" smtClean="0"/>
           </a:p>
           <a:p>
             <a:pPr lvl="1"/>
@@ -4334,6 +4740,7 @@
               <a:rPr lang="ru-RU" smtClean="0"/>
               <a:t>Второй уровень</a:t>
             </a:r>
+            <a:endParaRPr lang="ru-RU" smtClean="0"/>
           </a:p>
           <a:p>
             <a:pPr lvl="2"/>
@@ -4341,6 +4748,7 @@
               <a:rPr lang="ru-RU" smtClean="0"/>
               <a:t>Третий уровень</a:t>
             </a:r>
+            <a:endParaRPr lang="ru-RU" smtClean="0"/>
           </a:p>
           <a:p>
             <a:pPr lvl="3"/>
@@ -4348,6 +4756,7 @@
               <a:rPr lang="ru-RU" smtClean="0"/>
               <a:t>Четвертый уровень</a:t>
             </a:r>
+            <a:endParaRPr lang="ru-RU" smtClean="0"/>
           </a:p>
           <a:p>
             <a:pPr lvl="4"/>
@@ -4392,7 +4801,6 @@
           <a:p>
             <a:fld id="{AC62DC8F-0100-4F68-80F6-6438C4384B70}" type="datetimeFigureOut">
               <a:rPr lang="ru-RU" smtClean="0"/>
-              <a:t>10.10.2019</a:t>
             </a:fld>
             <a:endParaRPr lang="ru-RU"/>
           </a:p>
@@ -4473,7 +4881,6 @@
           <a:p>
             <a:fld id="{9B94E556-EBAF-4B3C-9C6D-BA4051FEBCA5}" type="slidenum">
               <a:rPr lang="ru-RU" smtClean="0"/>
-              <a:t>‹#›</a:t>
             </a:fld>
             <a:endParaRPr lang="ru-RU"/>
           </a:p>
@@ -4483,17 +4890,17 @@
   </p:cSld>
   <p:clrMap bg1="lt1" tx1="dk1" bg2="lt2" tx2="dk2" accent1="accent1" accent2="accent2" accent3="accent3" accent4="accent4" accent5="accent5" accent6="accent6" hlink="hlink" folHlink="folHlink"/>
   <p:sldLayoutIdLst>
-    <p:sldLayoutId id="2147483679" r:id="rId1"/>
-    <p:sldLayoutId id="2147483680" r:id="rId2"/>
-    <p:sldLayoutId id="2147483681" r:id="rId3"/>
-    <p:sldLayoutId id="2147483682" r:id="rId4"/>
-    <p:sldLayoutId id="2147483683" r:id="rId5"/>
-    <p:sldLayoutId id="2147483684" r:id="rId6"/>
-    <p:sldLayoutId id="2147483685" r:id="rId7"/>
-    <p:sldLayoutId id="2147483686" r:id="rId8"/>
-    <p:sldLayoutId id="2147483687" r:id="rId9"/>
-    <p:sldLayoutId id="2147483688" r:id="rId10"/>
-    <p:sldLayoutId id="2147483689" r:id="rId11"/>
+    <p:sldLayoutId id="2147483649" r:id="rId1"/>
+    <p:sldLayoutId id="2147483650" r:id="rId2"/>
+    <p:sldLayoutId id="2147483651" r:id="rId3"/>
+    <p:sldLayoutId id="2147483652" r:id="rId4"/>
+    <p:sldLayoutId id="2147483653" r:id="rId5"/>
+    <p:sldLayoutId id="2147483654" r:id="rId6"/>
+    <p:sldLayoutId id="2147483655" r:id="rId7"/>
+    <p:sldLayoutId id="2147483656" r:id="rId8"/>
+    <p:sldLayoutId id="2147483657" r:id="rId9"/>
+    <p:sldLayoutId id="2147483658" r:id="rId10"/>
+    <p:sldLayoutId id="2147483659" r:id="rId11"/>
   </p:sldLayoutIdLst>
   <p:txStyles>
     <p:titleStyle>
@@ -4517,7 +4924,7 @@
         <a:spcBef>
           <a:spcPts val="800"/>
         </a:spcBef>
-        <a:buFont typeface="Arial" pitchFamily="34" charset="0"/>
+        <a:buFont typeface="Arial" panose="020B0604020202020204" pitchFamily="34" charset="0"/>
         <a:buNone/>
         <a:defRPr sz="1600" b="1" kern="1200">
           <a:solidFill>
@@ -4528,14 +4935,14 @@
           <a:cs typeface="+mn-cs"/>
         </a:defRPr>
       </a:lvl1pPr>
-      <a:lvl2pPr marL="173736" indent="-173736" algn="l" defTabSz="914400" rtl="0" eaLnBrk="1" latinLnBrk="0" hangingPunct="1">
+      <a:lvl2pPr marL="173990" indent="-173990" algn="l" defTabSz="914400" rtl="0" eaLnBrk="1" latinLnBrk="0" hangingPunct="1">
         <a:spcBef>
           <a:spcPts val="300"/>
         </a:spcBef>
         <a:buClr>
           <a:schemeClr val="accent2"/>
         </a:buClr>
-        <a:buFont typeface="Wingdings" pitchFamily="2" charset="2"/>
+        <a:buFont typeface="Wingdings" panose="05000000000000000000" pitchFamily="2" charset="2"/>
         <a:buChar char="§"/>
         <a:defRPr sz="1600" kern="1200">
           <a:solidFill>
@@ -4546,14 +4953,14 @@
           <a:cs typeface="+mn-cs"/>
         </a:defRPr>
       </a:lvl2pPr>
-      <a:lvl3pPr marL="402336" indent="-164592" algn="l" defTabSz="914400" rtl="0" eaLnBrk="1" latinLnBrk="0" hangingPunct="1">
+      <a:lvl3pPr marL="402590" indent="-164465" algn="l" defTabSz="914400" rtl="0" eaLnBrk="1" latinLnBrk="0" hangingPunct="1">
         <a:spcBef>
           <a:spcPts val="300"/>
         </a:spcBef>
         <a:buClr>
           <a:schemeClr val="accent2"/>
         </a:buClr>
-        <a:buFont typeface="Wingdings" pitchFamily="2" charset="2"/>
+        <a:buFont typeface="Wingdings" panose="05000000000000000000" pitchFamily="2" charset="2"/>
         <a:buChar char="§"/>
         <a:defRPr sz="1600" kern="1200">
           <a:solidFill>
@@ -4564,14 +4971,14 @@
           <a:cs typeface="+mn-cs"/>
         </a:defRPr>
       </a:lvl3pPr>
-      <a:lvl4pPr marL="630936" indent="-164592" algn="l" defTabSz="914400" rtl="0" eaLnBrk="1" latinLnBrk="0" hangingPunct="1">
+      <a:lvl4pPr marL="631190" indent="-164465" algn="l" defTabSz="914400" rtl="0" eaLnBrk="1" latinLnBrk="0" hangingPunct="1">
         <a:spcBef>
           <a:spcPts val="300"/>
         </a:spcBef>
         <a:buClr>
           <a:schemeClr val="accent2"/>
         </a:buClr>
-        <a:buFont typeface="Wingdings" pitchFamily="2" charset="2"/>
+        <a:buFont typeface="Wingdings" panose="05000000000000000000" pitchFamily="2" charset="2"/>
         <a:buChar char="§"/>
         <a:defRPr sz="1600" kern="1200">
           <a:solidFill>
@@ -4582,14 +4989,14 @@
           <a:cs typeface="+mn-cs"/>
         </a:defRPr>
       </a:lvl4pPr>
-      <a:lvl5pPr marL="859536" indent="-173736" algn="l" defTabSz="914400" rtl="0" eaLnBrk="1" latinLnBrk="0" hangingPunct="1">
+      <a:lvl5pPr marL="859790" indent="-173990" algn="l" defTabSz="914400" rtl="0" eaLnBrk="1" latinLnBrk="0" hangingPunct="1">
         <a:spcBef>
           <a:spcPts val="300"/>
         </a:spcBef>
         <a:buClr>
           <a:schemeClr val="accent2"/>
         </a:buClr>
-        <a:buFont typeface="Wingdings" pitchFamily="2" charset="2"/>
+        <a:buFont typeface="Wingdings" panose="05000000000000000000" pitchFamily="2" charset="2"/>
         <a:buChar char="§"/>
         <a:defRPr sz="1600" kern="1200">
           <a:solidFill>
@@ -4600,14 +5007,14 @@
           <a:cs typeface="+mn-cs"/>
         </a:defRPr>
       </a:lvl5pPr>
-      <a:lvl6pPr marL="1097280" indent="-173736" algn="l" defTabSz="914400" rtl="0" eaLnBrk="1" latinLnBrk="0" hangingPunct="1">
+      <a:lvl6pPr marL="1097280" indent="-173990" algn="l" defTabSz="914400" rtl="0" eaLnBrk="1" latinLnBrk="0" hangingPunct="1">
         <a:spcBef>
           <a:spcPts val="300"/>
         </a:spcBef>
         <a:buClr>
           <a:schemeClr val="accent2"/>
         </a:buClr>
-        <a:buFont typeface="Wingdings" pitchFamily="2" charset="2"/>
+        <a:buFont typeface="Wingdings" panose="05000000000000000000" pitchFamily="2" charset="2"/>
         <a:buChar char="§"/>
         <a:defRPr sz="1400" kern="1200">
           <a:solidFill>
@@ -4618,14 +5025,14 @@
           <a:cs typeface="+mn-cs"/>
         </a:defRPr>
       </a:lvl6pPr>
-      <a:lvl7pPr marL="1353312" indent="-164592" algn="l" defTabSz="914400" rtl="0" eaLnBrk="1" latinLnBrk="0" hangingPunct="1">
+      <a:lvl7pPr marL="1353185" indent="-164465" algn="l" defTabSz="914400" rtl="0" eaLnBrk="1" latinLnBrk="0" hangingPunct="1">
         <a:spcBef>
           <a:spcPts val="300"/>
         </a:spcBef>
         <a:buClr>
           <a:schemeClr val="accent2"/>
         </a:buClr>
-        <a:buFont typeface="Wingdings" pitchFamily="2" charset="2"/>
+        <a:buFont typeface="Wingdings" panose="05000000000000000000" pitchFamily="2" charset="2"/>
         <a:buChar char="§"/>
         <a:defRPr sz="1400" kern="1200">
           <a:solidFill>
@@ -4636,14 +5043,14 @@
           <a:cs typeface="+mn-cs"/>
         </a:defRPr>
       </a:lvl7pPr>
-      <a:lvl8pPr marL="1581912" indent="-164592" algn="l" defTabSz="914400" rtl="0" eaLnBrk="1" latinLnBrk="0" hangingPunct="1">
+      <a:lvl8pPr marL="1581785" indent="-164465" algn="l" defTabSz="914400" rtl="0" eaLnBrk="1" latinLnBrk="0" hangingPunct="1">
         <a:spcBef>
           <a:spcPts val="300"/>
         </a:spcBef>
         <a:buClr>
           <a:schemeClr val="accent2"/>
         </a:buClr>
-        <a:buFont typeface="Wingdings" pitchFamily="2" charset="2"/>
+        <a:buFont typeface="Wingdings" panose="05000000000000000000" pitchFamily="2" charset="2"/>
         <a:buChar char="§"/>
         <a:defRPr sz="1400" kern="1200">
           <a:solidFill>
@@ -4654,14 +5061,14 @@
           <a:cs typeface="+mn-cs"/>
         </a:defRPr>
       </a:lvl8pPr>
-      <a:lvl9pPr marL="1792224" indent="-164592" algn="l" defTabSz="914400" rtl="0" eaLnBrk="1" latinLnBrk="0" hangingPunct="1">
+      <a:lvl9pPr marL="1791970" indent="-164465" algn="l" defTabSz="914400" rtl="0" eaLnBrk="1" latinLnBrk="0" hangingPunct="1">
         <a:spcBef>
           <a:spcPts val="300"/>
         </a:spcBef>
         <a:buClr>
           <a:schemeClr val="accent2"/>
         </a:buClr>
-        <a:buFont typeface="Wingdings" pitchFamily="2" charset="2"/>
+        <a:buFont typeface="Wingdings" panose="05000000000000000000" pitchFamily="2" charset="2"/>
         <a:buChar char="§"/>
         <a:defRPr sz="1400" kern="1200">
           <a:solidFill>
@@ -4829,13 +5236,13 @@
         </p:nvSpPr>
         <p:spPr>
           <a:xfrm>
-            <a:off x="1429215" y="3004807"/>
-            <a:ext cx="3150736" cy="861420"/>
+            <a:off x="818515" y="2998470"/>
+            <a:ext cx="4356735" cy="861695"/>
           </a:xfrm>
         </p:spPr>
         <p:txBody>
           <a:bodyPr>
-            <a:normAutofit/>
+            <a:normAutofit lnSpcReduction="10000"/>
           </a:bodyPr>
           <a:lstStyle/>
           <a:p>
@@ -4860,7 +5267,7 @@
           <p:nvPr/>
         </p:nvPicPr>
         <p:blipFill rotWithShape="1">
-          <a:blip r:embed="rId2">
+          <a:blip r:embed="rId1">
             <a:extLst>
               <a:ext uri="{28A0092B-C50C-407E-A947-70E740481C1C}">
                 <a14:useLocalDpi xmlns:a14="http://schemas.microsoft.com/office/drawing/2010/main" val="0"/>
@@ -4868,7 +5275,9 @@
             </a:extLst>
           </a:blip>
           <a:srcRect l="10324"/>
-          <a:stretch/>
+          <a:stretch>
+            <a:fillRect/>
+          </a:stretch>
         </p:blipFill>
         <p:spPr>
           <a:xfrm>
@@ -4894,11 +5303,6 @@
         </p:spPr>
       </p:pic>
     </p:spTree>
-    <p:extLst>
-      <p:ext uri="{BB962C8B-B14F-4D97-AF65-F5344CB8AC3E}">
-        <p14:creationId xmlns:p14="http://schemas.microsoft.com/office/powerpoint/2010/main" val="2658237627"/>
-      </p:ext>
-    </p:extLst>
   </p:cSld>
   <p:clrMapOvr>
     <a:masterClrMapping/>
@@ -4953,96 +5357,6 @@
           </a:p>
         </p:txBody>
       </p:sp>
-      <p:sp>
-        <p:nvSpPr>
-          <p:cNvPr id="4" name="TextBox 3"/>
-          <p:cNvSpPr txBox="1"/>
-          <p:nvPr/>
-        </p:nvSpPr>
-        <p:spPr>
-          <a:xfrm>
-            <a:off x="1947192" y="1578928"/>
-            <a:ext cx="784189" cy="646331"/>
-          </a:xfrm>
-          <a:prstGeom prst="rect">
-            <a:avLst/>
-          </a:prstGeom>
-          <a:noFill/>
-        </p:spPr>
-        <p:txBody>
-          <a:bodyPr wrap="none" rtlCol="0">
-            <a:spAutoFit/>
-          </a:bodyPr>
-          <a:lstStyle/>
-          <a:p>
-            <a:r>
-              <a:rPr lang="en-US" sz="3600" dirty="0" smtClean="0"/>
-              <a:t>QT</a:t>
-            </a:r>
-            <a:endParaRPr lang="ru-RU" sz="3600" dirty="0"/>
-          </a:p>
-        </p:txBody>
-      </p:sp>
-      <p:sp>
-        <p:nvSpPr>
-          <p:cNvPr id="5" name="TextBox 4"/>
-          <p:cNvSpPr txBox="1"/>
-          <p:nvPr/>
-        </p:nvSpPr>
-        <p:spPr>
-          <a:xfrm>
-            <a:off x="5043247" y="1578928"/>
-            <a:ext cx="1728358" cy="646331"/>
-          </a:xfrm>
-          <a:prstGeom prst="rect">
-            <a:avLst/>
-          </a:prstGeom>
-          <a:noFill/>
-        </p:spPr>
-        <p:txBody>
-          <a:bodyPr wrap="none" rtlCol="0">
-            <a:spAutoFit/>
-          </a:bodyPr>
-          <a:lstStyle/>
-          <a:p>
-            <a:r>
-              <a:rPr lang="en-US" sz="3600" dirty="0" smtClean="0"/>
-              <a:t>Python</a:t>
-            </a:r>
-            <a:endParaRPr lang="ru-RU" dirty="0"/>
-          </a:p>
-        </p:txBody>
-      </p:sp>
-      <p:sp>
-        <p:nvSpPr>
-          <p:cNvPr id="6" name="TextBox 5"/>
-          <p:cNvSpPr txBox="1"/>
-          <p:nvPr/>
-        </p:nvSpPr>
-        <p:spPr>
-          <a:xfrm>
-            <a:off x="8575717" y="1578928"/>
-            <a:ext cx="2180405" cy="646331"/>
-          </a:xfrm>
-          <a:prstGeom prst="rect">
-            <a:avLst/>
-          </a:prstGeom>
-          <a:noFill/>
-        </p:spPr>
-        <p:txBody>
-          <a:bodyPr wrap="none" rtlCol="0">
-            <a:spAutoFit/>
-          </a:bodyPr>
-          <a:lstStyle/>
-          <a:p>
-            <a:r>
-              <a:rPr lang="en-US" sz="3600" dirty="0" err="1" smtClean="0"/>
-              <a:t>OpenCV</a:t>
-            </a:r>
-            <a:endParaRPr lang="ru-RU" sz="3600" dirty="0"/>
-          </a:p>
-        </p:txBody>
-      </p:sp>
       <p:pic>
         <p:nvPicPr>
           <p:cNvPr id="7" name="Рисунок 6"/>
@@ -5052,7 +5366,7 @@
           <p:nvPr/>
         </p:nvPicPr>
         <p:blipFill>
-          <a:blip r:embed="rId2" cstate="print">
+          <a:blip r:embed="rId1" cstate="print">
             <a:extLst>
               <a:ext uri="{28A0092B-C50C-407E-A947-70E740481C1C}">
                 <a14:useLocalDpi xmlns:a14="http://schemas.microsoft.com/office/drawing/2010/main" val="0"/>
@@ -5065,7 +5379,7 @@
         </p:blipFill>
         <p:spPr>
           <a:xfrm>
-            <a:off x="734631" y="2497810"/>
+            <a:off x="782256" y="1901545"/>
             <a:ext cx="3209313" cy="2353496"/>
           </a:xfrm>
           <a:prstGeom prst="rect">
@@ -5082,7 +5396,7 @@
           <p:nvPr/>
         </p:nvPicPr>
         <p:blipFill>
-          <a:blip r:embed="rId3">
+          <a:blip r:embed="rId2">
             <a:extLst>
               <a:ext uri="{28A0092B-C50C-407E-A947-70E740481C1C}">
                 <a14:useLocalDpi xmlns:a14="http://schemas.microsoft.com/office/drawing/2010/main" val="0"/>
@@ -5095,7 +5409,7 @@
         </p:blipFill>
         <p:spPr>
           <a:xfrm>
-            <a:off x="4143940" y="1902092"/>
+            <a:off x="4543355" y="1315352"/>
             <a:ext cx="3526971" cy="3526971"/>
           </a:xfrm>
           <a:prstGeom prst="rect">
@@ -5112,7 +5426,7 @@
           <p:nvPr/>
         </p:nvPicPr>
         <p:blipFill>
-          <a:blip r:embed="rId4" cstate="print">
+          <a:blip r:embed="rId3" cstate="print">
             <a:extLst>
               <a:ext uri="{28A0092B-C50C-407E-A947-70E740481C1C}">
                 <a14:useLocalDpi xmlns:a14="http://schemas.microsoft.com/office/drawing/2010/main" val="0"/>
@@ -5125,7 +5439,7 @@
         </p:blipFill>
         <p:spPr>
           <a:xfrm>
-            <a:off x="8620296" y="2386699"/>
+            <a:off x="8876836" y="1790434"/>
             <a:ext cx="2091245" cy="2575717"/>
           </a:xfrm>
           <a:prstGeom prst="rect">
@@ -5134,11 +5448,6 @@
         </p:spPr>
       </p:pic>
     </p:spTree>
-    <p:extLst>
-      <p:ext uri="{BB962C8B-B14F-4D97-AF65-F5344CB8AC3E}">
-        <p14:creationId xmlns:p14="http://schemas.microsoft.com/office/powerpoint/2010/main" val="137691699"/>
-      </p:ext>
-    </p:extLst>
   </p:cSld>
   <p:clrMapOvr>
     <a:masterClrMapping/>
@@ -5224,7 +5533,7 @@
           <p:nvPr/>
         </p:nvPicPr>
         <p:blipFill>
-          <a:blip r:embed="rId2">
+          <a:blip r:embed="rId1">
             <a:extLst>
               <a:ext uri="{28A0092B-C50C-407E-A947-70E740481C1C}">
                 <a14:useLocalDpi xmlns:a14="http://schemas.microsoft.com/office/drawing/2010/main" val="0"/>
@@ -5254,7 +5563,7 @@
           <p:nvPr/>
         </p:nvPicPr>
         <p:blipFill>
-          <a:blip r:embed="rId3">
+          <a:blip r:embed="rId2">
             <a:extLst>
               <a:ext uri="{28A0092B-C50C-407E-A947-70E740481C1C}">
                 <a14:useLocalDpi xmlns:a14="http://schemas.microsoft.com/office/drawing/2010/main" val="0"/>
@@ -5325,8 +5634,8 @@
         </p:nvSpPr>
         <p:spPr>
           <a:xfrm>
-            <a:off x="1167347" y="3300743"/>
-            <a:ext cx="2447273" cy="369332"/>
+            <a:off x="1167130" y="3300730"/>
+            <a:ext cx="6251575" cy="368300"/>
           </a:xfrm>
           <a:prstGeom prst="rect">
             <a:avLst/>
@@ -5334,7 +5643,7 @@
           <a:noFill/>
         </p:spPr>
         <p:txBody>
-          <a:bodyPr wrap="none" rtlCol="0">
+          <a:bodyPr wrap="square" rtlCol="0">
             <a:spAutoFit/>
           </a:bodyPr>
           <a:lstStyle/>
@@ -5360,11 +5669,6 @@
         </p:txBody>
       </p:sp>
     </p:spTree>
-    <p:extLst>
-      <p:ext uri="{BB962C8B-B14F-4D97-AF65-F5344CB8AC3E}">
-        <p14:creationId xmlns:p14="http://schemas.microsoft.com/office/powerpoint/2010/main" val="3053895576"/>
-      </p:ext>
-    </p:extLst>
   </p:cSld>
   <p:clrMapOvr>
     <a:masterClrMapping/>
@@ -5396,47 +5700,6 @@
           <a:chExt cx="0" cy="0"/>
         </a:xfrm>
       </p:grpSpPr>
-      <p:pic>
-        <p:nvPicPr>
-          <p:cNvPr id="1026" name="Picture 2" descr="D:\ANDRII-I_liceum\photo_2019-10-10_17-13-03.jpg"/>
-          <p:cNvPicPr>
-            <a:picLocks noChangeAspect="1" noChangeArrowheads="1"/>
-          </p:cNvPicPr>
-          <p:nvPr/>
-        </p:nvPicPr>
-        <p:blipFill>
-          <a:blip r:embed="rId2">
-            <a:extLst>
-              <a:ext uri="{28A0092B-C50C-407E-A947-70E740481C1C}">
-                <a14:useLocalDpi xmlns:a14="http://schemas.microsoft.com/office/drawing/2010/main" val="0"/>
-              </a:ext>
-            </a:extLst>
-          </a:blip>
-          <a:srcRect/>
-          <a:stretch>
-            <a:fillRect/>
-          </a:stretch>
-        </p:blipFill>
-        <p:spPr bwMode="auto">
-          <a:xfrm>
-            <a:off x="6762750" y="2571749"/>
-            <a:ext cx="5429250" cy="4207741"/>
-          </a:xfrm>
-          <a:prstGeom prst="rect">
-            <a:avLst/>
-          </a:prstGeom>
-          <a:noFill/>
-          <a:extLst>
-            <a:ext uri="{909E8E84-426E-40DD-AFC4-6F175D3DCCD1}">
-              <a14:hiddenFill xmlns:a14="http://schemas.microsoft.com/office/drawing/2010/main">
-                <a:solidFill>
-                  <a:srgbClr val="FFFFFF"/>
-                </a:solidFill>
-              </a14:hiddenFill>
-            </a:ext>
-          </a:extLst>
-        </p:spPr>
-      </p:pic>
       <p:sp>
         <p:nvSpPr>
           <p:cNvPr id="2" name="Заголовок 1"/>
@@ -5452,10 +5715,29 @@
           <a:bodyPr/>
           <a:lstStyle/>
           <a:p>
-            <a:pPr algn="ctr"/>
-            <a:r>
-              <a:rPr lang="uk-UA" dirty="0" smtClean="0"/>
-              <a:t> шлях польоту	</a:t>
+            <a:r>
+              <a:rPr lang="ru-RU" dirty="0" err="1" smtClean="0"/>
+              <a:t>Що</a:t>
+            </a:r>
+            <a:r>
+              <a:rPr lang="ru-RU" dirty="0" smtClean="0"/>
+              <a:t> </a:t>
+            </a:r>
+            <a:r>
+              <a:rPr lang="ru-RU" dirty="0" err="1" smtClean="0"/>
+              <a:t>таке</a:t>
+            </a:r>
+            <a:r>
+              <a:rPr lang="ru-RU" dirty="0" smtClean="0"/>
+              <a:t> </a:t>
+            </a:r>
+            <a:r>
+              <a:rPr lang="en-US" b="1" dirty="0" smtClean="0"/>
+              <a:t>WGS84</a:t>
+            </a:r>
+            <a:r>
+              <a:rPr lang="ru-RU" b="1" dirty="0" smtClean="0"/>
+              <a:t>?</a:t>
             </a:r>
             <a:endParaRPr lang="ru-RU" dirty="0"/>
           </a:p>
@@ -5471,165 +5753,76 @@
             <p:ph idx="1"/>
           </p:nvPr>
         </p:nvSpPr>
-        <p:spPr/>
+        <p:spPr>
+          <a:xfrm>
+            <a:off x="300990" y="1252394"/>
+            <a:ext cx="11620500" cy="3579849"/>
+          </a:xfrm>
+        </p:spPr>
         <p:txBody>
           <a:bodyPr>
-            <a:normAutofit/>
+            <a:noAutofit/>
           </a:bodyPr>
           <a:lstStyle/>
           <a:p>
             <a:pPr>
-              <a:buFont typeface="Arial" pitchFamily="34" charset="0"/>
-              <a:buChar char="•"/>
+              <a:lnSpc>
+                <a:spcPct val="150000"/>
+              </a:lnSpc>
             </a:pPr>
             <a:r>
-              <a:rPr lang="uk-UA" sz="1800" dirty="0" smtClean="0"/>
-              <a:t>Ми </a:t>
-            </a:r>
-            <a:r>
-              <a:rPr lang="uk-UA" sz="1800" dirty="0" smtClean="0"/>
-              <a:t>знаходимо відстань між двома точками. </a:t>
-            </a:r>
-            <a:endParaRPr lang="en-US" sz="1800" dirty="0" smtClean="0"/>
-          </a:p>
-          <a:p>
-            <a:pPr>
-              <a:buFont typeface="Arial" pitchFamily="34" charset="0"/>
-              <a:buChar char="•"/>
-            </a:pPr>
-            <a:r>
-              <a:rPr lang="uk-UA" sz="1800" dirty="0" smtClean="0"/>
-              <a:t>Знаходимо </a:t>
-            </a:r>
-            <a:r>
-              <a:rPr lang="uk-UA" sz="1800" dirty="0" smtClean="0"/>
-              <a:t>довжину і ширину поля, яке ми повинні сфотографувати. </a:t>
-            </a:r>
-            <a:endParaRPr lang="en-US" sz="1800" dirty="0" smtClean="0"/>
-          </a:p>
-          <a:p>
-            <a:pPr>
-              <a:buFont typeface="Arial" pitchFamily="34" charset="0"/>
-              <a:buChar char="•"/>
-            </a:pPr>
-            <a:r>
-              <a:rPr lang="uk-UA" sz="1800" dirty="0" smtClean="0"/>
-              <a:t>За </a:t>
-            </a:r>
-            <a:r>
-              <a:rPr lang="uk-UA" sz="1800" dirty="0" smtClean="0"/>
-              <a:t>формулами знаходимо довжину і ширину прямокутника, яку </a:t>
-            </a:r>
-            <a:r>
-              <a:rPr lang="uk-UA" sz="1800" dirty="0" err="1" smtClean="0"/>
-              <a:t>дрон</a:t>
-            </a:r>
-            <a:r>
-              <a:rPr lang="uk-UA" sz="1800" dirty="0" smtClean="0"/>
-              <a:t> фотографує</a:t>
-            </a:r>
-            <a:r>
-              <a:rPr lang="uk-UA" sz="1800" dirty="0" smtClean="0"/>
-              <a:t>.</a:t>
-            </a:r>
-            <a:endParaRPr lang="en-US" sz="1800" dirty="0" smtClean="0"/>
-          </a:p>
-          <a:p>
-            <a:pPr>
-              <a:buFont typeface="Arial" pitchFamily="34" charset="0"/>
-              <a:buChar char="•"/>
-            </a:pPr>
-            <a:r>
-              <a:rPr lang="uk-UA" sz="1800" dirty="0" smtClean="0"/>
-              <a:t>Розбиваємо </a:t>
-            </a:r>
-            <a:r>
-              <a:rPr lang="uk-UA" sz="1800" dirty="0" smtClean="0"/>
-              <a:t>поле на прямокутники,поділивши довжину поля на ширину прямокутника і так само з довжиною поля та довжиною </a:t>
-            </a:r>
-            <a:r>
-              <a:rPr lang="uk-UA" sz="1800" dirty="0" smtClean="0"/>
-              <a:t>прямокутник</a:t>
-            </a:r>
-            <a:r>
-              <a:rPr lang="uk-UA" sz="1800" dirty="0"/>
-              <a:t>а</a:t>
-            </a:r>
-            <a:r>
-              <a:rPr lang="uk-UA" sz="1800" dirty="0" smtClean="0"/>
-              <a:t>, </a:t>
-            </a:r>
-            <a:endParaRPr lang="en-US" sz="1800" dirty="0" smtClean="0"/>
-          </a:p>
-          <a:p>
-            <a:pPr>
-              <a:buFont typeface="Arial" pitchFamily="34" charset="0"/>
-              <a:buChar char="•"/>
-            </a:pPr>
-            <a:r>
-              <a:rPr lang="uk-UA" sz="1800" dirty="0"/>
-              <a:t>Д</a:t>
-            </a:r>
-            <a:r>
-              <a:rPr lang="uk-UA" sz="1800" dirty="0" smtClean="0"/>
-              <a:t>ізнаємося </a:t>
-            </a:r>
-            <a:r>
-              <a:rPr lang="uk-UA" sz="1800" dirty="0" smtClean="0"/>
-              <a:t>кількість квадратів по ширині та </a:t>
-            </a:r>
-            <a:r>
-              <a:rPr lang="uk-UA" sz="1800" dirty="0" smtClean="0"/>
-              <a:t>довжині.</a:t>
-            </a:r>
-            <a:endParaRPr lang="en-US" sz="1800" dirty="0" smtClean="0"/>
-          </a:p>
-          <a:p>
-            <a:pPr>
-              <a:buFont typeface="Arial" pitchFamily="34" charset="0"/>
-              <a:buChar char="•"/>
-            </a:pPr>
-            <a:r>
-              <a:rPr lang="uk-UA" sz="1800" dirty="0" smtClean="0"/>
-              <a:t>Створюємо </a:t>
-            </a:r>
-            <a:r>
-              <a:rPr lang="uk-UA" sz="1800" dirty="0" smtClean="0"/>
-              <a:t>масив в якому ми вміщуємо координати, </a:t>
-            </a:r>
-            <a:r>
-              <a:rPr lang="uk-UA" sz="1800" dirty="0" smtClean="0"/>
-              <a:t>де</a:t>
-            </a:r>
-            <a:r>
-              <a:rPr lang="en-US" sz="1800" dirty="0" smtClean="0"/>
-              <a:t/>
-            </a:r>
-            <a:br>
-              <a:rPr lang="en-US" sz="1800" dirty="0" smtClean="0"/>
-            </a:br>
-            <a:r>
-              <a:rPr lang="uk-UA" sz="1800" dirty="0" smtClean="0"/>
+              <a:rPr lang="uk-UA" sz="2800" dirty="0" smtClean="0"/>
+              <a:t>		</a:t>
+            </a:r>
+            <a:r>
+              <a:rPr lang="en-US" sz="2800" dirty="0" smtClean="0"/>
+              <a:t>World Geodetic System 1984 —</a:t>
+            </a:r>
+            <a:r>
+              <a:rPr lang="ru-RU" sz="2800" dirty="0" err="1" smtClean="0"/>
+              <a:t>тривимірна</a:t>
+            </a:r>
+            <a:r>
+              <a:rPr lang="ru-RU" sz="2800" dirty="0" smtClean="0"/>
+              <a:t> система координат для </a:t>
+            </a:r>
+            <a:r>
+              <a:rPr lang="ru-RU" sz="2800" dirty="0" err="1" smtClean="0"/>
+              <a:t>встановлення</a:t>
+            </a:r>
+            <a:r>
+              <a:rPr lang="ru-RU" sz="2800" dirty="0" smtClean="0"/>
               <a:t> </a:t>
             </a:r>
             <a:r>
-              <a:rPr lang="uk-UA" sz="1800" dirty="0" err="1" smtClean="0"/>
-              <a:t>дрон</a:t>
-            </a:r>
-            <a:r>
-              <a:rPr lang="uk-UA" sz="1800" dirty="0" smtClean="0"/>
-              <a:t> фотографує.   </a:t>
-            </a:r>
-            <a:endParaRPr lang="ru-RU" sz="1800" dirty="0"/>
+              <a:rPr lang="ru-RU" sz="2800" dirty="0" err="1" smtClean="0"/>
+              <a:t>розташування</a:t>
+            </a:r>
+            <a:r>
+              <a:rPr lang="ru-RU" sz="2800" dirty="0" smtClean="0"/>
+              <a:t> на </a:t>
+            </a:r>
+            <a:r>
+              <a:rPr lang="ru-RU" sz="2800" dirty="0" err="1" smtClean="0"/>
+              <a:t>поверхні</a:t>
+            </a:r>
+            <a:r>
+              <a:rPr lang="ru-RU" sz="2800" dirty="0" smtClean="0"/>
+              <a:t> </a:t>
+            </a:r>
+            <a:r>
+              <a:rPr lang="ru-RU" sz="2800" dirty="0" err="1" smtClean="0"/>
+              <a:t>Землі</a:t>
+            </a:r>
+            <a:r>
+              <a:rPr lang="ru-RU" sz="2800" dirty="0" smtClean="0"/>
+              <a:t>. </a:t>
+            </a:r>
+            <a:endParaRPr lang="uk-UA" altLang="ru-RU" sz="2800" dirty="0" smtClean="0"/>
           </a:p>
         </p:txBody>
       </p:sp>
     </p:spTree>
-    <p:extLst>
-      <p:ext uri="{BB962C8B-B14F-4D97-AF65-F5344CB8AC3E}">
-        <p14:creationId xmlns:p14="http://schemas.microsoft.com/office/powerpoint/2010/main" val="4000937819"/>
-      </p:ext>
-    </p:extLst>
   </p:cSld>
   <p:clrMapOvr>
     <a:masterClrMapping/>
@@ -5671,172 +5864,26 @@
             <p:ph type="title"/>
           </p:nvPr>
         </p:nvSpPr>
-        <p:spPr/>
+        <p:spPr>
+          <a:xfrm>
+            <a:off x="85725" y="2009774"/>
+            <a:ext cx="12106275" cy="2276475"/>
+          </a:xfrm>
+        </p:spPr>
         <p:txBody>
           <a:bodyPr/>
           <a:lstStyle/>
           <a:p>
-            <a:r>
-              <a:rPr lang="ru-RU" dirty="0" err="1" smtClean="0"/>
-              <a:t>Що</a:t>
-            </a:r>
-            <a:r>
-              <a:rPr lang="ru-RU" dirty="0" smtClean="0"/>
-              <a:t> </a:t>
-            </a:r>
-            <a:r>
-              <a:rPr lang="ru-RU" dirty="0" err="1" smtClean="0"/>
-              <a:t>таке</a:t>
-            </a:r>
-            <a:r>
-              <a:rPr lang="ru-RU" dirty="0" smtClean="0"/>
-              <a:t> </a:t>
-            </a:r>
-            <a:r>
-              <a:rPr lang="en-US" b="1" dirty="0" smtClean="0"/>
-              <a:t>WGS84</a:t>
-            </a:r>
-            <a:r>
-              <a:rPr lang="ru-RU" b="1" dirty="0" smtClean="0"/>
-              <a:t>?</a:t>
-            </a:r>
-            <a:endParaRPr lang="ru-RU" dirty="0"/>
-          </a:p>
-        </p:txBody>
-      </p:sp>
-      <p:sp>
-        <p:nvSpPr>
-          <p:cNvPr id="3" name="Объект 2"/>
-          <p:cNvSpPr>
-            <a:spLocks noGrp="1"/>
-          </p:cNvSpPr>
-          <p:nvPr>
-            <p:ph idx="1"/>
-          </p:nvPr>
-        </p:nvSpPr>
-        <p:spPr>
-          <a:xfrm>
-            <a:off x="276225" y="1100629"/>
-            <a:ext cx="11620500" cy="3579849"/>
-          </a:xfrm>
-        </p:spPr>
-        <p:txBody>
-          <a:bodyPr>
-            <a:normAutofit/>
-          </a:bodyPr>
-          <a:lstStyle/>
-          <a:p>
-            <a:pPr>
-              <a:lnSpc>
-                <a:spcPct val="150000"/>
-              </a:lnSpc>
-            </a:pPr>
-            <a:r>
-              <a:rPr lang="uk-UA" sz="3600" dirty="0" smtClean="0"/>
-              <a:t>		</a:t>
-            </a:r>
-            <a:r>
-              <a:rPr lang="en-US" sz="3600" dirty="0" smtClean="0"/>
-              <a:t>World Ge</a:t>
-            </a:r>
-            <a:r>
-              <a:rPr lang="en-US" sz="3600" i="1" dirty="0" smtClean="0"/>
-              <a:t>odetic System 1984</a:t>
-            </a:r>
-            <a:r>
-              <a:rPr lang="en-US" sz="3600" dirty="0" smtClean="0"/>
-              <a:t> —</a:t>
-            </a:r>
-            <a:r>
-              <a:rPr lang="ru-RU" sz="3600" dirty="0" err="1" smtClean="0"/>
-              <a:t>тривимірна</a:t>
-            </a:r>
-            <a:r>
-              <a:rPr lang="ru-RU" sz="3600" dirty="0" smtClean="0"/>
-              <a:t> система координат для </a:t>
-            </a:r>
-            <a:r>
-              <a:rPr lang="ru-RU" sz="3600" dirty="0" err="1" smtClean="0"/>
-              <a:t>встановлення</a:t>
-            </a:r>
-            <a:r>
-              <a:rPr lang="ru-RU" sz="3600" dirty="0" smtClean="0"/>
-              <a:t> </a:t>
-            </a:r>
-            <a:r>
-              <a:rPr lang="ru-RU" sz="3600" dirty="0" err="1" smtClean="0"/>
-              <a:t>розташування</a:t>
-            </a:r>
-            <a:r>
-              <a:rPr lang="ru-RU" sz="3600" dirty="0" smtClean="0"/>
-              <a:t> на </a:t>
-            </a:r>
-            <a:r>
-              <a:rPr lang="ru-RU" sz="3600" dirty="0" err="1" smtClean="0"/>
-              <a:t>поверхні</a:t>
-            </a:r>
-            <a:r>
-              <a:rPr lang="ru-RU" sz="3600" dirty="0" smtClean="0"/>
-              <a:t> </a:t>
-            </a:r>
-            <a:r>
-              <a:rPr lang="ru-RU" sz="3600" dirty="0" err="1" smtClean="0"/>
-              <a:t>Землі</a:t>
-            </a:r>
-            <a:r>
-              <a:rPr lang="ru-RU" sz="3600" dirty="0" smtClean="0"/>
-              <a:t>. </a:t>
-            </a:r>
-            <a:r>
-              <a:rPr lang="uk-UA" sz="3600" dirty="0"/>
-              <a:t>В</a:t>
-            </a:r>
-            <a:r>
-              <a:rPr lang="ru-RU" sz="3600" dirty="0" smtClean="0"/>
-              <a:t>она </a:t>
-            </a:r>
-            <a:r>
-              <a:rPr lang="ru-RU" sz="3600" dirty="0" err="1" smtClean="0"/>
-              <a:t>повністю</a:t>
-            </a:r>
-            <a:r>
-              <a:rPr lang="ru-RU" sz="3600" dirty="0" smtClean="0"/>
-              <a:t> </a:t>
-            </a:r>
-            <a:r>
-              <a:rPr lang="ru-RU" sz="3600" dirty="0" err="1" smtClean="0"/>
-              <a:t>охоплює</a:t>
-            </a:r>
-            <a:r>
-              <a:rPr lang="ru-RU" sz="3600" dirty="0" smtClean="0"/>
-              <a:t> </a:t>
-            </a:r>
-            <a:r>
-              <a:rPr lang="ru-RU" sz="3600" dirty="0" err="1" smtClean="0"/>
-              <a:t>поверхню</a:t>
-            </a:r>
-            <a:r>
-              <a:rPr lang="ru-RU" sz="3600" dirty="0" smtClean="0"/>
-              <a:t> </a:t>
-            </a:r>
-            <a:r>
-              <a:rPr lang="ru-RU" sz="3600" dirty="0" err="1" smtClean="0"/>
-              <a:t>Землі</a:t>
-            </a:r>
-            <a:r>
-              <a:rPr lang="ru-RU" sz="3600" dirty="0" smtClean="0"/>
-              <a:t>. </a:t>
-            </a:r>
-            <a:endParaRPr lang="ru-RU" sz="3600" dirty="0"/>
+            <a:pPr algn="ctr"/>
+            <a:r>
+              <a:rPr lang="uk-UA" sz="7200" dirty="0" smtClean="0"/>
+              <a:t>ДЕМОНСТРАЦІЯ ПРОГРАМИ</a:t>
+            </a:r>
+            <a:endParaRPr lang="ru-RU" sz="7200" dirty="0"/>
           </a:p>
         </p:txBody>
       </p:sp>
     </p:spTree>
-    <p:extLst>
-      <p:ext uri="{BB962C8B-B14F-4D97-AF65-F5344CB8AC3E}">
-        <p14:creationId xmlns:p14="http://schemas.microsoft.com/office/powerpoint/2010/main" val="3340531445"/>
-      </p:ext>
-    </p:extLst>
   </p:cSld>
   <p:clrMapOvr>
     <a:masterClrMapping/>
@@ -5868,6 +5915,103 @@
           <a:chExt cx="0" cy="0"/>
         </a:xfrm>
       </p:grpSpPr>
+      <p:pic>
+        <p:nvPicPr>
+          <p:cNvPr id="1026" name="Picture 2" descr="D:\ANDRII-I_liceum\photo_2019-10-10_17-13-03.jpg"/>
+          <p:cNvPicPr>
+            <a:picLocks noChangeAspect="1" noChangeArrowheads="1"/>
+          </p:cNvPicPr>
+          <p:nvPr/>
+        </p:nvPicPr>
+        <p:blipFill>
+          <a:blip r:embed="rId1">
+            <a:extLst>
+              <a:ext uri="{28A0092B-C50C-407E-A947-70E740481C1C}">
+                <a14:useLocalDpi xmlns:a14="http://schemas.microsoft.com/office/drawing/2010/main" val="0"/>
+              </a:ext>
+            </a:extLst>
+          </a:blip>
+          <a:srcRect/>
+          <a:stretch>
+            <a:fillRect/>
+          </a:stretch>
+        </p:blipFill>
+        <p:spPr bwMode="auto">
+          <a:xfrm>
+            <a:off x="1851660" y="914400"/>
+            <a:ext cx="6765290" cy="5243195"/>
+          </a:xfrm>
+          <a:prstGeom prst="rect">
+            <a:avLst/>
+          </a:prstGeom>
+          <a:noFill/>
+          <a:extLst>
+            <a:ext uri="{909E8E84-426E-40DD-AFC4-6F175D3DCCD1}">
+              <a14:hiddenFill xmlns:a14="http://schemas.microsoft.com/office/drawing/2010/main">
+                <a:solidFill>
+                  <a:srgbClr val="FFFFFF"/>
+                </a:solidFill>
+              </a14:hiddenFill>
+            </a:ext>
+          </a:extLst>
+        </p:spPr>
+      </p:pic>
+      <p:sp>
+        <p:nvSpPr>
+          <p:cNvPr id="2" name="Заголовок 1"/>
+          <p:cNvSpPr>
+            <a:spLocks noGrp="1"/>
+          </p:cNvSpPr>
+          <p:nvPr>
+            <p:ph type="title"/>
+          </p:nvPr>
+        </p:nvSpPr>
+        <p:spPr/>
+        <p:txBody>
+          <a:bodyPr/>
+          <a:lstStyle/>
+          <a:p>
+            <a:pPr algn="ctr"/>
+            <a:r>
+              <a:rPr lang="uk-UA" dirty="0" smtClean="0"/>
+              <a:t> шлях польоту	</a:t>
+            </a:r>
+            <a:endParaRPr lang="ru-RU" dirty="0"/>
+          </a:p>
+        </p:txBody>
+      </p:sp>
+    </p:spTree>
+  </p:cSld>
+  <p:clrMapOvr>
+    <a:masterClrMapping/>
+  </p:clrMapOvr>
+  <p:timing>
+    <p:tnLst>
+      <p:par>
+        <p:cTn id="1" dur="indefinite" restart="never" nodeType="tmRoot"/>
+      </p:par>
+    </p:tnLst>
+  </p:timing>
+</p:sld>
+</file>
+
+<file path=ppt/slides/slide7.xml><?xml version="1.0" encoding="utf-8"?>
+<p:sld xmlns:a="http://schemas.openxmlformats.org/drawingml/2006/main" xmlns:r="http://schemas.openxmlformats.org/officeDocument/2006/relationships" xmlns:p="http://schemas.openxmlformats.org/presentationml/2006/main">
+  <p:cSld>
+    <p:spTree>
+      <p:nvGrpSpPr>
+        <p:cNvPr id="1" name=""/>
+        <p:cNvGrpSpPr/>
+        <p:nvPr/>
+      </p:nvGrpSpPr>
+      <p:grpSpPr>
+        <a:xfrm>
+          <a:off x="0" y="0"/>
+          <a:ext cx="0" cy="0"/>
+          <a:chOff x="0" y="0"/>
+          <a:chExt cx="0" cy="0"/>
+        </a:xfrm>
+      </p:grpSpPr>
       <p:sp>
         <p:nvSpPr>
           <p:cNvPr id="2" name="Заголовок 1"/>
@@ -5891,18 +6035,13 @@
             <a:pPr algn="ctr"/>
             <a:r>
               <a:rPr lang="uk-UA" sz="7200" dirty="0" smtClean="0"/>
-              <a:t>ДЕМОНСТРАЦІЯ ПРОГРАМИ</a:t>
+              <a:t>ДЯКУЄмо за УВАГУ!</a:t>
             </a:r>
             <a:endParaRPr lang="ru-RU" sz="7200" dirty="0"/>
           </a:p>
         </p:txBody>
       </p:sp>
     </p:spTree>
-    <p:extLst>
-      <p:ext uri="{BB962C8B-B14F-4D97-AF65-F5344CB8AC3E}">
-        <p14:creationId xmlns:p14="http://schemas.microsoft.com/office/powerpoint/2010/main" val="3453686446"/>
-      </p:ext>
-    </p:extLst>
   </p:cSld>
   <p:clrMapOvr>
     <a:masterClrMapping/>
@@ -6188,7 +6327,269 @@
       </a:bgFillStyleLst>
     </a:fmtScheme>
   </a:themeElements>
-  <a:objectDefaults/>
-  <a:extraClrSchemeLst/>
+  <a:extLst>
+    <a:ext uri="{05A4C25C-085E-4340-85A3-A5531E510DB2}">
+      <thm15:themeFamily xmlns:thm15="http://schemas.microsoft.com/office/thememl/2012/main" name="Office Theme" id="{62F939B6-93AF-4DB8-9C6B-D6C7DFDC589F}" vid="{4A3C46E8-61CC-4603-A589-7422A47A8E4A}"/>
+    </a:ext>
+  </a:extLst>
+</a:theme>
+</file>
+
+<file path=ppt/theme/theme2.xml><?xml version="1.0" encoding="utf-8"?>
+<a:theme xmlns:a="http://schemas.openxmlformats.org/drawingml/2006/main" name="Office Theme">
+  <a:themeElements>
+    <a:clrScheme name="Office">
+      <a:dk1>
+        <a:sysClr val="windowText" lastClr="000000"/>
+      </a:dk1>
+      <a:lt1>
+        <a:sysClr val="window" lastClr="FFFFFF"/>
+      </a:lt1>
+      <a:dk2>
+        <a:srgbClr val="44546A"/>
+      </a:dk2>
+      <a:lt2>
+        <a:srgbClr val="E7E6E6"/>
+      </a:lt2>
+      <a:accent1>
+        <a:srgbClr val="5B9BD5"/>
+      </a:accent1>
+      <a:accent2>
+        <a:srgbClr val="ED7D31"/>
+      </a:accent2>
+      <a:accent3>
+        <a:srgbClr val="A5A5A5"/>
+      </a:accent3>
+      <a:accent4>
+        <a:srgbClr val="FFC000"/>
+      </a:accent4>
+      <a:accent5>
+        <a:srgbClr val="4472C4"/>
+      </a:accent5>
+      <a:accent6>
+        <a:srgbClr val="70AD47"/>
+      </a:accent6>
+      <a:hlink>
+        <a:srgbClr val="0563C1"/>
+      </a:hlink>
+      <a:folHlink>
+        <a:srgbClr val="954F72"/>
+      </a:folHlink>
+    </a:clrScheme>
+    <a:fontScheme name="Office">
+      <a:majorFont>
+        <a:latin typeface="Calibri Light"/>
+        <a:ea typeface=""/>
+        <a:cs typeface=""/>
+        <a:font script="Jpan" typeface="ＭＳ Ｐゴシック"/>
+        <a:font script="Hang" typeface="맑은 고딕"/>
+        <a:font script="Hans" typeface="宋体"/>
+        <a:font script="Hant" typeface="新細明體"/>
+        <a:font script="Arab" typeface="Times New Roman"/>
+        <a:font script="Hebr" typeface="Times New Roman"/>
+        <a:font script="Thai" typeface="Angsana New"/>
+        <a:font script="Ethi" typeface="Nyala"/>
+        <a:font script="Beng" typeface="Vrinda"/>
+        <a:font script="Gujr" typeface="Shruti"/>
+        <a:font script="Khmr" typeface="MoolBoran"/>
+        <a:font script="Knda" typeface="Tunga"/>
+        <a:font script="Guru" typeface="Raavi"/>
+        <a:font script="Cans" typeface="Euphemia"/>
+        <a:font script="Cher" typeface="Plantagenet Cherokee"/>
+        <a:font script="Yiii" typeface="Microsoft Yi Baiti"/>
+        <a:font script="Tibt" typeface="Microsoft Himalaya"/>
+        <a:font script="Thaa" typeface="MV Boli"/>
+        <a:font script="Deva" typeface="Mangal"/>
+        <a:font script="Telu" typeface="Gautami"/>
+        <a:font script="Taml" typeface="Latha"/>
+        <a:font script="Syrc" typeface="Estrangelo Edessa"/>
+        <a:font script="Orya" typeface="Kalinga"/>
+        <a:font script="Mlym" typeface="Kartika"/>
+        <a:font script="Laoo" typeface="DokChampa"/>
+        <a:font script="Sinh" typeface="Iskoola Pota"/>
+        <a:font script="Mong" typeface="Mongolian Baiti"/>
+        <a:font script="Viet" typeface="Times New Roman"/>
+        <a:font script="Uigh" typeface="Microsoft Uighur"/>
+        <a:font script="Geor" typeface="Sylfaen"/>
+      </a:majorFont>
+      <a:minorFont>
+        <a:latin typeface="Calibri"/>
+        <a:ea typeface=""/>
+        <a:cs typeface=""/>
+        <a:font script="Jpan" typeface="ＭＳ Ｐゴシック"/>
+        <a:font script="Hang" typeface="맑은 고딕"/>
+        <a:font script="Hans" typeface="宋体"/>
+        <a:font script="Hant" typeface="新細明體"/>
+        <a:font script="Arab" typeface="Arial"/>
+        <a:font script="Hebr" typeface="Arial"/>
+        <a:font script="Thai" typeface="Cordia New"/>
+        <a:font script="Ethi" typeface="Nyala"/>
+        <a:font script="Beng" typeface="Vrinda"/>
+        <a:font script="Gujr" typeface="Shruti"/>
+        <a:font script="Khmr" typeface="DaunPenh"/>
+        <a:font script="Knda" typeface="Tunga"/>
+        <a:font script="Guru" typeface="Raavi"/>
+        <a:font script="Cans" typeface="Euphemia"/>
+        <a:font script="Cher" typeface="Plantagenet Cherokee"/>
+        <a:font script="Yiii" typeface="Microsoft Yi Baiti"/>
+        <a:font script="Tibt" typeface="Microsoft Himalaya"/>
+        <a:font script="Thaa" typeface="MV Boli"/>
+        <a:font script="Deva" typeface="Mangal"/>
+        <a:font script="Telu" typeface="Gautami"/>
+        <a:font script="Taml" typeface="Latha"/>
+        <a:font script="Syrc" typeface="Estrangelo Edessa"/>
+        <a:font script="Orya" typeface="Kalinga"/>
+        <a:font script="Mlym" typeface="Kartika"/>
+        <a:font script="Laoo" typeface="DokChampa"/>
+        <a:font script="Sinh" typeface="Iskoola Pota"/>
+        <a:font script="Mong" typeface="Mongolian Baiti"/>
+        <a:font script="Viet" typeface="Arial"/>
+        <a:font script="Uigh" typeface="Microsoft Uighur"/>
+        <a:font script="Geor" typeface="Sylfaen"/>
+      </a:minorFont>
+    </a:fontScheme>
+    <a:fmtScheme name="Office">
+      <a:fillStyleLst>
+        <a:solidFill>
+          <a:schemeClr val="phClr"/>
+        </a:solidFill>
+        <a:gradFill rotWithShape="1">
+          <a:gsLst>
+            <a:gs pos="0">
+              <a:schemeClr val="phClr">
+                <a:lumMod val="110000"/>
+                <a:satMod val="105000"/>
+                <a:tint val="67000"/>
+              </a:schemeClr>
+            </a:gs>
+            <a:gs pos="50000">
+              <a:schemeClr val="phClr">
+                <a:lumMod val="105000"/>
+                <a:satMod val="103000"/>
+                <a:tint val="73000"/>
+              </a:schemeClr>
+            </a:gs>
+            <a:gs pos="100000">
+              <a:schemeClr val="phClr">
+                <a:lumMod val="105000"/>
+                <a:satMod val="109000"/>
+                <a:tint val="81000"/>
+              </a:schemeClr>
+            </a:gs>
+          </a:gsLst>
+          <a:lin ang="5400000" scaled="0"/>
+        </a:gradFill>
+        <a:gradFill rotWithShape="1">
+          <a:gsLst>
+            <a:gs pos="0">
+              <a:schemeClr val="phClr">
+                <a:satMod val="103000"/>
+                <a:lumMod val="102000"/>
+                <a:tint val="94000"/>
+              </a:schemeClr>
+            </a:gs>
+            <a:gs pos="50000">
+              <a:schemeClr val="phClr">
+                <a:satMod val="110000"/>
+                <a:lumMod val="100000"/>
+                <a:shade val="100000"/>
+              </a:schemeClr>
+            </a:gs>
+            <a:gs pos="100000">
+              <a:schemeClr val="phClr">
+                <a:lumMod val="99000"/>
+                <a:satMod val="120000"/>
+                <a:shade val="78000"/>
+              </a:schemeClr>
+            </a:gs>
+          </a:gsLst>
+          <a:lin ang="5400000" scaled="0"/>
+        </a:gradFill>
+      </a:fillStyleLst>
+      <a:lnStyleLst>
+        <a:ln w="6350" cap="flat" cmpd="sng" algn="ctr">
+          <a:solidFill>
+            <a:schemeClr val="phClr"/>
+          </a:solidFill>
+          <a:prstDash val="solid"/>
+          <a:miter lim="800000"/>
+        </a:ln>
+        <a:ln w="12700" cap="flat" cmpd="sng" algn="ctr">
+          <a:solidFill>
+            <a:schemeClr val="phClr"/>
+          </a:solidFill>
+          <a:prstDash val="solid"/>
+          <a:miter lim="800000"/>
+        </a:ln>
+        <a:ln w="19050" cap="flat" cmpd="sng" algn="ctr">
+          <a:solidFill>
+            <a:schemeClr val="phClr"/>
+          </a:solidFill>
+          <a:prstDash val="solid"/>
+          <a:miter lim="800000"/>
+        </a:ln>
+      </a:lnStyleLst>
+      <a:effectStyleLst>
+        <a:effectStyle>
+          <a:effectLst/>
+        </a:effectStyle>
+        <a:effectStyle>
+          <a:effectLst/>
+        </a:effectStyle>
+        <a:effectStyle>
+          <a:effectLst>
+            <a:outerShdw blurRad="57150" dist="19050" dir="5400000" algn="ctr" rotWithShape="0">
+              <a:srgbClr val="000000">
+                <a:alpha val="63000"/>
+              </a:srgbClr>
+            </a:outerShdw>
+          </a:effectLst>
+        </a:effectStyle>
+      </a:effectStyleLst>
+      <a:bgFillStyleLst>
+        <a:solidFill>
+          <a:schemeClr val="phClr"/>
+        </a:solidFill>
+        <a:solidFill>
+          <a:schemeClr val="phClr">
+            <a:tint val="95000"/>
+            <a:satMod val="170000"/>
+          </a:schemeClr>
+        </a:solidFill>
+        <a:gradFill rotWithShape="1">
+          <a:gsLst>
+            <a:gs pos="0">
+              <a:schemeClr val="phClr">
+                <a:tint val="93000"/>
+                <a:satMod val="150000"/>
+                <a:shade val="98000"/>
+                <a:lumMod val="102000"/>
+              </a:schemeClr>
+            </a:gs>
+            <a:gs pos="50000">
+              <a:schemeClr val="phClr">
+                <a:tint val="98000"/>
+                <a:satMod val="130000"/>
+                <a:shade val="90000"/>
+                <a:lumMod val="103000"/>
+              </a:schemeClr>
+            </a:gs>
+            <a:gs pos="100000">
+              <a:schemeClr val="phClr">
+                <a:shade val="63000"/>
+                <a:satMod val="120000"/>
+              </a:schemeClr>
+            </a:gs>
+          </a:gsLst>
+          <a:lin ang="5400000" scaled="0"/>
+        </a:gradFill>
+      </a:bgFillStyleLst>
+    </a:fmtScheme>
+  </a:themeElements>
+  <a:extLst>
+    <a:ext uri="{05A4C25C-085E-4340-85A3-A5531E510DB2}">
+      <thm15:themeFamily xmlns:thm15="http://schemas.microsoft.com/office/thememl/2012/main" name="Office Theme" id="{62F939B6-93AF-4DB8-9C6B-D6C7DFDC589F}" vid="{4A3C46E8-61CC-4603-A589-7422A47A8E4A}"/>
+    </a:ext>
+  </a:extLst>
 </a:theme>
 </file>